--- a/doc/Presentation/Medv4D.pptx
+++ b/doc/Presentation/Medv4D.pptx
@@ -6,8 +6,10 @@
   </p:sldMasterIdLst>
   <p:sldIdLst>
     <p:sldId id="256" r:id="rId2"/>
-    <p:sldId id="257" r:id="rId3"/>
-    <p:sldId id="258" r:id="rId4"/>
+    <p:sldId id="259" r:id="rId3"/>
+    <p:sldId id="260" r:id="rId4"/>
+    <p:sldId id="257" r:id="rId5"/>
+    <p:sldId id="258" r:id="rId6"/>
   </p:sldIdLst>
   <p:sldSz cx="9144000" cy="6858000" type="screen4x3"/>
   <p:notesSz cx="6858000" cy="9144000"/>
@@ -330,7 +332,7 @@
               <a:pPr>
                 <a:defRPr/>
               </a:pPr>
-              <a:t>07/09/2008</a:t>
+              <a:t>09/09/2008</a:t>
             </a:fld>
             <a:endParaRPr lang="fr-FR"/>
           </a:p>
@@ -522,7 +524,7 @@
               <a:pPr>
                 <a:defRPr/>
               </a:pPr>
-              <a:t>07/09/2008</a:t>
+              <a:t>09/09/2008</a:t>
             </a:fld>
             <a:endParaRPr lang="fr-FR"/>
           </a:p>
@@ -724,7 +726,7 @@
               <a:pPr>
                 <a:defRPr/>
               </a:pPr>
-              <a:t>07/09/2008</a:t>
+              <a:t>09/09/2008</a:t>
             </a:fld>
             <a:endParaRPr lang="fr-FR"/>
           </a:p>
@@ -916,7 +918,7 @@
               <a:pPr>
                 <a:defRPr/>
               </a:pPr>
-              <a:t>07/09/2008</a:t>
+              <a:t>09/09/2008</a:t>
             </a:fld>
             <a:endParaRPr lang="fr-FR"/>
           </a:p>
@@ -1184,7 +1186,7 @@
               <a:pPr>
                 <a:defRPr/>
               </a:pPr>
-              <a:t>07/09/2008</a:t>
+              <a:t>09/09/2008</a:t>
             </a:fld>
             <a:endParaRPr lang="fr-FR"/>
           </a:p>
@@ -1494,7 +1496,7 @@
               <a:pPr>
                 <a:defRPr/>
               </a:pPr>
-              <a:t>07/09/2008</a:t>
+              <a:t>09/09/2008</a:t>
             </a:fld>
             <a:endParaRPr lang="fr-FR"/>
           </a:p>
@@ -1938,7 +1940,7 @@
               <a:pPr>
                 <a:defRPr/>
               </a:pPr>
-              <a:t>07/09/2008</a:t>
+              <a:t>09/09/2008</a:t>
             </a:fld>
             <a:endParaRPr lang="fr-FR"/>
           </a:p>
@@ -2078,7 +2080,7 @@
               <a:pPr>
                 <a:defRPr/>
               </a:pPr>
-              <a:t>07/09/2008</a:t>
+              <a:t>09/09/2008</a:t>
             </a:fld>
             <a:endParaRPr lang="fr-FR"/>
           </a:p>
@@ -2195,7 +2197,7 @@
               <a:pPr>
                 <a:defRPr/>
               </a:pPr>
-              <a:t>07/09/2008</a:t>
+              <a:t>09/09/2008</a:t>
             </a:fld>
             <a:endParaRPr lang="fr-FR"/>
           </a:p>
@@ -2494,7 +2496,7 @@
               <a:pPr>
                 <a:defRPr/>
               </a:pPr>
-              <a:t>07/09/2008</a:t>
+              <a:t>09/09/2008</a:t>
             </a:fld>
             <a:endParaRPr lang="fr-FR"/>
           </a:p>
@@ -2776,7 +2778,7 @@
               <a:pPr>
                 <a:defRPr/>
               </a:pPr>
-              <a:t>07/09/2008</a:t>
+              <a:t>09/09/2008</a:t>
             </a:fld>
             <a:endParaRPr lang="fr-FR"/>
           </a:p>
@@ -3031,7 +3033,7 @@
               <a:pPr>
                 <a:defRPr/>
               </a:pPr>
-              <a:t>07/09/2008</a:t>
+              <a:t>09/09/2008</a:t>
             </a:fld>
             <a:endParaRPr lang="fr-FR"/>
           </a:p>
@@ -3645,7 +3647,34 @@
                   <a:schemeClr val="bg1"/>
                 </a:solidFill>
               </a:rPr>
-              <a:t>, Václav </a:t>
+              <a:t> </a:t>
+            </a:r>
+          </a:p>
+          <a:p>
+            <a:pPr algn="l"/>
+            <a:r>
+              <a:rPr lang="sk-SK" sz="2800" dirty="0" smtClean="0">
+                <a:solidFill>
+                  <a:schemeClr val="bg1"/>
+                </a:solidFill>
+              </a:rPr>
+              <a:t> </a:t>
+            </a:r>
+            <a:r>
+              <a:rPr lang="sk-SK" sz="2800" dirty="0" smtClean="0">
+                <a:solidFill>
+                  <a:schemeClr val="bg1"/>
+                </a:solidFill>
+              </a:rPr>
+              <a:t>     </a:t>
+            </a:r>
+            <a:r>
+              <a:rPr lang="sk-SK" sz="2800" dirty="0" smtClean="0">
+                <a:solidFill>
+                  <a:schemeClr val="bg1"/>
+                </a:solidFill>
+              </a:rPr>
+              <a:t>Václav </a:t>
             </a:r>
             <a:r>
               <a:rPr lang="sk-SK" sz="2800" dirty="0" err="1" smtClean="0">
@@ -3655,13 +3684,21 @@
               </a:rPr>
               <a:t>Klecanda</a:t>
             </a:r>
+            <a:endParaRPr lang="sk-SK" sz="2800" dirty="0" smtClean="0">
+              <a:solidFill>
+                <a:schemeClr val="bg1"/>
+              </a:solidFill>
+            </a:endParaRPr>
+          </a:p>
+          <a:p>
+            <a:pPr algn="l"/>
             <a:r>
               <a:rPr lang="sk-SK" sz="2800" dirty="0" smtClean="0">
                 <a:solidFill>
                   <a:schemeClr val="bg1"/>
                 </a:solidFill>
               </a:rPr>
-              <a:t>, </a:t>
+              <a:t>             </a:t>
             </a:r>
             <a:r>
               <a:rPr lang="sk-SK" sz="2800" dirty="0" err="1" smtClean="0">
@@ -3693,7 +3730,18 @@
                   <a:schemeClr val="bg1"/>
                 </a:solidFill>
               </a:rPr>
-              <a:t>, </a:t>
+              <a:t> </a:t>
+            </a:r>
+          </a:p>
+          <a:p>
+            <a:pPr algn="l"/>
+            <a:r>
+              <a:rPr lang="sk-SK" sz="2800" dirty="0" smtClean="0">
+                <a:solidFill>
+                  <a:schemeClr val="bg1"/>
+                </a:solidFill>
+              </a:rPr>
+              <a:t>                   </a:t>
             </a:r>
             <a:r>
               <a:rPr lang="sk-SK" sz="2800" dirty="0" err="1" smtClean="0">
@@ -3773,7 +3821,7 @@
       </p:grpSpPr>
       <p:sp>
         <p:nvSpPr>
-          <p:cNvPr id="2" name="Titre 1"/>
+          <p:cNvPr id="6" name="Nadpis 5"/>
           <p:cNvSpPr>
             <a:spLocks noGrp="1"/>
           </p:cNvSpPr>
@@ -3781,749 +3829,51 @@
             <p:ph type="title"/>
           </p:nvPr>
         </p:nvSpPr>
+        <p:spPr/>
+        <p:txBody>
+          <a:bodyPr/>
+          <a:lstStyle/>
+          <a:p>
+            <a:r>
+              <a:rPr lang="en-US" dirty="0" err="1" smtClean="0"/>
+              <a:t>Uk</a:t>
+            </a:r>
+            <a:r>
+              <a:rPr lang="sk-SK" dirty="0" err="1" smtClean="0"/>
+              <a:t>ážka</a:t>
+            </a:r>
+            <a:r>
+              <a:rPr lang="sk-SK" dirty="0" smtClean="0"/>
+              <a:t> na začiatok...</a:t>
+            </a:r>
+            <a:endParaRPr lang="en-US" dirty="0"/>
+          </a:p>
+        </p:txBody>
+      </p:sp>
+      <p:pic>
+        <p:nvPicPr>
+          <p:cNvPr id="7" name="Obrázek 6" descr="ScreenShot-2.png"/>
+          <p:cNvPicPr>
+            <a:picLocks noChangeAspect="1"/>
+          </p:cNvPicPr>
+          <p:nvPr/>
+        </p:nvPicPr>
+        <p:blipFill>
+          <a:blip r:embed="rId3"/>
+          <a:stretch>
+            <a:fillRect/>
+          </a:stretch>
+        </p:blipFill>
         <p:spPr>
           <a:xfrm>
-            <a:off x="1928813" y="274638"/>
-            <a:ext cx="6757987" cy="1143000"/>
+            <a:off x="457200" y="1752600"/>
+            <a:ext cx="8305800" cy="4987377"/>
           </a:xfrm>
+          <a:prstGeom prst="rect">
+            <a:avLst/>
+          </a:prstGeom>
         </p:spPr>
-        <p:txBody>
-          <a:bodyPr rtlCol="0">
-            <a:normAutofit/>
-          </a:bodyPr>
-          <a:lstStyle/>
-          <a:p>
-            <a:pPr algn="l" fontAlgn="auto">
-              <a:spcAft>
-                <a:spcPts val="0"/>
-              </a:spcAft>
-              <a:defRPr/>
-            </a:pPr>
-            <a:r>
-              <a:rPr lang="fr-CA" dirty="0" err="1" smtClean="0">
-                <a:solidFill>
-                  <a:schemeClr val="tx1">
-                    <a:lumMod val="75000"/>
-                    <a:lumOff val="25000"/>
-                  </a:schemeClr>
-                </a:solidFill>
-              </a:rPr>
-              <a:t>Title</a:t>
-            </a:r>
-            <a:endParaRPr lang="fr-FR" dirty="0" smtClean="0">
-              <a:solidFill>
-                <a:schemeClr val="tx1">
-                  <a:lumMod val="75000"/>
-                  <a:lumOff val="25000"/>
-                </a:schemeClr>
-              </a:solidFill>
-            </a:endParaRPr>
-          </a:p>
-        </p:txBody>
-      </p:sp>
-      <p:sp>
-        <p:nvSpPr>
-          <p:cNvPr id="3" name="Espace réservé du contenu 2"/>
-          <p:cNvSpPr>
-            <a:spLocks noGrp="1"/>
-          </p:cNvSpPr>
-          <p:nvPr>
-            <p:ph idx="1"/>
-          </p:nvPr>
-        </p:nvSpPr>
-        <p:spPr>
-          <a:xfrm>
-            <a:off x="1928813" y="1600200"/>
-            <a:ext cx="6757987" cy="4525963"/>
-          </a:xfrm>
-        </p:spPr>
-        <p:txBody>
-          <a:bodyPr rtlCol="0">
-            <a:normAutofit/>
-          </a:bodyPr>
-          <a:lstStyle/>
-          <a:p>
-            <a:pPr fontAlgn="auto">
-              <a:spcAft>
-                <a:spcPts val="0"/>
-              </a:spcAft>
-              <a:buFont typeface="Arial" pitchFamily="34" charset="0"/>
-              <a:buChar char="•"/>
-              <a:defRPr/>
-            </a:pPr>
-            <a:r>
-              <a:rPr lang="fr-FR" dirty="0" err="1" smtClean="0">
-                <a:solidFill>
-                  <a:schemeClr val="tx1">
-                    <a:lumMod val="75000"/>
-                    <a:lumOff val="25000"/>
-                  </a:schemeClr>
-                </a:solidFill>
-              </a:rPr>
-              <a:t>Lorem</a:t>
-            </a:r>
-            <a:r>
-              <a:rPr lang="fr-FR" dirty="0" smtClean="0">
-                <a:solidFill>
-                  <a:schemeClr val="tx1">
-                    <a:lumMod val="75000"/>
-                    <a:lumOff val="25000"/>
-                  </a:schemeClr>
-                </a:solidFill>
-              </a:rPr>
-              <a:t> </a:t>
-            </a:r>
-            <a:r>
-              <a:rPr lang="fr-FR" dirty="0" err="1" smtClean="0">
-                <a:solidFill>
-                  <a:schemeClr val="tx1">
-                    <a:lumMod val="75000"/>
-                    <a:lumOff val="25000"/>
-                  </a:schemeClr>
-                </a:solidFill>
-              </a:rPr>
-              <a:t>ipsum</a:t>
-            </a:r>
-            <a:r>
-              <a:rPr lang="fr-FR" dirty="0" smtClean="0">
-                <a:solidFill>
-                  <a:schemeClr val="tx1">
-                    <a:lumMod val="75000"/>
-                    <a:lumOff val="25000"/>
-                  </a:schemeClr>
-                </a:solidFill>
-              </a:rPr>
-              <a:t> </a:t>
-            </a:r>
-            <a:r>
-              <a:rPr lang="fr-FR" dirty="0" err="1" smtClean="0">
-                <a:solidFill>
-                  <a:schemeClr val="tx1">
-                    <a:lumMod val="75000"/>
-                    <a:lumOff val="25000"/>
-                  </a:schemeClr>
-                </a:solidFill>
-              </a:rPr>
-              <a:t>dolor</a:t>
-            </a:r>
-            <a:r>
-              <a:rPr lang="fr-FR" dirty="0" smtClean="0">
-                <a:solidFill>
-                  <a:schemeClr val="tx1">
-                    <a:lumMod val="75000"/>
-                    <a:lumOff val="25000"/>
-                  </a:schemeClr>
-                </a:solidFill>
-              </a:rPr>
-              <a:t> </a:t>
-            </a:r>
-            <a:r>
-              <a:rPr lang="fr-FR" dirty="0" err="1" smtClean="0">
-                <a:solidFill>
-                  <a:schemeClr val="tx1">
-                    <a:lumMod val="75000"/>
-                    <a:lumOff val="25000"/>
-                  </a:schemeClr>
-                </a:solidFill>
-              </a:rPr>
-              <a:t>sit</a:t>
-            </a:r>
-            <a:r>
-              <a:rPr lang="fr-FR" dirty="0" smtClean="0">
-                <a:solidFill>
-                  <a:schemeClr val="tx1">
-                    <a:lumMod val="75000"/>
-                    <a:lumOff val="25000"/>
-                  </a:schemeClr>
-                </a:solidFill>
-              </a:rPr>
-              <a:t> </a:t>
-            </a:r>
-            <a:r>
-              <a:rPr lang="fr-FR" dirty="0" err="1" smtClean="0">
-                <a:solidFill>
-                  <a:schemeClr val="tx1">
-                    <a:lumMod val="75000"/>
-                    <a:lumOff val="25000"/>
-                  </a:schemeClr>
-                </a:solidFill>
-              </a:rPr>
-              <a:t>amet</a:t>
-            </a:r>
-            <a:r>
-              <a:rPr lang="fr-FR" dirty="0" smtClean="0">
-                <a:solidFill>
-                  <a:schemeClr val="tx1">
-                    <a:lumMod val="75000"/>
-                    <a:lumOff val="25000"/>
-                  </a:schemeClr>
-                </a:solidFill>
-              </a:rPr>
-              <a:t>, </a:t>
-            </a:r>
-            <a:r>
-              <a:rPr lang="fr-FR" dirty="0" err="1" smtClean="0">
-                <a:solidFill>
-                  <a:schemeClr val="tx1">
-                    <a:lumMod val="75000"/>
-                    <a:lumOff val="25000"/>
-                  </a:schemeClr>
-                </a:solidFill>
-              </a:rPr>
-              <a:t>consectetuer</a:t>
-            </a:r>
-            <a:r>
-              <a:rPr lang="fr-FR" dirty="0" smtClean="0">
-                <a:solidFill>
-                  <a:schemeClr val="tx1">
-                    <a:lumMod val="75000"/>
-                    <a:lumOff val="25000"/>
-                  </a:schemeClr>
-                </a:solidFill>
-              </a:rPr>
-              <a:t> </a:t>
-            </a:r>
-            <a:r>
-              <a:rPr lang="fr-FR" dirty="0" err="1" smtClean="0">
-                <a:solidFill>
-                  <a:schemeClr val="tx1">
-                    <a:lumMod val="75000"/>
-                    <a:lumOff val="25000"/>
-                  </a:schemeClr>
-                </a:solidFill>
-              </a:rPr>
-              <a:t>adipiscing</a:t>
-            </a:r>
-            <a:r>
-              <a:rPr lang="fr-FR" dirty="0" smtClean="0">
-                <a:solidFill>
-                  <a:schemeClr val="tx1">
-                    <a:lumMod val="75000"/>
-                    <a:lumOff val="25000"/>
-                  </a:schemeClr>
-                </a:solidFill>
-              </a:rPr>
-              <a:t> </a:t>
-            </a:r>
-            <a:r>
-              <a:rPr lang="fr-FR" dirty="0" err="1" smtClean="0">
-                <a:solidFill>
-                  <a:schemeClr val="tx1">
-                    <a:lumMod val="75000"/>
-                    <a:lumOff val="25000"/>
-                  </a:schemeClr>
-                </a:solidFill>
-              </a:rPr>
-              <a:t>elit</a:t>
-            </a:r>
-            <a:r>
-              <a:rPr lang="fr-FR" dirty="0" smtClean="0">
-                <a:solidFill>
-                  <a:schemeClr val="tx1">
-                    <a:lumMod val="75000"/>
-                    <a:lumOff val="25000"/>
-                  </a:schemeClr>
-                </a:solidFill>
-              </a:rPr>
-              <a:t>. </a:t>
-            </a:r>
-            <a:r>
-              <a:rPr lang="fr-FR" dirty="0" err="1" smtClean="0">
-                <a:solidFill>
-                  <a:schemeClr val="tx1">
-                    <a:lumMod val="75000"/>
-                    <a:lumOff val="25000"/>
-                  </a:schemeClr>
-                </a:solidFill>
-              </a:rPr>
-              <a:t>Vivamus</a:t>
-            </a:r>
-            <a:r>
-              <a:rPr lang="fr-FR" dirty="0" smtClean="0">
-                <a:solidFill>
-                  <a:schemeClr val="tx1">
-                    <a:lumMod val="75000"/>
-                    <a:lumOff val="25000"/>
-                  </a:schemeClr>
-                </a:solidFill>
-              </a:rPr>
-              <a:t> et magna. </a:t>
-            </a:r>
-            <a:r>
-              <a:rPr lang="fr-FR" dirty="0" err="1" smtClean="0">
-                <a:solidFill>
-                  <a:schemeClr val="tx1">
-                    <a:lumMod val="75000"/>
-                    <a:lumOff val="25000"/>
-                  </a:schemeClr>
-                </a:solidFill>
-              </a:rPr>
-              <a:t>Fusce</a:t>
-            </a:r>
-            <a:r>
-              <a:rPr lang="fr-FR" dirty="0" smtClean="0">
-                <a:solidFill>
-                  <a:schemeClr val="tx1">
-                    <a:lumMod val="75000"/>
-                    <a:lumOff val="25000"/>
-                  </a:schemeClr>
-                </a:solidFill>
-              </a:rPr>
-              <a:t> </a:t>
-            </a:r>
-            <a:r>
-              <a:rPr lang="fr-FR" dirty="0" err="1" smtClean="0">
-                <a:solidFill>
-                  <a:schemeClr val="tx1">
-                    <a:lumMod val="75000"/>
-                    <a:lumOff val="25000"/>
-                  </a:schemeClr>
-                </a:solidFill>
-              </a:rPr>
-              <a:t>sed</a:t>
-            </a:r>
-            <a:r>
-              <a:rPr lang="fr-FR" dirty="0" smtClean="0">
-                <a:solidFill>
-                  <a:schemeClr val="tx1">
-                    <a:lumMod val="75000"/>
-                    <a:lumOff val="25000"/>
-                  </a:schemeClr>
-                </a:solidFill>
-              </a:rPr>
-              <a:t> </a:t>
-            </a:r>
-            <a:r>
-              <a:rPr lang="fr-FR" dirty="0" err="1" smtClean="0">
-                <a:solidFill>
-                  <a:schemeClr val="tx1">
-                    <a:lumMod val="75000"/>
-                    <a:lumOff val="25000"/>
-                  </a:schemeClr>
-                </a:solidFill>
-              </a:rPr>
-              <a:t>sem</a:t>
-            </a:r>
-            <a:r>
-              <a:rPr lang="fr-FR" dirty="0" smtClean="0">
-                <a:solidFill>
-                  <a:schemeClr val="tx1">
-                    <a:lumMod val="75000"/>
-                    <a:lumOff val="25000"/>
-                  </a:schemeClr>
-                </a:solidFill>
-              </a:rPr>
-              <a:t> </a:t>
-            </a:r>
-            <a:r>
-              <a:rPr lang="fr-FR" dirty="0" err="1" smtClean="0">
-                <a:solidFill>
-                  <a:schemeClr val="tx1">
-                    <a:lumMod val="75000"/>
-                    <a:lumOff val="25000"/>
-                  </a:schemeClr>
-                </a:solidFill>
-              </a:rPr>
-              <a:t>sed</a:t>
-            </a:r>
-            <a:r>
-              <a:rPr lang="fr-FR" dirty="0" smtClean="0">
-                <a:solidFill>
-                  <a:schemeClr val="tx1">
-                    <a:lumMod val="75000"/>
-                    <a:lumOff val="25000"/>
-                  </a:schemeClr>
-                </a:solidFill>
-              </a:rPr>
-              <a:t> magna </a:t>
-            </a:r>
-            <a:r>
-              <a:rPr lang="fr-FR" dirty="0" err="1" smtClean="0">
-                <a:solidFill>
-                  <a:schemeClr val="tx1">
-                    <a:lumMod val="75000"/>
-                    <a:lumOff val="25000"/>
-                  </a:schemeClr>
-                </a:solidFill>
-              </a:rPr>
-              <a:t>suscipit</a:t>
-            </a:r>
-            <a:r>
-              <a:rPr lang="fr-FR" dirty="0" smtClean="0">
-                <a:solidFill>
-                  <a:schemeClr val="tx1">
-                    <a:lumMod val="75000"/>
-                    <a:lumOff val="25000"/>
-                  </a:schemeClr>
-                </a:solidFill>
-              </a:rPr>
-              <a:t> </a:t>
-            </a:r>
-            <a:r>
-              <a:rPr lang="fr-FR" dirty="0" err="1" smtClean="0">
-                <a:solidFill>
-                  <a:schemeClr val="tx1">
-                    <a:lumMod val="75000"/>
-                    <a:lumOff val="25000"/>
-                  </a:schemeClr>
-                </a:solidFill>
-              </a:rPr>
-              <a:t>egestas</a:t>
-            </a:r>
-            <a:r>
-              <a:rPr lang="fr-FR" dirty="0" smtClean="0">
-                <a:solidFill>
-                  <a:schemeClr val="tx1">
-                    <a:lumMod val="75000"/>
-                    <a:lumOff val="25000"/>
-                  </a:schemeClr>
-                </a:solidFill>
-              </a:rPr>
-              <a:t>. </a:t>
-            </a:r>
-          </a:p>
-          <a:p>
-            <a:pPr fontAlgn="auto">
-              <a:spcAft>
-                <a:spcPts val="0"/>
-              </a:spcAft>
-              <a:buFont typeface="Arial" pitchFamily="34" charset="0"/>
-              <a:buChar char="•"/>
-              <a:defRPr/>
-            </a:pPr>
-            <a:r>
-              <a:rPr lang="fr-FR" dirty="0" err="1" smtClean="0">
-                <a:solidFill>
-                  <a:schemeClr val="tx1">
-                    <a:lumMod val="75000"/>
-                    <a:lumOff val="25000"/>
-                  </a:schemeClr>
-                </a:solidFill>
-              </a:rPr>
-              <a:t>Lorem</a:t>
-            </a:r>
-            <a:r>
-              <a:rPr lang="fr-FR" dirty="0" smtClean="0">
-                <a:solidFill>
-                  <a:schemeClr val="tx1">
-                    <a:lumMod val="75000"/>
-                    <a:lumOff val="25000"/>
-                  </a:schemeClr>
-                </a:solidFill>
-              </a:rPr>
-              <a:t> </a:t>
-            </a:r>
-            <a:r>
-              <a:rPr lang="fr-FR" dirty="0" err="1" smtClean="0">
-                <a:solidFill>
-                  <a:schemeClr val="tx1">
-                    <a:lumMod val="75000"/>
-                    <a:lumOff val="25000"/>
-                  </a:schemeClr>
-                </a:solidFill>
-              </a:rPr>
-              <a:t>ipsum</a:t>
-            </a:r>
-            <a:r>
-              <a:rPr lang="fr-FR" dirty="0" smtClean="0">
-                <a:solidFill>
-                  <a:schemeClr val="tx1">
-                    <a:lumMod val="75000"/>
-                    <a:lumOff val="25000"/>
-                  </a:schemeClr>
-                </a:solidFill>
-              </a:rPr>
-              <a:t> </a:t>
-            </a:r>
-            <a:r>
-              <a:rPr lang="fr-FR" dirty="0" err="1" smtClean="0">
-                <a:solidFill>
-                  <a:schemeClr val="tx1">
-                    <a:lumMod val="75000"/>
-                    <a:lumOff val="25000"/>
-                  </a:schemeClr>
-                </a:solidFill>
-              </a:rPr>
-              <a:t>dolor</a:t>
-            </a:r>
-            <a:r>
-              <a:rPr lang="fr-FR" dirty="0" smtClean="0">
-                <a:solidFill>
-                  <a:schemeClr val="tx1">
-                    <a:lumMod val="75000"/>
-                    <a:lumOff val="25000"/>
-                  </a:schemeClr>
-                </a:solidFill>
-              </a:rPr>
-              <a:t> </a:t>
-            </a:r>
-            <a:r>
-              <a:rPr lang="fr-FR" dirty="0" err="1" smtClean="0">
-                <a:solidFill>
-                  <a:schemeClr val="tx1">
-                    <a:lumMod val="75000"/>
-                    <a:lumOff val="25000"/>
-                  </a:schemeClr>
-                </a:solidFill>
-              </a:rPr>
-              <a:t>sit</a:t>
-            </a:r>
-            <a:r>
-              <a:rPr lang="fr-FR" dirty="0" smtClean="0">
-                <a:solidFill>
-                  <a:schemeClr val="tx1">
-                    <a:lumMod val="75000"/>
-                    <a:lumOff val="25000"/>
-                  </a:schemeClr>
-                </a:solidFill>
-              </a:rPr>
-              <a:t> </a:t>
-            </a:r>
-            <a:r>
-              <a:rPr lang="fr-FR" dirty="0" err="1" smtClean="0">
-                <a:solidFill>
-                  <a:schemeClr val="tx1">
-                    <a:lumMod val="75000"/>
-                    <a:lumOff val="25000"/>
-                  </a:schemeClr>
-                </a:solidFill>
-              </a:rPr>
-              <a:t>amet</a:t>
-            </a:r>
-            <a:r>
-              <a:rPr lang="fr-FR" dirty="0" smtClean="0">
-                <a:solidFill>
-                  <a:schemeClr val="tx1">
-                    <a:lumMod val="75000"/>
-                    <a:lumOff val="25000"/>
-                  </a:schemeClr>
-                </a:solidFill>
-              </a:rPr>
-              <a:t>, </a:t>
-            </a:r>
-            <a:r>
-              <a:rPr lang="fr-FR" dirty="0" err="1" smtClean="0">
-                <a:solidFill>
-                  <a:schemeClr val="tx1">
-                    <a:lumMod val="75000"/>
-                    <a:lumOff val="25000"/>
-                  </a:schemeClr>
-                </a:solidFill>
-              </a:rPr>
-              <a:t>consectetuer</a:t>
-            </a:r>
-            <a:r>
-              <a:rPr lang="fr-FR" dirty="0" smtClean="0">
-                <a:solidFill>
-                  <a:schemeClr val="tx1">
-                    <a:lumMod val="75000"/>
-                    <a:lumOff val="25000"/>
-                  </a:schemeClr>
-                </a:solidFill>
-              </a:rPr>
-              <a:t> </a:t>
-            </a:r>
-            <a:r>
-              <a:rPr lang="fr-FR" dirty="0" err="1" smtClean="0">
-                <a:solidFill>
-                  <a:schemeClr val="tx1">
-                    <a:lumMod val="75000"/>
-                    <a:lumOff val="25000"/>
-                  </a:schemeClr>
-                </a:solidFill>
-              </a:rPr>
-              <a:t>adipiscing</a:t>
-            </a:r>
-            <a:r>
-              <a:rPr lang="fr-FR" dirty="0" smtClean="0">
-                <a:solidFill>
-                  <a:schemeClr val="tx1">
-                    <a:lumMod val="75000"/>
-                    <a:lumOff val="25000"/>
-                  </a:schemeClr>
-                </a:solidFill>
-              </a:rPr>
-              <a:t> </a:t>
-            </a:r>
-            <a:r>
-              <a:rPr lang="fr-FR" dirty="0" err="1" smtClean="0">
-                <a:solidFill>
-                  <a:schemeClr val="tx1">
-                    <a:lumMod val="75000"/>
-                    <a:lumOff val="25000"/>
-                  </a:schemeClr>
-                </a:solidFill>
-              </a:rPr>
-              <a:t>elit</a:t>
-            </a:r>
-            <a:r>
-              <a:rPr lang="fr-FR" dirty="0" smtClean="0">
-                <a:solidFill>
-                  <a:schemeClr val="tx1">
-                    <a:lumMod val="75000"/>
-                    <a:lumOff val="25000"/>
-                  </a:schemeClr>
-                </a:solidFill>
-              </a:rPr>
-              <a:t>. </a:t>
-            </a:r>
-            <a:r>
-              <a:rPr lang="fr-FR" dirty="0" err="1" smtClean="0">
-                <a:solidFill>
-                  <a:schemeClr val="tx1">
-                    <a:lumMod val="75000"/>
-                    <a:lumOff val="25000"/>
-                  </a:schemeClr>
-                </a:solidFill>
-              </a:rPr>
-              <a:t>Vivamus</a:t>
-            </a:r>
-            <a:r>
-              <a:rPr lang="fr-FR" dirty="0" smtClean="0">
-                <a:solidFill>
-                  <a:schemeClr val="tx1">
-                    <a:lumMod val="75000"/>
-                    <a:lumOff val="25000"/>
-                  </a:schemeClr>
-                </a:solidFill>
-              </a:rPr>
-              <a:t> et magna. </a:t>
-            </a:r>
-            <a:r>
-              <a:rPr lang="fr-FR" dirty="0" err="1" smtClean="0">
-                <a:solidFill>
-                  <a:schemeClr val="tx1">
-                    <a:lumMod val="75000"/>
-                    <a:lumOff val="25000"/>
-                  </a:schemeClr>
-                </a:solidFill>
-              </a:rPr>
-              <a:t>Fusce</a:t>
-            </a:r>
-            <a:r>
-              <a:rPr lang="fr-FR" dirty="0" smtClean="0">
-                <a:solidFill>
-                  <a:schemeClr val="tx1">
-                    <a:lumMod val="75000"/>
-                    <a:lumOff val="25000"/>
-                  </a:schemeClr>
-                </a:solidFill>
-              </a:rPr>
-              <a:t> </a:t>
-            </a:r>
-            <a:r>
-              <a:rPr lang="fr-FR" dirty="0" err="1" smtClean="0">
-                <a:solidFill>
-                  <a:schemeClr val="tx1">
-                    <a:lumMod val="75000"/>
-                    <a:lumOff val="25000"/>
-                  </a:schemeClr>
-                </a:solidFill>
-              </a:rPr>
-              <a:t>sed</a:t>
-            </a:r>
-            <a:r>
-              <a:rPr lang="fr-FR" dirty="0" smtClean="0">
-                <a:solidFill>
-                  <a:schemeClr val="tx1">
-                    <a:lumMod val="75000"/>
-                    <a:lumOff val="25000"/>
-                  </a:schemeClr>
-                </a:solidFill>
-              </a:rPr>
-              <a:t> </a:t>
-            </a:r>
-            <a:r>
-              <a:rPr lang="fr-FR" dirty="0" err="1" smtClean="0">
-                <a:solidFill>
-                  <a:schemeClr val="tx1">
-                    <a:lumMod val="75000"/>
-                    <a:lumOff val="25000"/>
-                  </a:schemeClr>
-                </a:solidFill>
-              </a:rPr>
-              <a:t>sem</a:t>
-            </a:r>
-            <a:r>
-              <a:rPr lang="fr-FR" dirty="0" smtClean="0">
-                <a:solidFill>
-                  <a:schemeClr val="tx1">
-                    <a:lumMod val="75000"/>
-                    <a:lumOff val="25000"/>
-                  </a:schemeClr>
-                </a:solidFill>
-              </a:rPr>
-              <a:t> </a:t>
-            </a:r>
-            <a:r>
-              <a:rPr lang="fr-FR" dirty="0" err="1" smtClean="0">
-                <a:solidFill>
-                  <a:schemeClr val="tx1">
-                    <a:lumMod val="75000"/>
-                    <a:lumOff val="25000"/>
-                  </a:schemeClr>
-                </a:solidFill>
-              </a:rPr>
-              <a:t>sed</a:t>
-            </a:r>
-            <a:r>
-              <a:rPr lang="fr-FR" dirty="0" smtClean="0">
-                <a:solidFill>
-                  <a:schemeClr val="tx1">
-                    <a:lumMod val="75000"/>
-                    <a:lumOff val="25000"/>
-                  </a:schemeClr>
-                </a:solidFill>
-              </a:rPr>
-              <a:t> magna </a:t>
-            </a:r>
-            <a:r>
-              <a:rPr lang="fr-FR" dirty="0" err="1" smtClean="0">
-                <a:solidFill>
-                  <a:schemeClr val="tx1">
-                    <a:lumMod val="75000"/>
-                    <a:lumOff val="25000"/>
-                  </a:schemeClr>
-                </a:solidFill>
-              </a:rPr>
-              <a:t>suscipit</a:t>
-            </a:r>
-            <a:r>
-              <a:rPr lang="fr-FR" dirty="0" smtClean="0">
-                <a:solidFill>
-                  <a:schemeClr val="tx1">
-                    <a:lumMod val="75000"/>
-                    <a:lumOff val="25000"/>
-                  </a:schemeClr>
-                </a:solidFill>
-              </a:rPr>
-              <a:t> </a:t>
-            </a:r>
-            <a:r>
-              <a:rPr lang="fr-FR" dirty="0" err="1" smtClean="0">
-                <a:solidFill>
-                  <a:schemeClr val="tx1">
-                    <a:lumMod val="75000"/>
-                    <a:lumOff val="25000"/>
-                  </a:schemeClr>
-                </a:solidFill>
-              </a:rPr>
-              <a:t>egestas</a:t>
-            </a:r>
-            <a:r>
-              <a:rPr lang="fr-FR" dirty="0" smtClean="0">
-                <a:solidFill>
-                  <a:schemeClr val="tx1">
-                    <a:lumMod val="75000"/>
-                    <a:lumOff val="25000"/>
-                  </a:schemeClr>
-                </a:solidFill>
-              </a:rPr>
-              <a:t>. </a:t>
-            </a:r>
-          </a:p>
-        </p:txBody>
-      </p:sp>
+      </p:pic>
     </p:spTree>
   </p:cSld>
   <p:clrMapOvr>
@@ -4540,6 +3890,890 @@
 </file>
 
 <file path=ppt/slides/slide3.xml><?xml version="1.0" encoding="utf-8"?>
+<p:sld xmlns:a="http://schemas.openxmlformats.org/drawingml/2006/main" xmlns:r="http://schemas.openxmlformats.org/officeDocument/2006/relationships" xmlns:p="http://schemas.openxmlformats.org/presentationml/2006/main">
+  <p:cSld>
+    <p:bg>
+      <p:bgPr>
+        <a:blipFill dpi="0" rotWithShape="0">
+          <a:blip r:embed="rId2"/>
+          <a:srcRect/>
+          <a:stretch>
+            <a:fillRect/>
+          </a:stretch>
+        </a:blipFill>
+        <a:effectLst/>
+      </p:bgPr>
+    </p:bg>
+    <p:spTree>
+      <p:nvGrpSpPr>
+        <p:cNvPr id="1" name=""/>
+        <p:cNvGrpSpPr/>
+        <p:nvPr/>
+      </p:nvGrpSpPr>
+      <p:grpSpPr>
+        <a:xfrm>
+          <a:off x="0" y="0"/>
+          <a:ext cx="0" cy="0"/>
+          <a:chOff x="0" y="0"/>
+          <a:chExt cx="0" cy="0"/>
+        </a:xfrm>
+      </p:grpSpPr>
+      <p:sp>
+        <p:nvSpPr>
+          <p:cNvPr id="6" name="Nadpis 5"/>
+          <p:cNvSpPr>
+            <a:spLocks noGrp="1"/>
+          </p:cNvSpPr>
+          <p:nvPr>
+            <p:ph type="title"/>
+          </p:nvPr>
+        </p:nvSpPr>
+        <p:spPr/>
+        <p:txBody>
+          <a:bodyPr/>
+          <a:lstStyle/>
+          <a:p>
+            <a:endParaRPr lang="en-US" dirty="0"/>
+          </a:p>
+        </p:txBody>
+      </p:sp>
+      <p:pic>
+        <p:nvPicPr>
+          <p:cNvPr id="4" name="Obrázek 3" descr="ScreenShot-3.png"/>
+          <p:cNvPicPr>
+            <a:picLocks noChangeAspect="1"/>
+          </p:cNvPicPr>
+          <p:nvPr/>
+        </p:nvPicPr>
+        <p:blipFill>
+          <a:blip r:embed="rId3"/>
+          <a:stretch>
+            <a:fillRect/>
+          </a:stretch>
+        </p:blipFill>
+        <p:spPr>
+          <a:xfrm>
+            <a:off x="457200" y="1752600"/>
+            <a:ext cx="8305800" cy="4980883"/>
+          </a:xfrm>
+          <a:prstGeom prst="rect">
+            <a:avLst/>
+          </a:prstGeom>
+        </p:spPr>
+      </p:pic>
+    </p:spTree>
+  </p:cSld>
+  <p:clrMapOvr>
+    <a:masterClrMapping/>
+  </p:clrMapOvr>
+  <p:timing>
+    <p:tnLst>
+      <p:par>
+        <p:cTn id="1" dur="indefinite" restart="never" nodeType="tmRoot"/>
+      </p:par>
+    </p:tnLst>
+  </p:timing>
+</p:sld>
+</file>
+
+<file path=ppt/slides/slide4.xml><?xml version="1.0" encoding="utf-8"?>
+<p:sld xmlns:a="http://schemas.openxmlformats.org/drawingml/2006/main" xmlns:r="http://schemas.openxmlformats.org/officeDocument/2006/relationships" xmlns:p="http://schemas.openxmlformats.org/presentationml/2006/main">
+  <p:cSld>
+    <p:bg>
+      <p:bgPr>
+        <a:blipFill dpi="0" rotWithShape="0">
+          <a:blip r:embed="rId2"/>
+          <a:srcRect/>
+          <a:stretch>
+            <a:fillRect/>
+          </a:stretch>
+        </a:blipFill>
+        <a:effectLst/>
+      </p:bgPr>
+    </p:bg>
+    <p:spTree>
+      <p:nvGrpSpPr>
+        <p:cNvPr id="1" name=""/>
+        <p:cNvGrpSpPr/>
+        <p:nvPr/>
+      </p:nvGrpSpPr>
+      <p:grpSpPr>
+        <a:xfrm>
+          <a:off x="0" y="0"/>
+          <a:ext cx="0" cy="0"/>
+          <a:chOff x="0" y="0"/>
+          <a:chExt cx="0" cy="0"/>
+        </a:xfrm>
+      </p:grpSpPr>
+      <p:sp>
+        <p:nvSpPr>
+          <p:cNvPr id="2" name="Titre 1"/>
+          <p:cNvSpPr>
+            <a:spLocks noGrp="1"/>
+          </p:cNvSpPr>
+          <p:nvPr>
+            <p:ph type="title"/>
+          </p:nvPr>
+        </p:nvSpPr>
+        <p:spPr>
+          <a:xfrm>
+            <a:off x="1928813" y="274638"/>
+            <a:ext cx="6757987" cy="1143000"/>
+          </a:xfrm>
+        </p:spPr>
+        <p:txBody>
+          <a:bodyPr rtlCol="0">
+            <a:normAutofit/>
+          </a:bodyPr>
+          <a:lstStyle/>
+          <a:p>
+            <a:pPr algn="l" fontAlgn="auto">
+              <a:spcAft>
+                <a:spcPts val="0"/>
+              </a:spcAft>
+              <a:defRPr/>
+            </a:pPr>
+            <a:r>
+              <a:rPr lang="fr-CA" dirty="0" err="1" smtClean="0">
+                <a:solidFill>
+                  <a:schemeClr val="tx1">
+                    <a:lumMod val="75000"/>
+                    <a:lumOff val="25000"/>
+                  </a:schemeClr>
+                </a:solidFill>
+              </a:rPr>
+              <a:t>Title</a:t>
+            </a:r>
+            <a:endParaRPr lang="fr-FR" dirty="0" smtClean="0">
+              <a:solidFill>
+                <a:schemeClr val="tx1">
+                  <a:lumMod val="75000"/>
+                  <a:lumOff val="25000"/>
+                </a:schemeClr>
+              </a:solidFill>
+            </a:endParaRPr>
+          </a:p>
+        </p:txBody>
+      </p:sp>
+      <p:sp>
+        <p:nvSpPr>
+          <p:cNvPr id="3" name="Espace réservé du contenu 2"/>
+          <p:cNvSpPr>
+            <a:spLocks noGrp="1"/>
+          </p:cNvSpPr>
+          <p:nvPr>
+            <p:ph idx="1"/>
+          </p:nvPr>
+        </p:nvSpPr>
+        <p:spPr>
+          <a:xfrm>
+            <a:off x="1928813" y="1600200"/>
+            <a:ext cx="6757987" cy="4525963"/>
+          </a:xfrm>
+        </p:spPr>
+        <p:txBody>
+          <a:bodyPr rtlCol="0">
+            <a:normAutofit/>
+          </a:bodyPr>
+          <a:lstStyle/>
+          <a:p>
+            <a:pPr fontAlgn="auto">
+              <a:spcAft>
+                <a:spcPts val="0"/>
+              </a:spcAft>
+              <a:buFont typeface="Arial" pitchFamily="34" charset="0"/>
+              <a:buChar char="•"/>
+              <a:defRPr/>
+            </a:pPr>
+            <a:r>
+              <a:rPr lang="fr-FR" dirty="0" err="1" smtClean="0">
+                <a:solidFill>
+                  <a:schemeClr val="tx1">
+                    <a:lumMod val="75000"/>
+                    <a:lumOff val="25000"/>
+                  </a:schemeClr>
+                </a:solidFill>
+              </a:rPr>
+              <a:t>Lorem</a:t>
+            </a:r>
+            <a:r>
+              <a:rPr lang="fr-FR" dirty="0" smtClean="0">
+                <a:solidFill>
+                  <a:schemeClr val="tx1">
+                    <a:lumMod val="75000"/>
+                    <a:lumOff val="25000"/>
+                  </a:schemeClr>
+                </a:solidFill>
+              </a:rPr>
+              <a:t> </a:t>
+            </a:r>
+            <a:r>
+              <a:rPr lang="fr-FR" dirty="0" err="1" smtClean="0">
+                <a:solidFill>
+                  <a:schemeClr val="tx1">
+                    <a:lumMod val="75000"/>
+                    <a:lumOff val="25000"/>
+                  </a:schemeClr>
+                </a:solidFill>
+              </a:rPr>
+              <a:t>ipsum</a:t>
+            </a:r>
+            <a:r>
+              <a:rPr lang="fr-FR" dirty="0" smtClean="0">
+                <a:solidFill>
+                  <a:schemeClr val="tx1">
+                    <a:lumMod val="75000"/>
+                    <a:lumOff val="25000"/>
+                  </a:schemeClr>
+                </a:solidFill>
+              </a:rPr>
+              <a:t> </a:t>
+            </a:r>
+            <a:r>
+              <a:rPr lang="fr-FR" dirty="0" err="1" smtClean="0">
+                <a:solidFill>
+                  <a:schemeClr val="tx1">
+                    <a:lumMod val="75000"/>
+                    <a:lumOff val="25000"/>
+                  </a:schemeClr>
+                </a:solidFill>
+              </a:rPr>
+              <a:t>dolor</a:t>
+            </a:r>
+            <a:r>
+              <a:rPr lang="fr-FR" dirty="0" smtClean="0">
+                <a:solidFill>
+                  <a:schemeClr val="tx1">
+                    <a:lumMod val="75000"/>
+                    <a:lumOff val="25000"/>
+                  </a:schemeClr>
+                </a:solidFill>
+              </a:rPr>
+              <a:t> </a:t>
+            </a:r>
+            <a:r>
+              <a:rPr lang="fr-FR" dirty="0" err="1" smtClean="0">
+                <a:solidFill>
+                  <a:schemeClr val="tx1">
+                    <a:lumMod val="75000"/>
+                    <a:lumOff val="25000"/>
+                  </a:schemeClr>
+                </a:solidFill>
+              </a:rPr>
+              <a:t>sit</a:t>
+            </a:r>
+            <a:r>
+              <a:rPr lang="fr-FR" dirty="0" smtClean="0">
+                <a:solidFill>
+                  <a:schemeClr val="tx1">
+                    <a:lumMod val="75000"/>
+                    <a:lumOff val="25000"/>
+                  </a:schemeClr>
+                </a:solidFill>
+              </a:rPr>
+              <a:t> </a:t>
+            </a:r>
+            <a:r>
+              <a:rPr lang="fr-FR" dirty="0" err="1" smtClean="0">
+                <a:solidFill>
+                  <a:schemeClr val="tx1">
+                    <a:lumMod val="75000"/>
+                    <a:lumOff val="25000"/>
+                  </a:schemeClr>
+                </a:solidFill>
+              </a:rPr>
+              <a:t>amet</a:t>
+            </a:r>
+            <a:r>
+              <a:rPr lang="fr-FR" dirty="0" smtClean="0">
+                <a:solidFill>
+                  <a:schemeClr val="tx1">
+                    <a:lumMod val="75000"/>
+                    <a:lumOff val="25000"/>
+                  </a:schemeClr>
+                </a:solidFill>
+              </a:rPr>
+              <a:t>, </a:t>
+            </a:r>
+            <a:r>
+              <a:rPr lang="fr-FR" dirty="0" err="1" smtClean="0">
+                <a:solidFill>
+                  <a:schemeClr val="tx1">
+                    <a:lumMod val="75000"/>
+                    <a:lumOff val="25000"/>
+                  </a:schemeClr>
+                </a:solidFill>
+              </a:rPr>
+              <a:t>consectetuer</a:t>
+            </a:r>
+            <a:r>
+              <a:rPr lang="fr-FR" dirty="0" smtClean="0">
+                <a:solidFill>
+                  <a:schemeClr val="tx1">
+                    <a:lumMod val="75000"/>
+                    <a:lumOff val="25000"/>
+                  </a:schemeClr>
+                </a:solidFill>
+              </a:rPr>
+              <a:t> </a:t>
+            </a:r>
+            <a:r>
+              <a:rPr lang="fr-FR" dirty="0" err="1" smtClean="0">
+                <a:solidFill>
+                  <a:schemeClr val="tx1">
+                    <a:lumMod val="75000"/>
+                    <a:lumOff val="25000"/>
+                  </a:schemeClr>
+                </a:solidFill>
+              </a:rPr>
+              <a:t>adipiscing</a:t>
+            </a:r>
+            <a:r>
+              <a:rPr lang="fr-FR" dirty="0" smtClean="0">
+                <a:solidFill>
+                  <a:schemeClr val="tx1">
+                    <a:lumMod val="75000"/>
+                    <a:lumOff val="25000"/>
+                  </a:schemeClr>
+                </a:solidFill>
+              </a:rPr>
+              <a:t> </a:t>
+            </a:r>
+            <a:r>
+              <a:rPr lang="fr-FR" dirty="0" err="1" smtClean="0">
+                <a:solidFill>
+                  <a:schemeClr val="tx1">
+                    <a:lumMod val="75000"/>
+                    <a:lumOff val="25000"/>
+                  </a:schemeClr>
+                </a:solidFill>
+              </a:rPr>
+              <a:t>elit</a:t>
+            </a:r>
+            <a:r>
+              <a:rPr lang="fr-FR" dirty="0" smtClean="0">
+                <a:solidFill>
+                  <a:schemeClr val="tx1">
+                    <a:lumMod val="75000"/>
+                    <a:lumOff val="25000"/>
+                  </a:schemeClr>
+                </a:solidFill>
+              </a:rPr>
+              <a:t>. </a:t>
+            </a:r>
+            <a:r>
+              <a:rPr lang="fr-FR" dirty="0" err="1" smtClean="0">
+                <a:solidFill>
+                  <a:schemeClr val="tx1">
+                    <a:lumMod val="75000"/>
+                    <a:lumOff val="25000"/>
+                  </a:schemeClr>
+                </a:solidFill>
+              </a:rPr>
+              <a:t>Vivamus</a:t>
+            </a:r>
+            <a:r>
+              <a:rPr lang="fr-FR" dirty="0" smtClean="0">
+                <a:solidFill>
+                  <a:schemeClr val="tx1">
+                    <a:lumMod val="75000"/>
+                    <a:lumOff val="25000"/>
+                  </a:schemeClr>
+                </a:solidFill>
+              </a:rPr>
+              <a:t> et magna. </a:t>
+            </a:r>
+            <a:r>
+              <a:rPr lang="fr-FR" dirty="0" err="1" smtClean="0">
+                <a:solidFill>
+                  <a:schemeClr val="tx1">
+                    <a:lumMod val="75000"/>
+                    <a:lumOff val="25000"/>
+                  </a:schemeClr>
+                </a:solidFill>
+              </a:rPr>
+              <a:t>Fusce</a:t>
+            </a:r>
+            <a:r>
+              <a:rPr lang="fr-FR" dirty="0" smtClean="0">
+                <a:solidFill>
+                  <a:schemeClr val="tx1">
+                    <a:lumMod val="75000"/>
+                    <a:lumOff val="25000"/>
+                  </a:schemeClr>
+                </a:solidFill>
+              </a:rPr>
+              <a:t> </a:t>
+            </a:r>
+            <a:r>
+              <a:rPr lang="fr-FR" dirty="0" err="1" smtClean="0">
+                <a:solidFill>
+                  <a:schemeClr val="tx1">
+                    <a:lumMod val="75000"/>
+                    <a:lumOff val="25000"/>
+                  </a:schemeClr>
+                </a:solidFill>
+              </a:rPr>
+              <a:t>sed</a:t>
+            </a:r>
+            <a:r>
+              <a:rPr lang="fr-FR" dirty="0" smtClean="0">
+                <a:solidFill>
+                  <a:schemeClr val="tx1">
+                    <a:lumMod val="75000"/>
+                    <a:lumOff val="25000"/>
+                  </a:schemeClr>
+                </a:solidFill>
+              </a:rPr>
+              <a:t> </a:t>
+            </a:r>
+            <a:r>
+              <a:rPr lang="fr-FR" dirty="0" err="1" smtClean="0">
+                <a:solidFill>
+                  <a:schemeClr val="tx1">
+                    <a:lumMod val="75000"/>
+                    <a:lumOff val="25000"/>
+                  </a:schemeClr>
+                </a:solidFill>
+              </a:rPr>
+              <a:t>sem</a:t>
+            </a:r>
+            <a:r>
+              <a:rPr lang="fr-FR" dirty="0" smtClean="0">
+                <a:solidFill>
+                  <a:schemeClr val="tx1">
+                    <a:lumMod val="75000"/>
+                    <a:lumOff val="25000"/>
+                  </a:schemeClr>
+                </a:solidFill>
+              </a:rPr>
+              <a:t> </a:t>
+            </a:r>
+            <a:r>
+              <a:rPr lang="fr-FR" dirty="0" err="1" smtClean="0">
+                <a:solidFill>
+                  <a:schemeClr val="tx1">
+                    <a:lumMod val="75000"/>
+                    <a:lumOff val="25000"/>
+                  </a:schemeClr>
+                </a:solidFill>
+              </a:rPr>
+              <a:t>sed</a:t>
+            </a:r>
+            <a:r>
+              <a:rPr lang="fr-FR" dirty="0" smtClean="0">
+                <a:solidFill>
+                  <a:schemeClr val="tx1">
+                    <a:lumMod val="75000"/>
+                    <a:lumOff val="25000"/>
+                  </a:schemeClr>
+                </a:solidFill>
+              </a:rPr>
+              <a:t> magna </a:t>
+            </a:r>
+            <a:r>
+              <a:rPr lang="fr-FR" dirty="0" err="1" smtClean="0">
+                <a:solidFill>
+                  <a:schemeClr val="tx1">
+                    <a:lumMod val="75000"/>
+                    <a:lumOff val="25000"/>
+                  </a:schemeClr>
+                </a:solidFill>
+              </a:rPr>
+              <a:t>suscipit</a:t>
+            </a:r>
+            <a:r>
+              <a:rPr lang="fr-FR" dirty="0" smtClean="0">
+                <a:solidFill>
+                  <a:schemeClr val="tx1">
+                    <a:lumMod val="75000"/>
+                    <a:lumOff val="25000"/>
+                  </a:schemeClr>
+                </a:solidFill>
+              </a:rPr>
+              <a:t> </a:t>
+            </a:r>
+            <a:r>
+              <a:rPr lang="fr-FR" dirty="0" err="1" smtClean="0">
+                <a:solidFill>
+                  <a:schemeClr val="tx1">
+                    <a:lumMod val="75000"/>
+                    <a:lumOff val="25000"/>
+                  </a:schemeClr>
+                </a:solidFill>
+              </a:rPr>
+              <a:t>egestas</a:t>
+            </a:r>
+            <a:r>
+              <a:rPr lang="fr-FR" dirty="0" smtClean="0">
+                <a:solidFill>
+                  <a:schemeClr val="tx1">
+                    <a:lumMod val="75000"/>
+                    <a:lumOff val="25000"/>
+                  </a:schemeClr>
+                </a:solidFill>
+              </a:rPr>
+              <a:t>. </a:t>
+            </a:r>
+          </a:p>
+          <a:p>
+            <a:pPr fontAlgn="auto">
+              <a:spcAft>
+                <a:spcPts val="0"/>
+              </a:spcAft>
+              <a:buFont typeface="Arial" pitchFamily="34" charset="0"/>
+              <a:buChar char="•"/>
+              <a:defRPr/>
+            </a:pPr>
+            <a:r>
+              <a:rPr lang="fr-FR" dirty="0" err="1" smtClean="0">
+                <a:solidFill>
+                  <a:schemeClr val="tx1">
+                    <a:lumMod val="75000"/>
+                    <a:lumOff val="25000"/>
+                  </a:schemeClr>
+                </a:solidFill>
+              </a:rPr>
+              <a:t>Lorem</a:t>
+            </a:r>
+            <a:r>
+              <a:rPr lang="fr-FR" dirty="0" smtClean="0">
+                <a:solidFill>
+                  <a:schemeClr val="tx1">
+                    <a:lumMod val="75000"/>
+                    <a:lumOff val="25000"/>
+                  </a:schemeClr>
+                </a:solidFill>
+              </a:rPr>
+              <a:t> </a:t>
+            </a:r>
+            <a:r>
+              <a:rPr lang="fr-FR" dirty="0" err="1" smtClean="0">
+                <a:solidFill>
+                  <a:schemeClr val="tx1">
+                    <a:lumMod val="75000"/>
+                    <a:lumOff val="25000"/>
+                  </a:schemeClr>
+                </a:solidFill>
+              </a:rPr>
+              <a:t>ipsum</a:t>
+            </a:r>
+            <a:r>
+              <a:rPr lang="fr-FR" dirty="0" smtClean="0">
+                <a:solidFill>
+                  <a:schemeClr val="tx1">
+                    <a:lumMod val="75000"/>
+                    <a:lumOff val="25000"/>
+                  </a:schemeClr>
+                </a:solidFill>
+              </a:rPr>
+              <a:t> </a:t>
+            </a:r>
+            <a:r>
+              <a:rPr lang="fr-FR" dirty="0" err="1" smtClean="0">
+                <a:solidFill>
+                  <a:schemeClr val="tx1">
+                    <a:lumMod val="75000"/>
+                    <a:lumOff val="25000"/>
+                  </a:schemeClr>
+                </a:solidFill>
+              </a:rPr>
+              <a:t>dolor</a:t>
+            </a:r>
+            <a:r>
+              <a:rPr lang="fr-FR" dirty="0" smtClean="0">
+                <a:solidFill>
+                  <a:schemeClr val="tx1">
+                    <a:lumMod val="75000"/>
+                    <a:lumOff val="25000"/>
+                  </a:schemeClr>
+                </a:solidFill>
+              </a:rPr>
+              <a:t> </a:t>
+            </a:r>
+            <a:r>
+              <a:rPr lang="fr-FR" dirty="0" err="1" smtClean="0">
+                <a:solidFill>
+                  <a:schemeClr val="tx1">
+                    <a:lumMod val="75000"/>
+                    <a:lumOff val="25000"/>
+                  </a:schemeClr>
+                </a:solidFill>
+              </a:rPr>
+              <a:t>sit</a:t>
+            </a:r>
+            <a:r>
+              <a:rPr lang="fr-FR" dirty="0" smtClean="0">
+                <a:solidFill>
+                  <a:schemeClr val="tx1">
+                    <a:lumMod val="75000"/>
+                    <a:lumOff val="25000"/>
+                  </a:schemeClr>
+                </a:solidFill>
+              </a:rPr>
+              <a:t> </a:t>
+            </a:r>
+            <a:r>
+              <a:rPr lang="fr-FR" dirty="0" err="1" smtClean="0">
+                <a:solidFill>
+                  <a:schemeClr val="tx1">
+                    <a:lumMod val="75000"/>
+                    <a:lumOff val="25000"/>
+                  </a:schemeClr>
+                </a:solidFill>
+              </a:rPr>
+              <a:t>amet</a:t>
+            </a:r>
+            <a:r>
+              <a:rPr lang="fr-FR" dirty="0" smtClean="0">
+                <a:solidFill>
+                  <a:schemeClr val="tx1">
+                    <a:lumMod val="75000"/>
+                    <a:lumOff val="25000"/>
+                  </a:schemeClr>
+                </a:solidFill>
+              </a:rPr>
+              <a:t>, </a:t>
+            </a:r>
+            <a:r>
+              <a:rPr lang="fr-FR" dirty="0" err="1" smtClean="0">
+                <a:solidFill>
+                  <a:schemeClr val="tx1">
+                    <a:lumMod val="75000"/>
+                    <a:lumOff val="25000"/>
+                  </a:schemeClr>
+                </a:solidFill>
+              </a:rPr>
+              <a:t>consectetuer</a:t>
+            </a:r>
+            <a:r>
+              <a:rPr lang="fr-FR" dirty="0" smtClean="0">
+                <a:solidFill>
+                  <a:schemeClr val="tx1">
+                    <a:lumMod val="75000"/>
+                    <a:lumOff val="25000"/>
+                  </a:schemeClr>
+                </a:solidFill>
+              </a:rPr>
+              <a:t> </a:t>
+            </a:r>
+            <a:r>
+              <a:rPr lang="fr-FR" dirty="0" err="1" smtClean="0">
+                <a:solidFill>
+                  <a:schemeClr val="tx1">
+                    <a:lumMod val="75000"/>
+                    <a:lumOff val="25000"/>
+                  </a:schemeClr>
+                </a:solidFill>
+              </a:rPr>
+              <a:t>adipiscing</a:t>
+            </a:r>
+            <a:r>
+              <a:rPr lang="fr-FR" dirty="0" smtClean="0">
+                <a:solidFill>
+                  <a:schemeClr val="tx1">
+                    <a:lumMod val="75000"/>
+                    <a:lumOff val="25000"/>
+                  </a:schemeClr>
+                </a:solidFill>
+              </a:rPr>
+              <a:t> </a:t>
+            </a:r>
+            <a:r>
+              <a:rPr lang="fr-FR" dirty="0" err="1" smtClean="0">
+                <a:solidFill>
+                  <a:schemeClr val="tx1">
+                    <a:lumMod val="75000"/>
+                    <a:lumOff val="25000"/>
+                  </a:schemeClr>
+                </a:solidFill>
+              </a:rPr>
+              <a:t>elit</a:t>
+            </a:r>
+            <a:r>
+              <a:rPr lang="fr-FR" dirty="0" smtClean="0">
+                <a:solidFill>
+                  <a:schemeClr val="tx1">
+                    <a:lumMod val="75000"/>
+                    <a:lumOff val="25000"/>
+                  </a:schemeClr>
+                </a:solidFill>
+              </a:rPr>
+              <a:t>. </a:t>
+            </a:r>
+            <a:r>
+              <a:rPr lang="fr-FR" dirty="0" err="1" smtClean="0">
+                <a:solidFill>
+                  <a:schemeClr val="tx1">
+                    <a:lumMod val="75000"/>
+                    <a:lumOff val="25000"/>
+                  </a:schemeClr>
+                </a:solidFill>
+              </a:rPr>
+              <a:t>Vivamus</a:t>
+            </a:r>
+            <a:r>
+              <a:rPr lang="fr-FR" dirty="0" smtClean="0">
+                <a:solidFill>
+                  <a:schemeClr val="tx1">
+                    <a:lumMod val="75000"/>
+                    <a:lumOff val="25000"/>
+                  </a:schemeClr>
+                </a:solidFill>
+              </a:rPr>
+              <a:t> et magna. </a:t>
+            </a:r>
+            <a:r>
+              <a:rPr lang="fr-FR" dirty="0" err="1" smtClean="0">
+                <a:solidFill>
+                  <a:schemeClr val="tx1">
+                    <a:lumMod val="75000"/>
+                    <a:lumOff val="25000"/>
+                  </a:schemeClr>
+                </a:solidFill>
+              </a:rPr>
+              <a:t>Fusce</a:t>
+            </a:r>
+            <a:r>
+              <a:rPr lang="fr-FR" dirty="0" smtClean="0">
+                <a:solidFill>
+                  <a:schemeClr val="tx1">
+                    <a:lumMod val="75000"/>
+                    <a:lumOff val="25000"/>
+                  </a:schemeClr>
+                </a:solidFill>
+              </a:rPr>
+              <a:t> </a:t>
+            </a:r>
+            <a:r>
+              <a:rPr lang="fr-FR" dirty="0" err="1" smtClean="0">
+                <a:solidFill>
+                  <a:schemeClr val="tx1">
+                    <a:lumMod val="75000"/>
+                    <a:lumOff val="25000"/>
+                  </a:schemeClr>
+                </a:solidFill>
+              </a:rPr>
+              <a:t>sed</a:t>
+            </a:r>
+            <a:r>
+              <a:rPr lang="fr-FR" dirty="0" smtClean="0">
+                <a:solidFill>
+                  <a:schemeClr val="tx1">
+                    <a:lumMod val="75000"/>
+                    <a:lumOff val="25000"/>
+                  </a:schemeClr>
+                </a:solidFill>
+              </a:rPr>
+              <a:t> </a:t>
+            </a:r>
+            <a:r>
+              <a:rPr lang="fr-FR" dirty="0" err="1" smtClean="0">
+                <a:solidFill>
+                  <a:schemeClr val="tx1">
+                    <a:lumMod val="75000"/>
+                    <a:lumOff val="25000"/>
+                  </a:schemeClr>
+                </a:solidFill>
+              </a:rPr>
+              <a:t>sem</a:t>
+            </a:r>
+            <a:r>
+              <a:rPr lang="fr-FR" dirty="0" smtClean="0">
+                <a:solidFill>
+                  <a:schemeClr val="tx1">
+                    <a:lumMod val="75000"/>
+                    <a:lumOff val="25000"/>
+                  </a:schemeClr>
+                </a:solidFill>
+              </a:rPr>
+              <a:t> </a:t>
+            </a:r>
+            <a:r>
+              <a:rPr lang="fr-FR" dirty="0" err="1" smtClean="0">
+                <a:solidFill>
+                  <a:schemeClr val="tx1">
+                    <a:lumMod val="75000"/>
+                    <a:lumOff val="25000"/>
+                  </a:schemeClr>
+                </a:solidFill>
+              </a:rPr>
+              <a:t>sed</a:t>
+            </a:r>
+            <a:r>
+              <a:rPr lang="fr-FR" dirty="0" smtClean="0">
+                <a:solidFill>
+                  <a:schemeClr val="tx1">
+                    <a:lumMod val="75000"/>
+                    <a:lumOff val="25000"/>
+                  </a:schemeClr>
+                </a:solidFill>
+              </a:rPr>
+              <a:t> magna </a:t>
+            </a:r>
+            <a:r>
+              <a:rPr lang="fr-FR" dirty="0" err="1" smtClean="0">
+                <a:solidFill>
+                  <a:schemeClr val="tx1">
+                    <a:lumMod val="75000"/>
+                    <a:lumOff val="25000"/>
+                  </a:schemeClr>
+                </a:solidFill>
+              </a:rPr>
+              <a:t>suscipit</a:t>
+            </a:r>
+            <a:r>
+              <a:rPr lang="fr-FR" dirty="0" smtClean="0">
+                <a:solidFill>
+                  <a:schemeClr val="tx1">
+                    <a:lumMod val="75000"/>
+                    <a:lumOff val="25000"/>
+                  </a:schemeClr>
+                </a:solidFill>
+              </a:rPr>
+              <a:t> </a:t>
+            </a:r>
+            <a:r>
+              <a:rPr lang="fr-FR" dirty="0" err="1" smtClean="0">
+                <a:solidFill>
+                  <a:schemeClr val="tx1">
+                    <a:lumMod val="75000"/>
+                    <a:lumOff val="25000"/>
+                  </a:schemeClr>
+                </a:solidFill>
+              </a:rPr>
+              <a:t>egestas</a:t>
+            </a:r>
+            <a:r>
+              <a:rPr lang="fr-FR" dirty="0" smtClean="0">
+                <a:solidFill>
+                  <a:schemeClr val="tx1">
+                    <a:lumMod val="75000"/>
+                    <a:lumOff val="25000"/>
+                  </a:schemeClr>
+                </a:solidFill>
+              </a:rPr>
+              <a:t>. </a:t>
+            </a:r>
+          </a:p>
+        </p:txBody>
+      </p:sp>
+    </p:spTree>
+  </p:cSld>
+  <p:clrMapOvr>
+    <a:masterClrMapping/>
+  </p:clrMapOvr>
+  <p:timing>
+    <p:tnLst>
+      <p:par>
+        <p:cTn id="1" dur="indefinite" restart="never" nodeType="tmRoot"/>
+      </p:par>
+    </p:tnLst>
+  </p:timing>
+</p:sld>
+</file>
+
+<file path=ppt/slides/slide5.xml><?xml version="1.0" encoding="utf-8"?>
 <p:sld xmlns:a="http://schemas.openxmlformats.org/drawingml/2006/main" xmlns:r="http://schemas.openxmlformats.org/officeDocument/2006/relationships" xmlns:p="http://schemas.openxmlformats.org/presentationml/2006/main">
   <p:cSld>
     <p:bg>

--- a/doc/Presentation/Medv4D.pptx
+++ b/doc/Presentation/Medv4D.pptx
@@ -7,9 +7,21 @@
   <p:sldIdLst>
     <p:sldId id="256" r:id="rId2"/>
     <p:sldId id="259" r:id="rId3"/>
-    <p:sldId id="260" r:id="rId4"/>
-    <p:sldId id="257" r:id="rId5"/>
-    <p:sldId id="258" r:id="rId6"/>
+    <p:sldId id="278" r:id="rId4"/>
+    <p:sldId id="277" r:id="rId5"/>
+    <p:sldId id="275" r:id="rId6"/>
+    <p:sldId id="279" r:id="rId7"/>
+    <p:sldId id="261" r:id="rId8"/>
+    <p:sldId id="280" r:id="rId9"/>
+    <p:sldId id="264" r:id="rId10"/>
+    <p:sldId id="265" r:id="rId11"/>
+    <p:sldId id="266" r:id="rId12"/>
+    <p:sldId id="268" r:id="rId13"/>
+    <p:sldId id="271" r:id="rId14"/>
+    <p:sldId id="282" r:id="rId15"/>
+    <p:sldId id="274" r:id="rId16"/>
+    <p:sldId id="276" r:id="rId17"/>
+    <p:sldId id="281" r:id="rId18"/>
   </p:sldIdLst>
   <p:sldSz cx="9144000" cy="6858000" type="screen4x3"/>
   <p:notesSz cx="6858000" cy="9144000"/>
@@ -332,7 +344,7 @@
               <a:pPr>
                 <a:defRPr/>
               </a:pPr>
-              <a:t>09/09/2008</a:t>
+              <a:t>10/09/2008</a:t>
             </a:fld>
             <a:endParaRPr lang="fr-FR"/>
           </a:p>
@@ -524,7 +536,7 @@
               <a:pPr>
                 <a:defRPr/>
               </a:pPr>
-              <a:t>09/09/2008</a:t>
+              <a:t>10/09/2008</a:t>
             </a:fld>
             <a:endParaRPr lang="fr-FR"/>
           </a:p>
@@ -726,7 +738,7 @@
               <a:pPr>
                 <a:defRPr/>
               </a:pPr>
-              <a:t>09/09/2008</a:t>
+              <a:t>10/09/2008</a:t>
             </a:fld>
             <a:endParaRPr lang="fr-FR"/>
           </a:p>
@@ -918,7 +930,7 @@
               <a:pPr>
                 <a:defRPr/>
               </a:pPr>
-              <a:t>09/09/2008</a:t>
+              <a:t>10/09/2008</a:t>
             </a:fld>
             <a:endParaRPr lang="fr-FR"/>
           </a:p>
@@ -1186,7 +1198,7 @@
               <a:pPr>
                 <a:defRPr/>
               </a:pPr>
-              <a:t>09/09/2008</a:t>
+              <a:t>10/09/2008</a:t>
             </a:fld>
             <a:endParaRPr lang="fr-FR"/>
           </a:p>
@@ -1496,7 +1508,7 @@
               <a:pPr>
                 <a:defRPr/>
               </a:pPr>
-              <a:t>09/09/2008</a:t>
+              <a:t>10/09/2008</a:t>
             </a:fld>
             <a:endParaRPr lang="fr-FR"/>
           </a:p>
@@ -1940,7 +1952,7 @@
               <a:pPr>
                 <a:defRPr/>
               </a:pPr>
-              <a:t>09/09/2008</a:t>
+              <a:t>10/09/2008</a:t>
             </a:fld>
             <a:endParaRPr lang="fr-FR"/>
           </a:p>
@@ -2080,7 +2092,7 @@
               <a:pPr>
                 <a:defRPr/>
               </a:pPr>
-              <a:t>09/09/2008</a:t>
+              <a:t>10/09/2008</a:t>
             </a:fld>
             <a:endParaRPr lang="fr-FR"/>
           </a:p>
@@ -2197,7 +2209,7 @@
               <a:pPr>
                 <a:defRPr/>
               </a:pPr>
-              <a:t>09/09/2008</a:t>
+              <a:t>10/09/2008</a:t>
             </a:fld>
             <a:endParaRPr lang="fr-FR"/>
           </a:p>
@@ -2496,7 +2508,7 @@
               <a:pPr>
                 <a:defRPr/>
               </a:pPr>
-              <a:t>09/09/2008</a:t>
+              <a:t>10/09/2008</a:t>
             </a:fld>
             <a:endParaRPr lang="fr-FR"/>
           </a:p>
@@ -2778,7 +2790,7 @@
               <a:pPr>
                 <a:defRPr/>
               </a:pPr>
-              <a:t>09/09/2008</a:t>
+              <a:t>10/09/2008</a:t>
             </a:fld>
             <a:endParaRPr lang="fr-FR"/>
           </a:p>
@@ -3033,7 +3045,7 @@
               <a:pPr>
                 <a:defRPr/>
               </a:pPr>
-              <a:t>09/09/2008</a:t>
+              <a:t>10/09/2008</a:t>
             </a:fld>
             <a:endParaRPr lang="fr-FR"/>
           </a:p>
@@ -3658,23 +3670,7 @@
                   <a:schemeClr val="bg1"/>
                 </a:solidFill>
               </a:rPr>
-              <a:t> </a:t>
-            </a:r>
-            <a:r>
-              <a:rPr lang="sk-SK" sz="2800" dirty="0" smtClean="0">
-                <a:solidFill>
-                  <a:schemeClr val="bg1"/>
-                </a:solidFill>
-              </a:rPr>
-              <a:t>     </a:t>
-            </a:r>
-            <a:r>
-              <a:rPr lang="sk-SK" sz="2800" dirty="0" smtClean="0">
-                <a:solidFill>
-                  <a:schemeClr val="bg1"/>
-                </a:solidFill>
-              </a:rPr>
-              <a:t>Václav </a:t>
+              <a:t>      Václav </a:t>
             </a:r>
             <a:r>
               <a:rPr lang="sk-SK" sz="2800" dirty="0" err="1" smtClean="0">
@@ -3770,6 +3766,2268 @@
             <a:endParaRPr lang="fr-FR" sz="2800" dirty="0" smtClean="0">
               <a:solidFill>
                 <a:schemeClr val="bg1"/>
+              </a:solidFill>
+            </a:endParaRPr>
+          </a:p>
+        </p:txBody>
+      </p:sp>
+    </p:spTree>
+  </p:cSld>
+  <p:clrMapOvr>
+    <a:masterClrMapping/>
+  </p:clrMapOvr>
+  <p:timing>
+    <p:tnLst>
+      <p:par>
+        <p:cTn id="1" dur="indefinite" restart="never" nodeType="tmRoot"/>
+      </p:par>
+    </p:tnLst>
+  </p:timing>
+</p:sld>
+</file>
+
+<file path=ppt/slides/slide10.xml><?xml version="1.0" encoding="utf-8"?>
+<p:sld xmlns:a="http://schemas.openxmlformats.org/drawingml/2006/main" xmlns:r="http://schemas.openxmlformats.org/officeDocument/2006/relationships" xmlns:p="http://schemas.openxmlformats.org/presentationml/2006/main">
+  <p:cSld>
+    <p:bg>
+      <p:bgPr>
+        <a:blipFill dpi="0" rotWithShape="0">
+          <a:blip r:embed="rId2"/>
+          <a:srcRect/>
+          <a:stretch>
+            <a:fillRect/>
+          </a:stretch>
+        </a:blipFill>
+        <a:effectLst/>
+      </p:bgPr>
+    </p:bg>
+    <p:spTree>
+      <p:nvGrpSpPr>
+        <p:cNvPr id="1" name=""/>
+        <p:cNvGrpSpPr/>
+        <p:nvPr/>
+      </p:nvGrpSpPr>
+      <p:grpSpPr>
+        <a:xfrm>
+          <a:off x="0" y="0"/>
+          <a:ext cx="0" cy="0"/>
+          <a:chOff x="0" y="0"/>
+          <a:chExt cx="0" cy="0"/>
+        </a:xfrm>
+      </p:grpSpPr>
+      <p:sp>
+        <p:nvSpPr>
+          <p:cNvPr id="2" name="Titre 1"/>
+          <p:cNvSpPr>
+            <a:spLocks noGrp="1"/>
+          </p:cNvSpPr>
+          <p:nvPr>
+            <p:ph type="title"/>
+          </p:nvPr>
+        </p:nvSpPr>
+        <p:spPr>
+          <a:xfrm>
+            <a:off x="1928813" y="274638"/>
+            <a:ext cx="6757987" cy="1143000"/>
+          </a:xfrm>
+        </p:spPr>
+        <p:txBody>
+          <a:bodyPr rtlCol="0">
+            <a:normAutofit/>
+          </a:bodyPr>
+          <a:lstStyle/>
+          <a:p>
+            <a:pPr algn="l" fontAlgn="auto">
+              <a:spcAft>
+                <a:spcPts val="0"/>
+              </a:spcAft>
+              <a:defRPr/>
+            </a:pPr>
+            <a:r>
+              <a:rPr lang="fr-CA" dirty="0" smtClean="0">
+                <a:solidFill>
+                  <a:srgbClr val="3F3F3F"/>
+                </a:solidFill>
+                <a:cs typeface="+mj-ea" charset="0"/>
+              </a:rPr>
+              <a:t>Architektura</a:t>
+            </a:r>
+            <a:endParaRPr lang="fr-FR" dirty="0" smtClean="0">
+              <a:solidFill>
+                <a:schemeClr val="tx1">
+                  <a:lumMod val="75000"/>
+                  <a:lumOff val="25000"/>
+                </a:schemeClr>
+              </a:solidFill>
+            </a:endParaRPr>
+          </a:p>
+        </p:txBody>
+      </p:sp>
+      <p:sp>
+        <p:nvSpPr>
+          <p:cNvPr id="3" name="Espace réservé du contenu 2"/>
+          <p:cNvSpPr>
+            <a:spLocks noGrp="1"/>
+          </p:cNvSpPr>
+          <p:nvPr>
+            <p:ph idx="1"/>
+          </p:nvPr>
+        </p:nvSpPr>
+        <p:spPr>
+          <a:xfrm>
+            <a:off x="1928813" y="1600200"/>
+            <a:ext cx="6757987" cy="4525963"/>
+          </a:xfrm>
+        </p:spPr>
+        <p:txBody>
+          <a:bodyPr rtlCol="0">
+            <a:normAutofit/>
+          </a:bodyPr>
+          <a:lstStyle/>
+          <a:p>
+            <a:pPr marL="334963" indent="-334963">
+              <a:lnSpc>
+                <a:spcPct val="98000"/>
+              </a:lnSpc>
+              <a:spcBef>
+                <a:spcPts val="638"/>
+              </a:spcBef>
+              <a:tabLst>
+                <a:tab pos="334963" algn="l"/>
+                <a:tab pos="792163" algn="l"/>
+                <a:tab pos="1249363" algn="l"/>
+                <a:tab pos="1706563" algn="l"/>
+                <a:tab pos="2163763" algn="l"/>
+                <a:tab pos="2620963" algn="l"/>
+                <a:tab pos="3078163" algn="l"/>
+                <a:tab pos="3535363" algn="l"/>
+                <a:tab pos="3992563" algn="l"/>
+                <a:tab pos="4449763" algn="l"/>
+                <a:tab pos="4906963" algn="l"/>
+                <a:tab pos="5364163" algn="l"/>
+                <a:tab pos="5821363" algn="l"/>
+                <a:tab pos="6278563" algn="l"/>
+                <a:tab pos="6735763" algn="l"/>
+                <a:tab pos="7192963" algn="l"/>
+                <a:tab pos="7650163" algn="l"/>
+                <a:tab pos="8107363" algn="l"/>
+                <a:tab pos="8564563" algn="l"/>
+                <a:tab pos="9021763" algn="l"/>
+                <a:tab pos="9478963" algn="l"/>
+              </a:tabLst>
+            </a:pPr>
+            <a:r>
+              <a:rPr lang="fr-FR" dirty="0" smtClean="0">
+                <a:solidFill>
+                  <a:srgbClr val="3F3F3F"/>
+                </a:solidFill>
+                <a:cs typeface="+mn-ea" charset="0"/>
+              </a:rPr>
+              <a:t>Několik typů datových struktur :</a:t>
+            </a:r>
+          </a:p>
+          <a:p>
+            <a:pPr marL="735013" lvl="1" indent="-334963">
+              <a:lnSpc>
+                <a:spcPct val="98000"/>
+              </a:lnSpc>
+              <a:spcBef>
+                <a:spcPts val="638"/>
+              </a:spcBef>
+              <a:tabLst>
+                <a:tab pos="334963" algn="l"/>
+                <a:tab pos="792163" algn="l"/>
+                <a:tab pos="1249363" algn="l"/>
+                <a:tab pos="1706563" algn="l"/>
+                <a:tab pos="2163763" algn="l"/>
+                <a:tab pos="2620963" algn="l"/>
+                <a:tab pos="3078163" algn="l"/>
+                <a:tab pos="3535363" algn="l"/>
+                <a:tab pos="3992563" algn="l"/>
+                <a:tab pos="4449763" algn="l"/>
+                <a:tab pos="4906963" algn="l"/>
+                <a:tab pos="5364163" algn="l"/>
+                <a:tab pos="5821363" algn="l"/>
+                <a:tab pos="6278563" algn="l"/>
+                <a:tab pos="6735763" algn="l"/>
+                <a:tab pos="7192963" algn="l"/>
+                <a:tab pos="7650163" algn="l"/>
+                <a:tab pos="8107363" algn="l"/>
+                <a:tab pos="8564563" algn="l"/>
+                <a:tab pos="9021763" algn="l"/>
+                <a:tab pos="9478963" algn="l"/>
+              </a:tabLst>
+            </a:pPr>
+            <a:r>
+              <a:rPr lang="fr-FR" b="1" dirty="0" smtClean="0">
+                <a:solidFill>
+                  <a:srgbClr val="3F3F3F"/>
+                </a:solidFill>
+                <a:cs typeface="+mn-ea" charset="0"/>
+              </a:rPr>
+              <a:t>Datasety</a:t>
+            </a:r>
+            <a:r>
+              <a:rPr lang="fr-FR" dirty="0" smtClean="0">
+                <a:solidFill>
+                  <a:srgbClr val="3F3F3F"/>
+                </a:solidFill>
+                <a:cs typeface="+mn-ea" charset="0"/>
+              </a:rPr>
+              <a:t> – úložiště dat v paměti</a:t>
+            </a:r>
+          </a:p>
+          <a:p>
+            <a:pPr marL="735013" lvl="1" indent="-334963">
+              <a:lnSpc>
+                <a:spcPct val="98000"/>
+              </a:lnSpc>
+              <a:spcBef>
+                <a:spcPts val="638"/>
+              </a:spcBef>
+              <a:tabLst>
+                <a:tab pos="334963" algn="l"/>
+                <a:tab pos="792163" algn="l"/>
+                <a:tab pos="1249363" algn="l"/>
+                <a:tab pos="1706563" algn="l"/>
+                <a:tab pos="2163763" algn="l"/>
+                <a:tab pos="2620963" algn="l"/>
+                <a:tab pos="3078163" algn="l"/>
+                <a:tab pos="3535363" algn="l"/>
+                <a:tab pos="3992563" algn="l"/>
+                <a:tab pos="4449763" algn="l"/>
+                <a:tab pos="4906963" algn="l"/>
+                <a:tab pos="5364163" algn="l"/>
+                <a:tab pos="5821363" algn="l"/>
+                <a:tab pos="6278563" algn="l"/>
+                <a:tab pos="6735763" algn="l"/>
+                <a:tab pos="7192963" algn="l"/>
+                <a:tab pos="7650163" algn="l"/>
+                <a:tab pos="8107363" algn="l"/>
+                <a:tab pos="8564563" algn="l"/>
+                <a:tab pos="9021763" algn="l"/>
+                <a:tab pos="9478963" algn="l"/>
+              </a:tabLst>
+            </a:pPr>
+            <a:r>
+              <a:rPr lang="fr-FR" b="1" dirty="0" smtClean="0">
+                <a:solidFill>
+                  <a:srgbClr val="3F3F3F"/>
+                </a:solidFill>
+                <a:cs typeface="+mn-ea" charset="0"/>
+              </a:rPr>
+              <a:t>Filtry</a:t>
+            </a:r>
+            <a:r>
+              <a:rPr lang="fr-FR" dirty="0" smtClean="0">
+                <a:solidFill>
+                  <a:srgbClr val="3F3F3F"/>
+                </a:solidFill>
+                <a:cs typeface="+mn-ea" charset="0"/>
+              </a:rPr>
+              <a:t> – datové procesory</a:t>
+            </a:r>
+          </a:p>
+          <a:p>
+            <a:pPr marL="735013" lvl="1" indent="-334963">
+              <a:lnSpc>
+                <a:spcPct val="98000"/>
+              </a:lnSpc>
+              <a:spcBef>
+                <a:spcPts val="638"/>
+              </a:spcBef>
+              <a:tabLst>
+                <a:tab pos="334963" algn="l"/>
+                <a:tab pos="792163" algn="l"/>
+                <a:tab pos="1249363" algn="l"/>
+                <a:tab pos="1706563" algn="l"/>
+                <a:tab pos="2163763" algn="l"/>
+                <a:tab pos="2620963" algn="l"/>
+                <a:tab pos="3078163" algn="l"/>
+                <a:tab pos="3535363" algn="l"/>
+                <a:tab pos="3992563" algn="l"/>
+                <a:tab pos="4449763" algn="l"/>
+                <a:tab pos="4906963" algn="l"/>
+                <a:tab pos="5364163" algn="l"/>
+                <a:tab pos="5821363" algn="l"/>
+                <a:tab pos="6278563" algn="l"/>
+                <a:tab pos="6735763" algn="l"/>
+                <a:tab pos="7192963" algn="l"/>
+                <a:tab pos="7650163" algn="l"/>
+                <a:tab pos="8107363" algn="l"/>
+                <a:tab pos="8564563" algn="l"/>
+                <a:tab pos="9021763" algn="l"/>
+                <a:tab pos="9478963" algn="l"/>
+              </a:tabLst>
+            </a:pPr>
+            <a:r>
+              <a:rPr lang="fr-FR" b="1" dirty="0" smtClean="0">
+                <a:solidFill>
+                  <a:srgbClr val="3F3F3F"/>
+                </a:solidFill>
+                <a:cs typeface="+mn-ea" charset="0"/>
+              </a:rPr>
+              <a:t>Connection objekty</a:t>
+            </a:r>
+            <a:r>
+              <a:rPr lang="fr-FR" dirty="0" smtClean="0">
+                <a:solidFill>
+                  <a:srgbClr val="3F3F3F"/>
+                </a:solidFill>
+                <a:cs typeface="+mn-ea" charset="0"/>
+              </a:rPr>
+              <a:t> – vytváří propojení mezi objekty v pipelin</a:t>
+            </a:r>
+            <a:r>
+              <a:rPr lang="sk-SK" dirty="0" smtClean="0">
+                <a:solidFill>
+                  <a:srgbClr val="3F3F3F"/>
+                </a:solidFill>
+                <a:cs typeface="+mn-ea" charset="0"/>
+              </a:rPr>
+              <a:t>ě</a:t>
+            </a:r>
+            <a:endParaRPr lang="fr-FR" dirty="0">
+              <a:solidFill>
+                <a:srgbClr val="3F3F3F"/>
+              </a:solidFill>
+              <a:cs typeface="+mn-ea" charset="0"/>
+            </a:endParaRPr>
+          </a:p>
+        </p:txBody>
+      </p:sp>
+      <p:pic>
+        <p:nvPicPr>
+          <p:cNvPr id="4" name="Picture 3"/>
+          <p:cNvPicPr>
+            <a:picLocks noChangeAspect="1" noChangeArrowheads="1"/>
+          </p:cNvPicPr>
+          <p:nvPr/>
+        </p:nvPicPr>
+        <p:blipFill>
+          <a:blip r:embed="rId3" cstate="print"/>
+          <a:srcRect/>
+          <a:stretch>
+            <a:fillRect/>
+          </a:stretch>
+        </p:blipFill>
+        <p:spPr bwMode="auto">
+          <a:xfrm>
+            <a:off x="5867400" y="4419600"/>
+            <a:ext cx="2954552" cy="1905000"/>
+          </a:xfrm>
+          <a:prstGeom prst="rect">
+            <a:avLst/>
+          </a:prstGeom>
+          <a:noFill/>
+          <a:ln w="9525">
+            <a:noFill/>
+            <a:round/>
+            <a:headEnd/>
+            <a:tailEnd/>
+          </a:ln>
+          <a:effectLst/>
+        </p:spPr>
+      </p:pic>
+    </p:spTree>
+  </p:cSld>
+  <p:clrMapOvr>
+    <a:masterClrMapping/>
+  </p:clrMapOvr>
+  <p:timing>
+    <p:tnLst>
+      <p:par>
+        <p:cTn id="1" dur="indefinite" restart="never" nodeType="tmRoot"/>
+      </p:par>
+    </p:tnLst>
+  </p:timing>
+</p:sld>
+</file>
+
+<file path=ppt/slides/slide11.xml><?xml version="1.0" encoding="utf-8"?>
+<p:sld xmlns:a="http://schemas.openxmlformats.org/drawingml/2006/main" xmlns:r="http://schemas.openxmlformats.org/officeDocument/2006/relationships" xmlns:p="http://schemas.openxmlformats.org/presentationml/2006/main">
+  <p:cSld>
+    <p:bg>
+      <p:bgPr>
+        <a:blipFill dpi="0" rotWithShape="0">
+          <a:blip r:embed="rId2"/>
+          <a:srcRect/>
+          <a:stretch>
+            <a:fillRect/>
+          </a:stretch>
+        </a:blipFill>
+        <a:effectLst/>
+      </p:bgPr>
+    </p:bg>
+    <p:spTree>
+      <p:nvGrpSpPr>
+        <p:cNvPr id="1" name=""/>
+        <p:cNvGrpSpPr/>
+        <p:nvPr/>
+      </p:nvGrpSpPr>
+      <p:grpSpPr>
+        <a:xfrm>
+          <a:off x="0" y="0"/>
+          <a:ext cx="0" cy="0"/>
+          <a:chOff x="0" y="0"/>
+          <a:chExt cx="0" cy="0"/>
+        </a:xfrm>
+      </p:grpSpPr>
+      <p:sp>
+        <p:nvSpPr>
+          <p:cNvPr id="2" name="Titre 1"/>
+          <p:cNvSpPr>
+            <a:spLocks noGrp="1"/>
+          </p:cNvSpPr>
+          <p:nvPr>
+            <p:ph type="title"/>
+          </p:nvPr>
+        </p:nvSpPr>
+        <p:spPr>
+          <a:xfrm>
+            <a:off x="1928813" y="274638"/>
+            <a:ext cx="6757987" cy="1143000"/>
+          </a:xfrm>
+        </p:spPr>
+        <p:txBody>
+          <a:bodyPr rtlCol="0">
+            <a:normAutofit/>
+          </a:bodyPr>
+          <a:lstStyle/>
+          <a:p>
+            <a:pPr algn="l" fontAlgn="auto">
+              <a:spcAft>
+                <a:spcPts val="0"/>
+              </a:spcAft>
+              <a:defRPr/>
+            </a:pPr>
+            <a:r>
+              <a:rPr lang="fr-CA" dirty="0" smtClean="0">
+                <a:solidFill>
+                  <a:srgbClr val="3F3F3F"/>
+                </a:solidFill>
+                <a:cs typeface="+mj-ea" charset="0"/>
+              </a:rPr>
+              <a:t>Pipeline</a:t>
+            </a:r>
+            <a:endParaRPr lang="fr-FR" dirty="0" smtClean="0">
+              <a:solidFill>
+                <a:schemeClr val="tx1">
+                  <a:lumMod val="75000"/>
+                  <a:lumOff val="25000"/>
+                </a:schemeClr>
+              </a:solidFill>
+            </a:endParaRPr>
+          </a:p>
+        </p:txBody>
+      </p:sp>
+      <p:pic>
+        <p:nvPicPr>
+          <p:cNvPr id="5" name="Picture 3"/>
+          <p:cNvPicPr>
+            <a:picLocks noChangeAspect="1" noChangeArrowheads="1"/>
+          </p:cNvPicPr>
+          <p:nvPr/>
+        </p:nvPicPr>
+        <p:blipFill>
+          <a:blip r:embed="rId3"/>
+          <a:srcRect/>
+          <a:stretch>
+            <a:fillRect/>
+          </a:stretch>
+        </p:blipFill>
+        <p:spPr bwMode="auto">
+          <a:xfrm>
+            <a:off x="1920875" y="1809750"/>
+            <a:ext cx="6765925" cy="4362450"/>
+          </a:xfrm>
+          <a:prstGeom prst="rect">
+            <a:avLst/>
+          </a:prstGeom>
+          <a:noFill/>
+          <a:ln w="9525">
+            <a:noFill/>
+            <a:round/>
+            <a:headEnd/>
+            <a:tailEnd/>
+          </a:ln>
+          <a:effectLst/>
+        </p:spPr>
+      </p:pic>
+    </p:spTree>
+  </p:cSld>
+  <p:clrMapOvr>
+    <a:masterClrMapping/>
+  </p:clrMapOvr>
+  <p:timing>
+    <p:tnLst>
+      <p:par>
+        <p:cTn id="1" dur="indefinite" restart="never" nodeType="tmRoot"/>
+      </p:par>
+    </p:tnLst>
+  </p:timing>
+</p:sld>
+</file>
+
+<file path=ppt/slides/slide12.xml><?xml version="1.0" encoding="utf-8"?>
+<p:sld xmlns:a="http://schemas.openxmlformats.org/drawingml/2006/main" xmlns:r="http://schemas.openxmlformats.org/officeDocument/2006/relationships" xmlns:p="http://schemas.openxmlformats.org/presentationml/2006/main">
+  <p:cSld>
+    <p:bg>
+      <p:bgPr>
+        <a:blipFill dpi="0" rotWithShape="0">
+          <a:blip r:embed="rId2"/>
+          <a:srcRect/>
+          <a:stretch>
+            <a:fillRect/>
+          </a:stretch>
+        </a:blipFill>
+        <a:effectLst/>
+      </p:bgPr>
+    </p:bg>
+    <p:spTree>
+      <p:nvGrpSpPr>
+        <p:cNvPr id="1" name=""/>
+        <p:cNvGrpSpPr/>
+        <p:nvPr/>
+      </p:nvGrpSpPr>
+      <p:grpSpPr>
+        <a:xfrm>
+          <a:off x="0" y="0"/>
+          <a:ext cx="0" cy="0"/>
+          <a:chOff x="0" y="0"/>
+          <a:chExt cx="0" cy="0"/>
+        </a:xfrm>
+      </p:grpSpPr>
+      <p:sp>
+        <p:nvSpPr>
+          <p:cNvPr id="2" name="Titre 1"/>
+          <p:cNvSpPr>
+            <a:spLocks noGrp="1"/>
+          </p:cNvSpPr>
+          <p:nvPr>
+            <p:ph type="title"/>
+          </p:nvPr>
+        </p:nvSpPr>
+        <p:spPr>
+          <a:xfrm>
+            <a:off x="1928813" y="274638"/>
+            <a:ext cx="6757987" cy="1143000"/>
+          </a:xfrm>
+        </p:spPr>
+        <p:txBody>
+          <a:bodyPr rtlCol="0">
+            <a:normAutofit/>
+          </a:bodyPr>
+          <a:lstStyle/>
+          <a:p>
+            <a:pPr algn="l" fontAlgn="auto">
+              <a:spcAft>
+                <a:spcPts val="0"/>
+              </a:spcAft>
+              <a:defRPr/>
+            </a:pPr>
+            <a:r>
+              <a:rPr lang="fr-CA" dirty="0" smtClean="0">
+                <a:solidFill>
+                  <a:srgbClr val="3F3F3F"/>
+                </a:solidFill>
+                <a:cs typeface="+mj-ea" charset="0"/>
+              </a:rPr>
+              <a:t>Paralelizace</a:t>
+            </a:r>
+            <a:endParaRPr lang="fr-FR" dirty="0" smtClean="0">
+              <a:solidFill>
+                <a:schemeClr val="tx1">
+                  <a:lumMod val="75000"/>
+                  <a:lumOff val="25000"/>
+                </a:schemeClr>
+              </a:solidFill>
+            </a:endParaRPr>
+          </a:p>
+        </p:txBody>
+      </p:sp>
+      <p:sp>
+        <p:nvSpPr>
+          <p:cNvPr id="3" name="Espace réservé du contenu 2"/>
+          <p:cNvSpPr>
+            <a:spLocks noGrp="1"/>
+          </p:cNvSpPr>
+          <p:nvPr>
+            <p:ph idx="1"/>
+          </p:nvPr>
+        </p:nvSpPr>
+        <p:spPr>
+          <a:xfrm>
+            <a:off x="1928813" y="1600200"/>
+            <a:ext cx="6757987" cy="4525963"/>
+          </a:xfrm>
+        </p:spPr>
+        <p:txBody>
+          <a:bodyPr rtlCol="0">
+            <a:normAutofit/>
+          </a:bodyPr>
+          <a:lstStyle/>
+          <a:p>
+            <a:pPr marL="334963" indent="-334963">
+              <a:lnSpc>
+                <a:spcPct val="98000"/>
+              </a:lnSpc>
+              <a:spcBef>
+                <a:spcPts val="638"/>
+              </a:spcBef>
+              <a:tabLst>
+                <a:tab pos="334963" algn="l"/>
+                <a:tab pos="792163" algn="l"/>
+                <a:tab pos="1249363" algn="l"/>
+                <a:tab pos="1706563" algn="l"/>
+                <a:tab pos="2163763" algn="l"/>
+                <a:tab pos="2620963" algn="l"/>
+                <a:tab pos="3078163" algn="l"/>
+                <a:tab pos="3535363" algn="l"/>
+                <a:tab pos="3992563" algn="l"/>
+                <a:tab pos="4449763" algn="l"/>
+                <a:tab pos="4906963" algn="l"/>
+                <a:tab pos="5364163" algn="l"/>
+                <a:tab pos="5821363" algn="l"/>
+                <a:tab pos="6278563" algn="l"/>
+                <a:tab pos="6735763" algn="l"/>
+                <a:tab pos="7192963" algn="l"/>
+                <a:tab pos="7650163" algn="l"/>
+                <a:tab pos="8107363" algn="l"/>
+                <a:tab pos="8564563" algn="l"/>
+                <a:tab pos="9021763" algn="l"/>
+                <a:tab pos="9478963" algn="l"/>
+              </a:tabLst>
+            </a:pPr>
+            <a:r>
+              <a:rPr lang="fr-FR" dirty="0" smtClean="0">
+                <a:solidFill>
+                  <a:srgbClr val="3F3F3F"/>
+                </a:solidFill>
+                <a:cs typeface="+mn-ea" charset="0"/>
+              </a:rPr>
+              <a:t>Spuštění každého filtru probíhá ve vlastním vlákně</a:t>
+            </a:r>
+          </a:p>
+          <a:p>
+            <a:pPr marL="334963" indent="-334963">
+              <a:lnSpc>
+                <a:spcPct val="98000"/>
+              </a:lnSpc>
+              <a:spcBef>
+                <a:spcPts val="638"/>
+              </a:spcBef>
+              <a:tabLst>
+                <a:tab pos="334963" algn="l"/>
+                <a:tab pos="792163" algn="l"/>
+                <a:tab pos="1249363" algn="l"/>
+                <a:tab pos="1706563" algn="l"/>
+                <a:tab pos="2163763" algn="l"/>
+                <a:tab pos="2620963" algn="l"/>
+                <a:tab pos="3078163" algn="l"/>
+                <a:tab pos="3535363" algn="l"/>
+                <a:tab pos="3992563" algn="l"/>
+                <a:tab pos="4449763" algn="l"/>
+                <a:tab pos="4906963" algn="l"/>
+                <a:tab pos="5364163" algn="l"/>
+                <a:tab pos="5821363" algn="l"/>
+                <a:tab pos="6278563" algn="l"/>
+                <a:tab pos="6735763" algn="l"/>
+                <a:tab pos="7192963" algn="l"/>
+                <a:tab pos="7650163" algn="l"/>
+                <a:tab pos="8107363" algn="l"/>
+                <a:tab pos="8564563" algn="l"/>
+                <a:tab pos="9021763" algn="l"/>
+                <a:tab pos="9478963" algn="l"/>
+              </a:tabLst>
+            </a:pPr>
+            <a:r>
+              <a:rPr lang="fr-FR" dirty="0" smtClean="0">
+                <a:solidFill>
+                  <a:srgbClr val="3F3F3F"/>
+                </a:solidFill>
+                <a:cs typeface="+mn-ea" charset="0"/>
+              </a:rPr>
+              <a:t>Vlastní výpočet může být rozdělen mezi další vlákna</a:t>
+            </a:r>
+            <a:endParaRPr lang="fr-FR" dirty="0">
+              <a:solidFill>
+                <a:srgbClr val="3F3F3F"/>
+              </a:solidFill>
+              <a:cs typeface="+mn-ea" charset="0"/>
+            </a:endParaRPr>
+          </a:p>
+        </p:txBody>
+      </p:sp>
+    </p:spTree>
+  </p:cSld>
+  <p:clrMapOvr>
+    <a:masterClrMapping/>
+  </p:clrMapOvr>
+  <p:timing>
+    <p:tnLst>
+      <p:par>
+        <p:cTn id="1" dur="indefinite" restart="never" nodeType="tmRoot"/>
+      </p:par>
+    </p:tnLst>
+  </p:timing>
+</p:sld>
+</file>
+
+<file path=ppt/slides/slide13.xml><?xml version="1.0" encoding="utf-8"?>
+<p:sld xmlns:a="http://schemas.openxmlformats.org/drawingml/2006/main" xmlns:r="http://schemas.openxmlformats.org/officeDocument/2006/relationships" xmlns:p="http://schemas.openxmlformats.org/presentationml/2006/main">
+  <p:cSld>
+    <p:bg>
+      <p:bgPr>
+        <a:blipFill dpi="0" rotWithShape="0">
+          <a:blip r:embed="rId2"/>
+          <a:srcRect/>
+          <a:stretch>
+            <a:fillRect/>
+          </a:stretch>
+        </a:blipFill>
+        <a:effectLst/>
+      </p:bgPr>
+    </p:bg>
+    <p:spTree>
+      <p:nvGrpSpPr>
+        <p:cNvPr id="1" name=""/>
+        <p:cNvGrpSpPr/>
+        <p:nvPr/>
+      </p:nvGrpSpPr>
+      <p:grpSpPr>
+        <a:xfrm>
+          <a:off x="0" y="0"/>
+          <a:ext cx="0" cy="0"/>
+          <a:chOff x="0" y="0"/>
+          <a:chExt cx="0" cy="0"/>
+        </a:xfrm>
+      </p:grpSpPr>
+      <p:sp>
+        <p:nvSpPr>
+          <p:cNvPr id="2" name="Titre 1"/>
+          <p:cNvSpPr>
+            <a:spLocks noGrp="1"/>
+          </p:cNvSpPr>
+          <p:nvPr>
+            <p:ph type="title"/>
+          </p:nvPr>
+        </p:nvSpPr>
+        <p:spPr>
+          <a:xfrm>
+            <a:off x="1928813" y="274638"/>
+            <a:ext cx="6757987" cy="1143000"/>
+          </a:xfrm>
+        </p:spPr>
+        <p:txBody>
+          <a:bodyPr rtlCol="0">
+            <a:normAutofit/>
+          </a:bodyPr>
+          <a:lstStyle/>
+          <a:p>
+            <a:pPr algn="l" fontAlgn="auto">
+              <a:spcAft>
+                <a:spcPts val="0"/>
+              </a:spcAft>
+              <a:defRPr/>
+            </a:pPr>
+            <a:r>
+              <a:rPr lang="fr-CA" dirty="0" smtClean="0">
+                <a:solidFill>
+                  <a:srgbClr val="3F3F3F"/>
+                </a:solidFill>
+              </a:rPr>
+              <a:t>Knihovna DICOM Client</a:t>
+            </a:r>
+            <a:endParaRPr lang="fr-FR" dirty="0" smtClean="0">
+              <a:solidFill>
+                <a:schemeClr val="tx1">
+                  <a:lumMod val="75000"/>
+                  <a:lumOff val="25000"/>
+                </a:schemeClr>
+              </a:solidFill>
+            </a:endParaRPr>
+          </a:p>
+        </p:txBody>
+      </p:sp>
+      <p:sp>
+        <p:nvSpPr>
+          <p:cNvPr id="3" name="Espace réservé du contenu 2"/>
+          <p:cNvSpPr>
+            <a:spLocks noGrp="1"/>
+          </p:cNvSpPr>
+          <p:nvPr>
+            <p:ph idx="1"/>
+          </p:nvPr>
+        </p:nvSpPr>
+        <p:spPr>
+          <a:xfrm>
+            <a:off x="1928813" y="1600200"/>
+            <a:ext cx="6757987" cy="4525963"/>
+          </a:xfrm>
+        </p:spPr>
+        <p:txBody>
+          <a:bodyPr rtlCol="0">
+            <a:normAutofit/>
+          </a:bodyPr>
+          <a:lstStyle/>
+          <a:p>
+            <a:pPr>
+              <a:lnSpc>
+                <a:spcPct val="98000"/>
+              </a:lnSpc>
+              <a:spcBef>
+                <a:spcPts val="638"/>
+              </a:spcBef>
+              <a:tabLst>
+                <a:tab pos="338138" algn="l"/>
+                <a:tab pos="795338" algn="l"/>
+                <a:tab pos="1252538" algn="l"/>
+                <a:tab pos="1709738" algn="l"/>
+                <a:tab pos="2166938" algn="l"/>
+                <a:tab pos="2624138" algn="l"/>
+                <a:tab pos="3081338" algn="l"/>
+                <a:tab pos="3538538" algn="l"/>
+                <a:tab pos="3995738" algn="l"/>
+                <a:tab pos="4452938" algn="l"/>
+                <a:tab pos="4910138" algn="l"/>
+                <a:tab pos="5367338" algn="l"/>
+                <a:tab pos="5824538" algn="l"/>
+                <a:tab pos="6281738" algn="l"/>
+                <a:tab pos="6738938" algn="l"/>
+                <a:tab pos="7196138" algn="l"/>
+                <a:tab pos="7653338" algn="l"/>
+                <a:tab pos="8110538" algn="l"/>
+                <a:tab pos="8567738" algn="l"/>
+                <a:tab pos="9024938" algn="l"/>
+                <a:tab pos="9482138" algn="l"/>
+              </a:tabLst>
+            </a:pPr>
+            <a:r>
+              <a:rPr lang="fr-FR" dirty="0" smtClean="0">
+                <a:solidFill>
+                  <a:srgbClr val="3F3F3F"/>
+                </a:solidFill>
+              </a:rPr>
+              <a:t>Odsti</a:t>
+            </a:r>
+            <a:r>
+              <a:rPr lang="cs-CZ" dirty="0" smtClean="0">
+                <a:solidFill>
+                  <a:srgbClr val="3F3F3F"/>
+                </a:solidFill>
+              </a:rPr>
+              <a:t>ň</a:t>
+            </a:r>
+            <a:r>
+              <a:rPr lang="fr-FR" dirty="0" smtClean="0">
+                <a:solidFill>
+                  <a:srgbClr val="3F3F3F"/>
+                </a:solidFill>
+              </a:rPr>
+              <a:t>uje</a:t>
+            </a:r>
+            <a:r>
+              <a:rPr lang="cs-CZ" dirty="0" smtClean="0">
+                <a:solidFill>
+                  <a:srgbClr val="3F3F3F"/>
+                </a:solidFill>
+              </a:rPr>
+              <a:t> specifika DICOM formátu pro vyšší vrstvy</a:t>
+            </a:r>
+            <a:endParaRPr lang="fr-FR" dirty="0" smtClean="0">
+              <a:solidFill>
+                <a:srgbClr val="3F3F3F"/>
+              </a:solidFill>
+            </a:endParaRPr>
+          </a:p>
+          <a:p>
+            <a:pPr>
+              <a:lnSpc>
+                <a:spcPct val="98000"/>
+              </a:lnSpc>
+              <a:spcBef>
+                <a:spcPts val="638"/>
+              </a:spcBef>
+              <a:tabLst>
+                <a:tab pos="338138" algn="l"/>
+                <a:tab pos="795338" algn="l"/>
+                <a:tab pos="1252538" algn="l"/>
+                <a:tab pos="1709738" algn="l"/>
+                <a:tab pos="2166938" algn="l"/>
+                <a:tab pos="2624138" algn="l"/>
+                <a:tab pos="3081338" algn="l"/>
+                <a:tab pos="3538538" algn="l"/>
+                <a:tab pos="3995738" algn="l"/>
+                <a:tab pos="4452938" algn="l"/>
+                <a:tab pos="4910138" algn="l"/>
+                <a:tab pos="5367338" algn="l"/>
+                <a:tab pos="5824538" algn="l"/>
+                <a:tab pos="6281738" algn="l"/>
+                <a:tab pos="6738938" algn="l"/>
+                <a:tab pos="7196138" algn="l"/>
+                <a:tab pos="7653338" algn="l"/>
+                <a:tab pos="8110538" algn="l"/>
+                <a:tab pos="8567738" algn="l"/>
+                <a:tab pos="9024938" algn="l"/>
+                <a:tab pos="9482138" algn="l"/>
+              </a:tabLst>
+            </a:pPr>
+            <a:r>
+              <a:rPr lang="cs-CZ" dirty="0" smtClean="0">
+                <a:solidFill>
+                  <a:srgbClr val="3F3F3F"/>
+                </a:solidFill>
+              </a:rPr>
+              <a:t>Načítání a ukládání </a:t>
+            </a:r>
+            <a:r>
+              <a:rPr lang="cs-CZ" dirty="0" err="1" smtClean="0">
+                <a:solidFill>
+                  <a:srgbClr val="3F3F3F"/>
+                </a:solidFill>
+              </a:rPr>
+              <a:t>dcm</a:t>
+            </a:r>
+            <a:r>
+              <a:rPr lang="cs-CZ" dirty="0" smtClean="0">
+                <a:solidFill>
+                  <a:srgbClr val="3F3F3F"/>
+                </a:solidFill>
+              </a:rPr>
+              <a:t> souborů</a:t>
+            </a:r>
+            <a:endParaRPr lang="fr-FR" dirty="0" smtClean="0">
+              <a:solidFill>
+                <a:srgbClr val="3F3F3F"/>
+              </a:solidFill>
+            </a:endParaRPr>
+          </a:p>
+          <a:p>
+            <a:pPr>
+              <a:lnSpc>
+                <a:spcPct val="98000"/>
+              </a:lnSpc>
+              <a:spcBef>
+                <a:spcPts val="638"/>
+              </a:spcBef>
+              <a:tabLst>
+                <a:tab pos="338138" algn="l"/>
+                <a:tab pos="795338" algn="l"/>
+                <a:tab pos="1252538" algn="l"/>
+                <a:tab pos="1709738" algn="l"/>
+                <a:tab pos="2166938" algn="l"/>
+                <a:tab pos="2624138" algn="l"/>
+                <a:tab pos="3081338" algn="l"/>
+                <a:tab pos="3538538" algn="l"/>
+                <a:tab pos="3995738" algn="l"/>
+                <a:tab pos="4452938" algn="l"/>
+                <a:tab pos="4910138" algn="l"/>
+                <a:tab pos="5367338" algn="l"/>
+                <a:tab pos="5824538" algn="l"/>
+                <a:tab pos="6281738" algn="l"/>
+                <a:tab pos="6738938" algn="l"/>
+                <a:tab pos="7196138" algn="l"/>
+                <a:tab pos="7653338" algn="l"/>
+                <a:tab pos="8110538" algn="l"/>
+                <a:tab pos="8567738" algn="l"/>
+                <a:tab pos="9024938" algn="l"/>
+                <a:tab pos="9482138" algn="l"/>
+              </a:tabLst>
+            </a:pPr>
+            <a:r>
+              <a:rPr lang="cs-CZ" dirty="0" smtClean="0">
+                <a:solidFill>
+                  <a:srgbClr val="3F3F3F"/>
+                </a:solidFill>
+              </a:rPr>
+              <a:t>Dotazování DICOM serveru:</a:t>
+            </a:r>
+          </a:p>
+          <a:p>
+            <a:pPr marL="555625" lvl="1">
+              <a:lnSpc>
+                <a:spcPct val="98000"/>
+              </a:lnSpc>
+              <a:spcBef>
+                <a:spcPts val="638"/>
+              </a:spcBef>
+              <a:tabLst>
+                <a:tab pos="338138" algn="l"/>
+                <a:tab pos="795338" algn="l"/>
+                <a:tab pos="1252538" algn="l"/>
+                <a:tab pos="1709738" algn="l"/>
+                <a:tab pos="2166938" algn="l"/>
+                <a:tab pos="2624138" algn="l"/>
+                <a:tab pos="3081338" algn="l"/>
+                <a:tab pos="3538538" algn="l"/>
+                <a:tab pos="3995738" algn="l"/>
+                <a:tab pos="4452938" algn="l"/>
+                <a:tab pos="4910138" algn="l"/>
+                <a:tab pos="5367338" algn="l"/>
+                <a:tab pos="5824538" algn="l"/>
+                <a:tab pos="6281738" algn="l"/>
+                <a:tab pos="6738938" algn="l"/>
+                <a:tab pos="7196138" algn="l"/>
+                <a:tab pos="7653338" algn="l"/>
+                <a:tab pos="8110538" algn="l"/>
+                <a:tab pos="8567738" algn="l"/>
+                <a:tab pos="9024938" algn="l"/>
+                <a:tab pos="9482138" algn="l"/>
+              </a:tabLst>
+            </a:pPr>
+            <a:r>
+              <a:rPr lang="cs-CZ" dirty="0" smtClean="0">
+                <a:solidFill>
+                  <a:srgbClr val="3F3F3F"/>
+                </a:solidFill>
+              </a:rPr>
+              <a:t>Informace o pacientech, studiích</a:t>
+            </a:r>
+          </a:p>
+          <a:p>
+            <a:pPr marL="555625" lvl="1">
+              <a:lnSpc>
+                <a:spcPct val="98000"/>
+              </a:lnSpc>
+              <a:spcBef>
+                <a:spcPts val="638"/>
+              </a:spcBef>
+              <a:tabLst>
+                <a:tab pos="338138" algn="l"/>
+                <a:tab pos="795338" algn="l"/>
+                <a:tab pos="1252538" algn="l"/>
+                <a:tab pos="1709738" algn="l"/>
+                <a:tab pos="2166938" algn="l"/>
+                <a:tab pos="2624138" algn="l"/>
+                <a:tab pos="3081338" algn="l"/>
+                <a:tab pos="3538538" algn="l"/>
+                <a:tab pos="3995738" algn="l"/>
+                <a:tab pos="4452938" algn="l"/>
+                <a:tab pos="4910138" algn="l"/>
+                <a:tab pos="5367338" algn="l"/>
+                <a:tab pos="5824538" algn="l"/>
+                <a:tab pos="6281738" algn="l"/>
+                <a:tab pos="6738938" algn="l"/>
+                <a:tab pos="7196138" algn="l"/>
+                <a:tab pos="7653338" algn="l"/>
+                <a:tab pos="8110538" algn="l"/>
+                <a:tab pos="8567738" algn="l"/>
+                <a:tab pos="9024938" algn="l"/>
+                <a:tab pos="9482138" algn="l"/>
+              </a:tabLst>
+            </a:pPr>
+            <a:r>
+              <a:rPr lang="cs-CZ" dirty="0" smtClean="0">
+                <a:solidFill>
+                  <a:srgbClr val="3F3F3F"/>
+                </a:solidFill>
+              </a:rPr>
+              <a:t>Vlastní datové soubory</a:t>
+            </a:r>
+          </a:p>
+          <a:p>
+            <a:pPr marL="555625" lvl="1">
+              <a:lnSpc>
+                <a:spcPct val="98000"/>
+              </a:lnSpc>
+              <a:spcBef>
+                <a:spcPts val="638"/>
+              </a:spcBef>
+              <a:tabLst>
+                <a:tab pos="338138" algn="l"/>
+                <a:tab pos="795338" algn="l"/>
+                <a:tab pos="1252538" algn="l"/>
+                <a:tab pos="1709738" algn="l"/>
+                <a:tab pos="2166938" algn="l"/>
+                <a:tab pos="2624138" algn="l"/>
+                <a:tab pos="3081338" algn="l"/>
+                <a:tab pos="3538538" algn="l"/>
+                <a:tab pos="3995738" algn="l"/>
+                <a:tab pos="4452938" algn="l"/>
+                <a:tab pos="4910138" algn="l"/>
+                <a:tab pos="5367338" algn="l"/>
+                <a:tab pos="5824538" algn="l"/>
+                <a:tab pos="6281738" algn="l"/>
+                <a:tab pos="6738938" algn="l"/>
+                <a:tab pos="7196138" algn="l"/>
+                <a:tab pos="7653338" algn="l"/>
+                <a:tab pos="8110538" algn="l"/>
+                <a:tab pos="8567738" algn="l"/>
+                <a:tab pos="9024938" algn="l"/>
+                <a:tab pos="9482138" algn="l"/>
+              </a:tabLst>
+            </a:pPr>
+            <a:r>
+              <a:rPr lang="cs-CZ" dirty="0" smtClean="0">
+                <a:solidFill>
+                  <a:srgbClr val="3F3F3F"/>
+                </a:solidFill>
+              </a:rPr>
+              <a:t>(pilot posílání dat na server)</a:t>
+            </a:r>
+          </a:p>
+          <a:p>
+            <a:pPr>
+              <a:lnSpc>
+                <a:spcPct val="98000"/>
+              </a:lnSpc>
+              <a:spcBef>
+                <a:spcPts val="638"/>
+              </a:spcBef>
+              <a:tabLst>
+                <a:tab pos="338138" algn="l"/>
+                <a:tab pos="795338" algn="l"/>
+                <a:tab pos="1252538" algn="l"/>
+                <a:tab pos="1709738" algn="l"/>
+                <a:tab pos="2166938" algn="l"/>
+                <a:tab pos="2624138" algn="l"/>
+                <a:tab pos="3081338" algn="l"/>
+                <a:tab pos="3538538" algn="l"/>
+                <a:tab pos="3995738" algn="l"/>
+                <a:tab pos="4452938" algn="l"/>
+                <a:tab pos="4910138" algn="l"/>
+                <a:tab pos="5367338" algn="l"/>
+                <a:tab pos="5824538" algn="l"/>
+                <a:tab pos="6281738" algn="l"/>
+                <a:tab pos="6738938" algn="l"/>
+                <a:tab pos="7196138" algn="l"/>
+                <a:tab pos="7653338" algn="l"/>
+                <a:tab pos="8110538" algn="l"/>
+                <a:tab pos="8567738" algn="l"/>
+                <a:tab pos="9024938" algn="l"/>
+                <a:tab pos="9482138" algn="l"/>
+              </a:tabLst>
+            </a:pPr>
+            <a:r>
+              <a:rPr lang="cs-CZ" dirty="0" smtClean="0">
+                <a:solidFill>
+                  <a:srgbClr val="3F3F3F"/>
+                </a:solidFill>
+              </a:rPr>
+              <a:t>Prohledávání </a:t>
+            </a:r>
+            <a:r>
+              <a:rPr lang="cs-CZ" dirty="0" err="1" smtClean="0">
+                <a:solidFill>
+                  <a:srgbClr val="3F3F3F"/>
+                </a:solidFill>
+              </a:rPr>
+              <a:t>filesystemu</a:t>
+            </a:r>
+            <a:endParaRPr lang="fr-FR" dirty="0">
+              <a:solidFill>
+                <a:srgbClr val="3F3F3F"/>
+              </a:solidFill>
+            </a:endParaRPr>
+          </a:p>
+        </p:txBody>
+      </p:sp>
+    </p:spTree>
+  </p:cSld>
+  <p:clrMapOvr>
+    <a:masterClrMapping/>
+  </p:clrMapOvr>
+  <p:timing>
+    <p:tnLst>
+      <p:par>
+        <p:cTn id="1" dur="indefinite" restart="never" nodeType="tmRoot"/>
+      </p:par>
+    </p:tnLst>
+  </p:timing>
+</p:sld>
+</file>
+
+<file path=ppt/slides/slide14.xml><?xml version="1.0" encoding="utf-8"?>
+<p:sld xmlns:a="http://schemas.openxmlformats.org/drawingml/2006/main" xmlns:r="http://schemas.openxmlformats.org/officeDocument/2006/relationships" xmlns:p="http://schemas.openxmlformats.org/presentationml/2006/main">
+  <p:cSld>
+    <p:bg>
+      <p:bgPr>
+        <a:blipFill dpi="0" rotWithShape="0">
+          <a:blip r:embed="rId2"/>
+          <a:srcRect/>
+          <a:stretch>
+            <a:fillRect/>
+          </a:stretch>
+        </a:blipFill>
+        <a:effectLst/>
+      </p:bgPr>
+    </p:bg>
+    <p:spTree>
+      <p:nvGrpSpPr>
+        <p:cNvPr id="1" name=""/>
+        <p:cNvGrpSpPr/>
+        <p:nvPr/>
+      </p:nvGrpSpPr>
+      <p:grpSpPr>
+        <a:xfrm>
+          <a:off x="0" y="0"/>
+          <a:ext cx="0" cy="0"/>
+          <a:chOff x="0" y="0"/>
+          <a:chExt cx="0" cy="0"/>
+        </a:xfrm>
+      </p:grpSpPr>
+      <p:sp>
+        <p:nvSpPr>
+          <p:cNvPr id="2" name="Titre 1"/>
+          <p:cNvSpPr>
+            <a:spLocks noGrp="1"/>
+          </p:cNvSpPr>
+          <p:nvPr>
+            <p:ph type="title"/>
+          </p:nvPr>
+        </p:nvSpPr>
+        <p:spPr>
+          <a:xfrm>
+            <a:off x="1928813" y="274638"/>
+            <a:ext cx="6757987" cy="1143000"/>
+          </a:xfrm>
+        </p:spPr>
+        <p:txBody>
+          <a:bodyPr rtlCol="0">
+            <a:normAutofit/>
+          </a:bodyPr>
+          <a:lstStyle/>
+          <a:p>
+            <a:pPr algn="l" fontAlgn="auto">
+              <a:spcAft>
+                <a:spcPts val="0"/>
+              </a:spcAft>
+              <a:defRPr/>
+            </a:pPr>
+            <a:r>
+              <a:rPr lang="fr-CA" dirty="0" smtClean="0">
+                <a:solidFill>
+                  <a:srgbClr val="3F3F3F"/>
+                </a:solidFill>
+              </a:rPr>
+              <a:t>Knihovna </a:t>
+            </a:r>
+            <a:r>
+              <a:rPr lang="cs-CZ" dirty="0" err="1" smtClean="0">
+                <a:solidFill>
+                  <a:srgbClr val="3F3F3F"/>
+                </a:solidFill>
+              </a:rPr>
+              <a:t>CellClient</a:t>
+            </a:r>
+            <a:endParaRPr lang="fr-FR" dirty="0" smtClean="0">
+              <a:solidFill>
+                <a:schemeClr val="tx1">
+                  <a:lumMod val="75000"/>
+                  <a:lumOff val="25000"/>
+                </a:schemeClr>
+              </a:solidFill>
+            </a:endParaRPr>
+          </a:p>
+        </p:txBody>
+      </p:sp>
+      <p:sp>
+        <p:nvSpPr>
+          <p:cNvPr id="3" name="Espace réservé du contenu 2"/>
+          <p:cNvSpPr>
+            <a:spLocks noGrp="1"/>
+          </p:cNvSpPr>
+          <p:nvPr>
+            <p:ph idx="1"/>
+          </p:nvPr>
+        </p:nvSpPr>
+        <p:spPr>
+          <a:xfrm>
+            <a:off x="1928813" y="1600200"/>
+            <a:ext cx="6757987" cy="4525963"/>
+          </a:xfrm>
+        </p:spPr>
+        <p:txBody>
+          <a:bodyPr rtlCol="0">
+            <a:normAutofit/>
+          </a:bodyPr>
+          <a:lstStyle/>
+          <a:p>
+            <a:pPr marL="338138" indent="-338138">
+              <a:lnSpc>
+                <a:spcPct val="98000"/>
+              </a:lnSpc>
+              <a:spcBef>
+                <a:spcPts val="638"/>
+              </a:spcBef>
+              <a:tabLst>
+                <a:tab pos="338138" algn="l"/>
+                <a:tab pos="795338" algn="l"/>
+                <a:tab pos="1252538" algn="l"/>
+                <a:tab pos="1709738" algn="l"/>
+                <a:tab pos="2166938" algn="l"/>
+                <a:tab pos="2624138" algn="l"/>
+                <a:tab pos="3081338" algn="l"/>
+                <a:tab pos="3538538" algn="l"/>
+                <a:tab pos="3995738" algn="l"/>
+                <a:tab pos="4452938" algn="l"/>
+                <a:tab pos="4910138" algn="l"/>
+                <a:tab pos="5367338" algn="l"/>
+                <a:tab pos="5824538" algn="l"/>
+                <a:tab pos="6281738" algn="l"/>
+                <a:tab pos="6738938" algn="l"/>
+                <a:tab pos="7196138" algn="l"/>
+                <a:tab pos="7653338" algn="l"/>
+                <a:tab pos="8110538" algn="l"/>
+                <a:tab pos="8567738" algn="l"/>
+                <a:tab pos="9024938" algn="l"/>
+                <a:tab pos="9482138" algn="l"/>
+              </a:tabLst>
+            </a:pPr>
+            <a:r>
+              <a:rPr lang="cs-CZ" dirty="0" smtClean="0">
+                <a:solidFill>
+                  <a:srgbClr val="3F3F3F"/>
+                </a:solidFill>
+              </a:rPr>
+              <a:t>Vzdálené počítání částí </a:t>
+            </a:r>
+            <a:r>
+              <a:rPr lang="cs-CZ" dirty="0" err="1" smtClean="0">
+                <a:solidFill>
+                  <a:srgbClr val="3F3F3F"/>
+                </a:solidFill>
+              </a:rPr>
+              <a:t>pipeline</a:t>
+            </a:r>
+            <a:endParaRPr lang="cs-CZ" dirty="0" smtClean="0">
+              <a:solidFill>
+                <a:srgbClr val="3F3F3F"/>
+              </a:solidFill>
+            </a:endParaRPr>
+          </a:p>
+          <a:p>
+            <a:pPr marL="338138" indent="-338138">
+              <a:lnSpc>
+                <a:spcPct val="98000"/>
+              </a:lnSpc>
+              <a:spcBef>
+                <a:spcPts val="638"/>
+              </a:spcBef>
+              <a:tabLst>
+                <a:tab pos="338138" algn="l"/>
+                <a:tab pos="795338" algn="l"/>
+                <a:tab pos="1252538" algn="l"/>
+                <a:tab pos="1709738" algn="l"/>
+                <a:tab pos="2166938" algn="l"/>
+                <a:tab pos="2624138" algn="l"/>
+                <a:tab pos="3081338" algn="l"/>
+                <a:tab pos="3538538" algn="l"/>
+                <a:tab pos="3995738" algn="l"/>
+                <a:tab pos="4452938" algn="l"/>
+                <a:tab pos="4910138" algn="l"/>
+                <a:tab pos="5367338" algn="l"/>
+                <a:tab pos="5824538" algn="l"/>
+                <a:tab pos="6281738" algn="l"/>
+                <a:tab pos="6738938" algn="l"/>
+                <a:tab pos="7196138" algn="l"/>
+                <a:tab pos="7653338" algn="l"/>
+                <a:tab pos="8110538" algn="l"/>
+                <a:tab pos="8567738" algn="l"/>
+                <a:tab pos="9024938" algn="l"/>
+                <a:tab pos="9482138" algn="l"/>
+              </a:tabLst>
+            </a:pPr>
+            <a:r>
+              <a:rPr lang="cs-CZ" dirty="0" smtClean="0">
+                <a:solidFill>
+                  <a:srgbClr val="3F3F3F"/>
+                </a:solidFill>
+              </a:rPr>
+              <a:t>Různé architektury</a:t>
+            </a:r>
+          </a:p>
+          <a:p>
+            <a:pPr marL="338138" indent="-338138">
+              <a:lnSpc>
+                <a:spcPct val="98000"/>
+              </a:lnSpc>
+              <a:spcBef>
+                <a:spcPts val="638"/>
+              </a:spcBef>
+              <a:tabLst>
+                <a:tab pos="338138" algn="l"/>
+                <a:tab pos="795338" algn="l"/>
+                <a:tab pos="1252538" algn="l"/>
+                <a:tab pos="1709738" algn="l"/>
+                <a:tab pos="2166938" algn="l"/>
+                <a:tab pos="2624138" algn="l"/>
+                <a:tab pos="3081338" algn="l"/>
+                <a:tab pos="3538538" algn="l"/>
+                <a:tab pos="3995738" algn="l"/>
+                <a:tab pos="4452938" algn="l"/>
+                <a:tab pos="4910138" algn="l"/>
+                <a:tab pos="5367338" algn="l"/>
+                <a:tab pos="5824538" algn="l"/>
+                <a:tab pos="6281738" algn="l"/>
+                <a:tab pos="6738938" algn="l"/>
+                <a:tab pos="7196138" algn="l"/>
+                <a:tab pos="7653338" algn="l"/>
+                <a:tab pos="8110538" algn="l"/>
+                <a:tab pos="8567738" algn="l"/>
+                <a:tab pos="9024938" algn="l"/>
+                <a:tab pos="9482138" algn="l"/>
+              </a:tabLst>
+            </a:pPr>
+            <a:r>
+              <a:rPr lang="cs-CZ" dirty="0" smtClean="0">
+                <a:solidFill>
+                  <a:srgbClr val="3F3F3F"/>
+                </a:solidFill>
+              </a:rPr>
+              <a:t>Posílání </a:t>
+            </a:r>
+            <a:r>
+              <a:rPr lang="cs-CZ" dirty="0" smtClean="0">
+                <a:solidFill>
+                  <a:srgbClr val="3F3F3F"/>
+                </a:solidFill>
+              </a:rPr>
+              <a:t>data setů, idea </a:t>
+            </a:r>
+            <a:r>
+              <a:rPr lang="cs-CZ" dirty="0" err="1" smtClean="0">
+                <a:solidFill>
+                  <a:srgbClr val="3F3F3F"/>
+                </a:solidFill>
+              </a:rPr>
+              <a:t>dataPieces</a:t>
+            </a:r>
+            <a:endParaRPr lang="cs-CZ" dirty="0">
+              <a:solidFill>
+                <a:srgbClr val="3F3F3F"/>
+              </a:solidFill>
+            </a:endParaRPr>
+          </a:p>
+        </p:txBody>
+      </p:sp>
+    </p:spTree>
+  </p:cSld>
+  <p:clrMapOvr>
+    <a:masterClrMapping/>
+  </p:clrMapOvr>
+  <p:timing>
+    <p:tnLst>
+      <p:par>
+        <p:cTn id="1" dur="indefinite" restart="never" nodeType="tmRoot"/>
+      </p:par>
+    </p:tnLst>
+  </p:timing>
+</p:sld>
+</file>
+
+<file path=ppt/slides/slide15.xml><?xml version="1.0" encoding="utf-8"?>
+<p:sld xmlns:a="http://schemas.openxmlformats.org/drawingml/2006/main" xmlns:r="http://schemas.openxmlformats.org/officeDocument/2006/relationships" xmlns:p="http://schemas.openxmlformats.org/presentationml/2006/main">
+  <p:cSld>
+    <p:bg>
+      <p:bgPr>
+        <a:blipFill dpi="0" rotWithShape="0">
+          <a:blip r:embed="rId2"/>
+          <a:srcRect/>
+          <a:stretch>
+            <a:fillRect/>
+          </a:stretch>
+        </a:blipFill>
+        <a:effectLst/>
+      </p:bgPr>
+    </p:bg>
+    <p:spTree>
+      <p:nvGrpSpPr>
+        <p:cNvPr id="1" name=""/>
+        <p:cNvGrpSpPr/>
+        <p:nvPr/>
+      </p:nvGrpSpPr>
+      <p:grpSpPr>
+        <a:xfrm>
+          <a:off x="0" y="0"/>
+          <a:ext cx="0" cy="0"/>
+          <a:chOff x="0" y="0"/>
+          <a:chExt cx="0" cy="0"/>
+        </a:xfrm>
+      </p:grpSpPr>
+      <p:sp>
+        <p:nvSpPr>
+          <p:cNvPr id="6" name="Nadpis 5"/>
+          <p:cNvSpPr>
+            <a:spLocks noGrp="1"/>
+          </p:cNvSpPr>
+          <p:nvPr>
+            <p:ph type="title"/>
+          </p:nvPr>
+        </p:nvSpPr>
+        <p:spPr/>
+        <p:txBody>
+          <a:bodyPr/>
+          <a:lstStyle/>
+          <a:p>
+            <a:endParaRPr lang="en-US" dirty="0"/>
+          </a:p>
+        </p:txBody>
+      </p:sp>
+      <p:pic>
+        <p:nvPicPr>
+          <p:cNvPr id="5" name="Obrázek 4" descr="ScreenShot-4.png"/>
+          <p:cNvPicPr>
+            <a:picLocks noChangeAspect="1"/>
+          </p:cNvPicPr>
+          <p:nvPr/>
+        </p:nvPicPr>
+        <p:blipFill>
+          <a:blip r:embed="rId3"/>
+          <a:stretch>
+            <a:fillRect/>
+          </a:stretch>
+        </p:blipFill>
+        <p:spPr>
+          <a:xfrm>
+            <a:off x="457200" y="1752599"/>
+            <a:ext cx="8299310" cy="4983480"/>
+          </a:xfrm>
+          <a:prstGeom prst="rect">
+            <a:avLst/>
+          </a:prstGeom>
+        </p:spPr>
+      </p:pic>
+    </p:spTree>
+  </p:cSld>
+  <p:clrMapOvr>
+    <a:masterClrMapping/>
+  </p:clrMapOvr>
+  <p:timing>
+    <p:tnLst>
+      <p:par>
+        <p:cTn id="1" dur="indefinite" restart="never" nodeType="tmRoot"/>
+      </p:par>
+    </p:tnLst>
+  </p:timing>
+</p:sld>
+</file>
+
+<file path=ppt/slides/slide16.xml><?xml version="1.0" encoding="utf-8"?>
+<p:sld xmlns:a="http://schemas.openxmlformats.org/drawingml/2006/main" xmlns:r="http://schemas.openxmlformats.org/officeDocument/2006/relationships" xmlns:p="http://schemas.openxmlformats.org/presentationml/2006/main">
+  <p:cSld>
+    <p:bg>
+      <p:bgPr>
+        <a:blipFill dpi="0" rotWithShape="0">
+          <a:blip r:embed="rId2"/>
+          <a:srcRect/>
+          <a:stretch>
+            <a:fillRect/>
+          </a:stretch>
+        </a:blipFill>
+        <a:effectLst/>
+      </p:bgPr>
+    </p:bg>
+    <p:spTree>
+      <p:nvGrpSpPr>
+        <p:cNvPr id="1" name=""/>
+        <p:cNvGrpSpPr/>
+        <p:nvPr/>
+      </p:nvGrpSpPr>
+      <p:grpSpPr>
+        <a:xfrm>
+          <a:off x="0" y="0"/>
+          <a:ext cx="0" cy="0"/>
+          <a:chOff x="0" y="0"/>
+          <a:chExt cx="0" cy="0"/>
+        </a:xfrm>
+      </p:grpSpPr>
+      <p:sp>
+        <p:nvSpPr>
+          <p:cNvPr id="2" name="Titre 1"/>
+          <p:cNvSpPr>
+            <a:spLocks noGrp="1"/>
+          </p:cNvSpPr>
+          <p:nvPr>
+            <p:ph type="title"/>
+          </p:nvPr>
+        </p:nvSpPr>
+        <p:spPr>
+          <a:xfrm>
+            <a:off x="1928813" y="274638"/>
+            <a:ext cx="6757987" cy="1143000"/>
+          </a:xfrm>
+        </p:spPr>
+        <p:txBody>
+          <a:bodyPr rtlCol="0">
+            <a:normAutofit/>
+          </a:bodyPr>
+          <a:lstStyle/>
+          <a:p>
+            <a:pPr algn="l" fontAlgn="auto">
+              <a:spcAft>
+                <a:spcPts val="0"/>
+              </a:spcAft>
+              <a:defRPr/>
+            </a:pPr>
+            <a:r>
+              <a:rPr lang="cs-CZ" dirty="0" smtClean="0">
+                <a:solidFill>
+                  <a:schemeClr val="tx1">
+                    <a:lumMod val="75000"/>
+                    <a:lumOff val="25000"/>
+                  </a:schemeClr>
+                </a:solidFill>
+              </a:rPr>
+              <a:t>Vlastnosti </a:t>
+            </a:r>
+            <a:r>
+              <a:rPr lang="cs-CZ" dirty="0" err="1" smtClean="0">
+                <a:solidFill>
+                  <a:schemeClr val="tx1">
+                    <a:lumMod val="75000"/>
+                    <a:lumOff val="25000"/>
+                  </a:schemeClr>
+                </a:solidFill>
+              </a:rPr>
+              <a:t>frameworku</a:t>
+            </a:r>
+            <a:endParaRPr lang="fr-FR" dirty="0" smtClean="0">
+              <a:solidFill>
+                <a:schemeClr val="tx1">
+                  <a:lumMod val="75000"/>
+                  <a:lumOff val="25000"/>
+                </a:schemeClr>
+              </a:solidFill>
+            </a:endParaRPr>
+          </a:p>
+        </p:txBody>
+      </p:sp>
+      <p:sp>
+        <p:nvSpPr>
+          <p:cNvPr id="3" name="Espace réservé du contenu 2"/>
+          <p:cNvSpPr>
+            <a:spLocks noGrp="1"/>
+          </p:cNvSpPr>
+          <p:nvPr>
+            <p:ph idx="1"/>
+          </p:nvPr>
+        </p:nvSpPr>
+        <p:spPr>
+          <a:xfrm>
+            <a:off x="1928813" y="1600200"/>
+            <a:ext cx="6757987" cy="4525963"/>
+          </a:xfrm>
+        </p:spPr>
+        <p:txBody>
+          <a:bodyPr rtlCol="0">
+            <a:normAutofit/>
+          </a:bodyPr>
+          <a:lstStyle/>
+          <a:p>
+            <a:pPr marL="338138" indent="-338138">
+              <a:lnSpc>
+                <a:spcPct val="98000"/>
+              </a:lnSpc>
+              <a:spcBef>
+                <a:spcPts val="638"/>
+              </a:spcBef>
+              <a:tabLst>
+                <a:tab pos="338138" algn="l"/>
+                <a:tab pos="795338" algn="l"/>
+                <a:tab pos="1252538" algn="l"/>
+                <a:tab pos="1709738" algn="l"/>
+                <a:tab pos="2166938" algn="l"/>
+                <a:tab pos="2624138" algn="l"/>
+                <a:tab pos="3081338" algn="l"/>
+                <a:tab pos="3538538" algn="l"/>
+                <a:tab pos="3995738" algn="l"/>
+                <a:tab pos="4452938" algn="l"/>
+                <a:tab pos="4910138" algn="l"/>
+                <a:tab pos="5367338" algn="l"/>
+                <a:tab pos="5824538" algn="l"/>
+                <a:tab pos="6281738" algn="l"/>
+                <a:tab pos="6738938" algn="l"/>
+                <a:tab pos="7196138" algn="l"/>
+                <a:tab pos="7653338" algn="l"/>
+                <a:tab pos="8110538" algn="l"/>
+                <a:tab pos="8567738" algn="l"/>
+                <a:tab pos="9024938" algn="l"/>
+                <a:tab pos="9482138" algn="l"/>
+              </a:tabLst>
+            </a:pPr>
+            <a:r>
+              <a:rPr lang="cs-CZ" dirty="0" smtClean="0">
+                <a:solidFill>
+                  <a:srgbClr val="3F3F3F"/>
+                </a:solidFill>
+              </a:rPr>
+              <a:t>Jednoduchá rozšiřitelnost a zaměnitelnost jednotlivých částí</a:t>
+            </a:r>
+          </a:p>
+          <a:p>
+            <a:pPr marL="338138" indent="-338138">
+              <a:lnSpc>
+                <a:spcPct val="98000"/>
+              </a:lnSpc>
+              <a:spcBef>
+                <a:spcPts val="638"/>
+              </a:spcBef>
+              <a:tabLst>
+                <a:tab pos="338138" algn="l"/>
+                <a:tab pos="795338" algn="l"/>
+                <a:tab pos="1252538" algn="l"/>
+                <a:tab pos="1709738" algn="l"/>
+                <a:tab pos="2166938" algn="l"/>
+                <a:tab pos="2624138" algn="l"/>
+                <a:tab pos="3081338" algn="l"/>
+                <a:tab pos="3538538" algn="l"/>
+                <a:tab pos="3995738" algn="l"/>
+                <a:tab pos="4452938" algn="l"/>
+                <a:tab pos="4910138" algn="l"/>
+                <a:tab pos="5367338" algn="l"/>
+                <a:tab pos="5824538" algn="l"/>
+                <a:tab pos="6281738" algn="l"/>
+                <a:tab pos="6738938" algn="l"/>
+                <a:tab pos="7196138" algn="l"/>
+                <a:tab pos="7653338" algn="l"/>
+                <a:tab pos="8110538" algn="l"/>
+                <a:tab pos="8567738" algn="l"/>
+                <a:tab pos="9024938" algn="l"/>
+                <a:tab pos="9482138" algn="l"/>
+              </a:tabLst>
+            </a:pPr>
+            <a:r>
+              <a:rPr lang="cs-CZ" dirty="0" smtClean="0">
+                <a:solidFill>
+                  <a:srgbClr val="3F3F3F"/>
+                </a:solidFill>
+              </a:rPr>
+              <a:t>Efektivita a produktivita</a:t>
+            </a:r>
+            <a:endParaRPr lang="cs-CZ" dirty="0" smtClean="0">
+              <a:solidFill>
+                <a:srgbClr val="3F3F3F"/>
+              </a:solidFill>
+            </a:endParaRPr>
+          </a:p>
+          <a:p>
+            <a:pPr marL="338138" indent="-338138">
+              <a:lnSpc>
+                <a:spcPct val="98000"/>
+              </a:lnSpc>
+              <a:spcBef>
+                <a:spcPts val="638"/>
+              </a:spcBef>
+              <a:tabLst>
+                <a:tab pos="338138" algn="l"/>
+                <a:tab pos="795338" algn="l"/>
+                <a:tab pos="1252538" algn="l"/>
+                <a:tab pos="1709738" algn="l"/>
+                <a:tab pos="2166938" algn="l"/>
+                <a:tab pos="2624138" algn="l"/>
+                <a:tab pos="3081338" algn="l"/>
+                <a:tab pos="3538538" algn="l"/>
+                <a:tab pos="3995738" algn="l"/>
+                <a:tab pos="4452938" algn="l"/>
+                <a:tab pos="4910138" algn="l"/>
+                <a:tab pos="5367338" algn="l"/>
+                <a:tab pos="5824538" algn="l"/>
+                <a:tab pos="6281738" algn="l"/>
+                <a:tab pos="6738938" algn="l"/>
+                <a:tab pos="7196138" algn="l"/>
+                <a:tab pos="7653338" algn="l"/>
+                <a:tab pos="8110538" algn="l"/>
+                <a:tab pos="8567738" algn="l"/>
+                <a:tab pos="9024938" algn="l"/>
+                <a:tab pos="9482138" algn="l"/>
+              </a:tabLst>
+            </a:pPr>
+            <a:r>
+              <a:rPr lang="cs-CZ" dirty="0" err="1" smtClean="0">
+                <a:solidFill>
+                  <a:srgbClr val="3F3F3F"/>
+                </a:solidFill>
+              </a:rPr>
+              <a:t>Cross</a:t>
+            </a:r>
+            <a:r>
+              <a:rPr lang="cs-CZ" dirty="0" smtClean="0">
+                <a:solidFill>
+                  <a:srgbClr val="3F3F3F"/>
+                </a:solidFill>
+              </a:rPr>
+              <a:t>-</a:t>
+            </a:r>
+            <a:r>
+              <a:rPr lang="cs-CZ" dirty="0" err="1" smtClean="0">
+                <a:solidFill>
+                  <a:srgbClr val="3F3F3F"/>
+                </a:solidFill>
+              </a:rPr>
+              <a:t>platform</a:t>
+            </a:r>
+            <a:r>
+              <a:rPr lang="cs-CZ" dirty="0" smtClean="0">
+                <a:solidFill>
+                  <a:srgbClr val="3F3F3F"/>
+                </a:solidFill>
+              </a:rPr>
+              <a:t> </a:t>
+            </a:r>
+            <a:r>
+              <a:rPr lang="cs-CZ" dirty="0" smtClean="0">
+                <a:solidFill>
+                  <a:srgbClr val="3F3F3F"/>
+                </a:solidFill>
+              </a:rPr>
+              <a:t>(na </a:t>
+            </a:r>
+            <a:r>
+              <a:rPr lang="cs-CZ" dirty="0" smtClean="0">
+                <a:solidFill>
+                  <a:srgbClr val="3F3F3F"/>
+                </a:solidFill>
+              </a:rPr>
+              <a:t>rozdíl od </a:t>
+            </a:r>
+            <a:r>
+              <a:rPr lang="cs-CZ" dirty="0" err="1" smtClean="0">
+                <a:solidFill>
+                  <a:srgbClr val="3F3F3F"/>
+                </a:solidFill>
+              </a:rPr>
+              <a:t>eFilmu</a:t>
+            </a:r>
+            <a:r>
+              <a:rPr lang="cs-CZ" dirty="0" smtClean="0">
+                <a:solidFill>
+                  <a:srgbClr val="3F3F3F"/>
+                </a:solidFill>
+              </a:rPr>
+              <a:t>)</a:t>
+            </a:r>
+          </a:p>
+          <a:p>
+            <a:pPr marL="338138" indent="-338138">
+              <a:lnSpc>
+                <a:spcPct val="98000"/>
+              </a:lnSpc>
+              <a:spcBef>
+                <a:spcPts val="638"/>
+              </a:spcBef>
+              <a:tabLst>
+                <a:tab pos="338138" algn="l"/>
+                <a:tab pos="795338" algn="l"/>
+                <a:tab pos="1252538" algn="l"/>
+                <a:tab pos="1709738" algn="l"/>
+                <a:tab pos="2166938" algn="l"/>
+                <a:tab pos="2624138" algn="l"/>
+                <a:tab pos="3081338" algn="l"/>
+                <a:tab pos="3538538" algn="l"/>
+                <a:tab pos="3995738" algn="l"/>
+                <a:tab pos="4452938" algn="l"/>
+                <a:tab pos="4910138" algn="l"/>
+                <a:tab pos="5367338" algn="l"/>
+                <a:tab pos="5824538" algn="l"/>
+                <a:tab pos="6281738" algn="l"/>
+                <a:tab pos="6738938" algn="l"/>
+                <a:tab pos="7196138" algn="l"/>
+                <a:tab pos="7653338" algn="l"/>
+                <a:tab pos="8110538" algn="l"/>
+                <a:tab pos="8567738" algn="l"/>
+                <a:tab pos="9024938" algn="l"/>
+                <a:tab pos="9482138" algn="l"/>
+              </a:tabLst>
+            </a:pPr>
+            <a:r>
+              <a:rPr lang="cs-CZ" dirty="0" smtClean="0">
+                <a:solidFill>
+                  <a:srgbClr val="3F3F3F"/>
+                </a:solidFill>
+              </a:rPr>
+              <a:t>Zavedení konceptů – ne vše plně funkční (distribuovaný výpočet, odesílání zpět na DICOM server)</a:t>
+            </a:r>
+            <a:endParaRPr lang="cs-CZ" dirty="0">
+              <a:solidFill>
+                <a:srgbClr val="3F3F3F"/>
+              </a:solidFill>
+            </a:endParaRPr>
+          </a:p>
+        </p:txBody>
+      </p:sp>
+    </p:spTree>
+  </p:cSld>
+  <p:clrMapOvr>
+    <a:masterClrMapping/>
+  </p:clrMapOvr>
+  <p:timing>
+    <p:tnLst>
+      <p:par>
+        <p:cTn id="1" dur="indefinite" restart="never" nodeType="tmRoot"/>
+      </p:par>
+    </p:tnLst>
+  </p:timing>
+</p:sld>
+</file>
+
+<file path=ppt/slides/slide17.xml><?xml version="1.0" encoding="utf-8"?>
+<p:sld xmlns:a="http://schemas.openxmlformats.org/drawingml/2006/main" xmlns:r="http://schemas.openxmlformats.org/officeDocument/2006/relationships" xmlns:p="http://schemas.openxmlformats.org/presentationml/2006/main">
+  <p:cSld>
+    <p:bg>
+      <p:bgPr>
+        <a:blipFill dpi="0" rotWithShape="0">
+          <a:blip r:embed="rId2"/>
+          <a:srcRect/>
+          <a:stretch>
+            <a:fillRect/>
+          </a:stretch>
+        </a:blipFill>
+        <a:effectLst/>
+      </p:bgPr>
+    </p:bg>
+    <p:spTree>
+      <p:nvGrpSpPr>
+        <p:cNvPr id="1" name=""/>
+        <p:cNvGrpSpPr/>
+        <p:nvPr/>
+      </p:nvGrpSpPr>
+      <p:grpSpPr>
+        <a:xfrm>
+          <a:off x="0" y="0"/>
+          <a:ext cx="0" cy="0"/>
+          <a:chOff x="0" y="0"/>
+          <a:chExt cx="0" cy="0"/>
+        </a:xfrm>
+      </p:grpSpPr>
+      <p:sp>
+        <p:nvSpPr>
+          <p:cNvPr id="2" name="Titre 1"/>
+          <p:cNvSpPr>
+            <a:spLocks noGrp="1"/>
+          </p:cNvSpPr>
+          <p:nvPr>
+            <p:ph type="title"/>
+          </p:nvPr>
+        </p:nvSpPr>
+        <p:spPr>
+          <a:xfrm>
+            <a:off x="1928813" y="274638"/>
+            <a:ext cx="6757987" cy="1143000"/>
+          </a:xfrm>
+        </p:spPr>
+        <p:txBody>
+          <a:bodyPr rtlCol="0">
+            <a:normAutofit/>
+          </a:bodyPr>
+          <a:lstStyle/>
+          <a:p>
+            <a:pPr algn="l" fontAlgn="auto">
+              <a:spcAft>
+                <a:spcPts val="0"/>
+              </a:spcAft>
+              <a:defRPr/>
+            </a:pPr>
+            <a:r>
+              <a:rPr lang="cs-CZ" dirty="0" smtClean="0">
+                <a:solidFill>
+                  <a:schemeClr val="tx1">
+                    <a:lumMod val="75000"/>
+                    <a:lumOff val="25000"/>
+                  </a:schemeClr>
+                </a:solidFill>
+              </a:rPr>
+              <a:t>Závěr</a:t>
+            </a:r>
+            <a:endParaRPr lang="fr-FR" dirty="0" smtClean="0">
+              <a:solidFill>
+                <a:schemeClr val="tx1">
+                  <a:lumMod val="75000"/>
+                  <a:lumOff val="25000"/>
+                </a:schemeClr>
+              </a:solidFill>
+            </a:endParaRPr>
+          </a:p>
+        </p:txBody>
+      </p:sp>
+      <p:sp>
+        <p:nvSpPr>
+          <p:cNvPr id="3" name="Espace réservé du contenu 2"/>
+          <p:cNvSpPr>
+            <a:spLocks noGrp="1"/>
+          </p:cNvSpPr>
+          <p:nvPr>
+            <p:ph idx="1"/>
+          </p:nvPr>
+        </p:nvSpPr>
+        <p:spPr>
+          <a:xfrm>
+            <a:off x="1928813" y="1600200"/>
+            <a:ext cx="6757987" cy="4525963"/>
+          </a:xfrm>
+        </p:spPr>
+        <p:txBody>
+          <a:bodyPr rtlCol="0">
+            <a:normAutofit/>
+          </a:bodyPr>
+          <a:lstStyle/>
+          <a:p>
+            <a:pPr marL="338138" indent="-338138">
+              <a:lnSpc>
+                <a:spcPct val="98000"/>
+              </a:lnSpc>
+              <a:spcBef>
+                <a:spcPts val="638"/>
+              </a:spcBef>
+              <a:tabLst>
+                <a:tab pos="338138" algn="l"/>
+                <a:tab pos="795338" algn="l"/>
+                <a:tab pos="1252538" algn="l"/>
+                <a:tab pos="1709738" algn="l"/>
+                <a:tab pos="2166938" algn="l"/>
+                <a:tab pos="2624138" algn="l"/>
+                <a:tab pos="3081338" algn="l"/>
+                <a:tab pos="3538538" algn="l"/>
+                <a:tab pos="3995738" algn="l"/>
+                <a:tab pos="4452938" algn="l"/>
+                <a:tab pos="4910138" algn="l"/>
+                <a:tab pos="5367338" algn="l"/>
+                <a:tab pos="5824538" algn="l"/>
+                <a:tab pos="6281738" algn="l"/>
+                <a:tab pos="6738938" algn="l"/>
+                <a:tab pos="7196138" algn="l"/>
+                <a:tab pos="7653338" algn="l"/>
+                <a:tab pos="8110538" algn="l"/>
+                <a:tab pos="8567738" algn="l"/>
+                <a:tab pos="9024938" algn="l"/>
+                <a:tab pos="9482138" algn="l"/>
+              </a:tabLst>
+            </a:pPr>
+            <a:r>
+              <a:rPr lang="cs-CZ" dirty="0" smtClean="0">
+                <a:solidFill>
+                  <a:srgbClr val="3F3F3F"/>
+                </a:solidFill>
+              </a:rPr>
+              <a:t>Vývoj pokračuje diplomovými pracemi autorů : </a:t>
+            </a:r>
+          </a:p>
+          <a:p>
+            <a:pPr marL="738188" lvl="1" indent="-338138">
+              <a:lnSpc>
+                <a:spcPct val="98000"/>
+              </a:lnSpc>
+              <a:spcBef>
+                <a:spcPts val="638"/>
+              </a:spcBef>
+              <a:tabLst>
+                <a:tab pos="338138" algn="l"/>
+                <a:tab pos="795338" algn="l"/>
+                <a:tab pos="1252538" algn="l"/>
+                <a:tab pos="1709738" algn="l"/>
+                <a:tab pos="2166938" algn="l"/>
+                <a:tab pos="2624138" algn="l"/>
+                <a:tab pos="3081338" algn="l"/>
+                <a:tab pos="3538538" algn="l"/>
+                <a:tab pos="3995738" algn="l"/>
+                <a:tab pos="4452938" algn="l"/>
+                <a:tab pos="4910138" algn="l"/>
+                <a:tab pos="5367338" algn="l"/>
+                <a:tab pos="5824538" algn="l"/>
+                <a:tab pos="6281738" algn="l"/>
+                <a:tab pos="6738938" algn="l"/>
+                <a:tab pos="7196138" algn="l"/>
+                <a:tab pos="7653338" algn="l"/>
+                <a:tab pos="8110538" algn="l"/>
+                <a:tab pos="8567738" algn="l"/>
+                <a:tab pos="9024938" algn="l"/>
+                <a:tab pos="9482138" algn="l"/>
+              </a:tabLst>
+            </a:pPr>
+            <a:r>
+              <a:rPr lang="cs-CZ" dirty="0" smtClean="0">
+                <a:solidFill>
+                  <a:srgbClr val="3F3F3F"/>
+                </a:solidFill>
+              </a:rPr>
+              <a:t>použití na architektuře </a:t>
+            </a:r>
+            <a:r>
+              <a:rPr lang="cs-CZ" dirty="0" err="1" smtClean="0">
+                <a:solidFill>
+                  <a:srgbClr val="3F3F3F"/>
+                </a:solidFill>
+              </a:rPr>
+              <a:t>CellBE</a:t>
+            </a:r>
+            <a:endParaRPr lang="cs-CZ" dirty="0" smtClean="0">
+              <a:solidFill>
+                <a:srgbClr val="3F3F3F"/>
+              </a:solidFill>
+            </a:endParaRPr>
+          </a:p>
+          <a:p>
+            <a:pPr marL="738188" lvl="1" indent="-338138">
+              <a:lnSpc>
+                <a:spcPct val="98000"/>
+              </a:lnSpc>
+              <a:spcBef>
+                <a:spcPts val="638"/>
+              </a:spcBef>
+              <a:tabLst>
+                <a:tab pos="338138" algn="l"/>
+                <a:tab pos="795338" algn="l"/>
+                <a:tab pos="1252538" algn="l"/>
+                <a:tab pos="1709738" algn="l"/>
+                <a:tab pos="2166938" algn="l"/>
+                <a:tab pos="2624138" algn="l"/>
+                <a:tab pos="3081338" algn="l"/>
+                <a:tab pos="3538538" algn="l"/>
+                <a:tab pos="3995738" algn="l"/>
+                <a:tab pos="4452938" algn="l"/>
+                <a:tab pos="4910138" algn="l"/>
+                <a:tab pos="5367338" algn="l"/>
+                <a:tab pos="5824538" algn="l"/>
+                <a:tab pos="6281738" algn="l"/>
+                <a:tab pos="6738938" algn="l"/>
+                <a:tab pos="7196138" algn="l"/>
+                <a:tab pos="7653338" algn="l"/>
+                <a:tab pos="8110538" algn="l"/>
+                <a:tab pos="8567738" algn="l"/>
+                <a:tab pos="9024938" algn="l"/>
+                <a:tab pos="9482138" algn="l"/>
+              </a:tabLst>
+            </a:pPr>
+            <a:r>
+              <a:rPr lang="cs-CZ" dirty="0" smtClean="0">
+                <a:solidFill>
+                  <a:srgbClr val="3F3F3F"/>
+                </a:solidFill>
+              </a:rPr>
+              <a:t>Fúze dat</a:t>
+            </a:r>
+          </a:p>
+          <a:p>
+            <a:pPr marL="738188" lvl="1" indent="-338138">
+              <a:lnSpc>
+                <a:spcPct val="98000"/>
+              </a:lnSpc>
+              <a:spcBef>
+                <a:spcPts val="638"/>
+              </a:spcBef>
+              <a:tabLst>
+                <a:tab pos="338138" algn="l"/>
+                <a:tab pos="795338" algn="l"/>
+                <a:tab pos="1252538" algn="l"/>
+                <a:tab pos="1709738" algn="l"/>
+                <a:tab pos="2166938" algn="l"/>
+                <a:tab pos="2624138" algn="l"/>
+                <a:tab pos="3081338" algn="l"/>
+                <a:tab pos="3538538" algn="l"/>
+                <a:tab pos="3995738" algn="l"/>
+                <a:tab pos="4452938" algn="l"/>
+                <a:tab pos="4910138" algn="l"/>
+                <a:tab pos="5367338" algn="l"/>
+                <a:tab pos="5824538" algn="l"/>
+                <a:tab pos="6281738" algn="l"/>
+                <a:tab pos="6738938" algn="l"/>
+                <a:tab pos="7196138" algn="l"/>
+                <a:tab pos="7653338" algn="l"/>
+                <a:tab pos="8110538" algn="l"/>
+                <a:tab pos="8567738" algn="l"/>
+                <a:tab pos="9024938" algn="l"/>
+                <a:tab pos="9482138" algn="l"/>
+              </a:tabLst>
+            </a:pPr>
+            <a:r>
+              <a:rPr lang="cs-CZ" dirty="0" smtClean="0">
+                <a:solidFill>
+                  <a:srgbClr val="3F3F3F"/>
+                </a:solidFill>
+              </a:rPr>
+              <a:t>Segmentace orgánů</a:t>
+            </a:r>
+          </a:p>
+          <a:p>
+            <a:pPr marL="738188" lvl="1" indent="-338138">
+              <a:lnSpc>
+                <a:spcPct val="98000"/>
+              </a:lnSpc>
+              <a:spcBef>
+                <a:spcPts val="638"/>
+              </a:spcBef>
+              <a:tabLst>
+                <a:tab pos="338138" algn="l"/>
+                <a:tab pos="795338" algn="l"/>
+                <a:tab pos="1252538" algn="l"/>
+                <a:tab pos="1709738" algn="l"/>
+                <a:tab pos="2166938" algn="l"/>
+                <a:tab pos="2624138" algn="l"/>
+                <a:tab pos="3081338" algn="l"/>
+                <a:tab pos="3538538" algn="l"/>
+                <a:tab pos="3995738" algn="l"/>
+                <a:tab pos="4452938" algn="l"/>
+                <a:tab pos="4910138" algn="l"/>
+                <a:tab pos="5367338" algn="l"/>
+                <a:tab pos="5824538" algn="l"/>
+                <a:tab pos="6281738" algn="l"/>
+                <a:tab pos="6738938" algn="l"/>
+                <a:tab pos="7196138" algn="l"/>
+                <a:tab pos="7653338" algn="l"/>
+                <a:tab pos="8110538" algn="l"/>
+                <a:tab pos="8567738" algn="l"/>
+                <a:tab pos="9024938" algn="l"/>
+                <a:tab pos="9482138" algn="l"/>
+              </a:tabLst>
+            </a:pPr>
+            <a:r>
+              <a:rPr lang="cs-CZ" dirty="0" err="1" smtClean="0">
+                <a:solidFill>
+                  <a:srgbClr val="3F3F3F"/>
+                </a:solidFill>
+              </a:rPr>
+              <a:t>Perfuze</a:t>
+            </a:r>
+            <a:endParaRPr lang="cs-CZ" dirty="0" smtClean="0">
+              <a:solidFill>
+                <a:srgbClr val="3F3F3F"/>
+              </a:solidFill>
+            </a:endParaRPr>
+          </a:p>
+          <a:p>
+            <a:pPr marL="338138" indent="-338138">
+              <a:lnSpc>
+                <a:spcPct val="98000"/>
+              </a:lnSpc>
+              <a:spcBef>
+                <a:spcPts val="638"/>
+              </a:spcBef>
+              <a:tabLst>
+                <a:tab pos="338138" algn="l"/>
+                <a:tab pos="795338" algn="l"/>
+                <a:tab pos="1252538" algn="l"/>
+                <a:tab pos="1709738" algn="l"/>
+                <a:tab pos="2166938" algn="l"/>
+                <a:tab pos="2624138" algn="l"/>
+                <a:tab pos="3081338" algn="l"/>
+                <a:tab pos="3538538" algn="l"/>
+                <a:tab pos="3995738" algn="l"/>
+                <a:tab pos="4452938" algn="l"/>
+                <a:tab pos="4910138" algn="l"/>
+                <a:tab pos="5367338" algn="l"/>
+                <a:tab pos="5824538" algn="l"/>
+                <a:tab pos="6281738" algn="l"/>
+                <a:tab pos="6738938" algn="l"/>
+                <a:tab pos="7196138" algn="l"/>
+                <a:tab pos="7653338" algn="l"/>
+                <a:tab pos="8110538" algn="l"/>
+                <a:tab pos="8567738" algn="l"/>
+                <a:tab pos="9024938" algn="l"/>
+                <a:tab pos="9482138" algn="l"/>
+              </a:tabLst>
+            </a:pPr>
+            <a:r>
+              <a:rPr lang="cs-CZ" dirty="0" smtClean="0">
+                <a:solidFill>
+                  <a:srgbClr val="3F3F3F"/>
+                </a:solidFill>
+              </a:rPr>
+              <a:t>Bakalářská práce RTG z CT – uživatel mimo team.</a:t>
+            </a:r>
+            <a:endParaRPr lang="cs-CZ" dirty="0" smtClean="0">
+              <a:solidFill>
+                <a:srgbClr val="3F3F3F"/>
               </a:solidFill>
             </a:endParaRPr>
           </a:p>
@@ -3839,12 +6097,40 @@
               <a:t>Uk</a:t>
             </a:r>
             <a:r>
+              <a:rPr lang="sk-SK" dirty="0" smtClean="0"/>
+              <a:t>á</a:t>
+            </a:r>
+            <a:r>
+              <a:rPr lang="en-US" dirty="0" smtClean="0"/>
+              <a:t>z</a:t>
+            </a:r>
+            <a:r>
               <a:rPr lang="sk-SK" dirty="0" err="1" smtClean="0"/>
-              <a:t>ážka</a:t>
+              <a:t>ka</a:t>
             </a:r>
             <a:r>
               <a:rPr lang="sk-SK" dirty="0" smtClean="0"/>
-              <a:t> na začiatok...</a:t>
+              <a:t> </a:t>
+            </a:r>
+            <a:r>
+              <a:rPr lang="sk-SK" dirty="0" smtClean="0"/>
+              <a:t>na </a:t>
+            </a:r>
+            <a:r>
+              <a:rPr lang="sk-SK" dirty="0" smtClean="0"/>
+              <a:t>zač</a:t>
+            </a:r>
+            <a:r>
+              <a:rPr lang="cs-CZ" dirty="0" smtClean="0"/>
+              <a:t>á</a:t>
+            </a:r>
+            <a:r>
+              <a:rPr lang="sk-SK" dirty="0" err="1" smtClean="0"/>
+              <a:t>tek</a:t>
+            </a:r>
+            <a:r>
+              <a:rPr lang="sk-SK" dirty="0" smtClean="0"/>
+              <a:t>...</a:t>
             </a:r>
             <a:endParaRPr lang="en-US" dirty="0"/>
           </a:p>
@@ -3920,7 +6206,7 @@
       </p:grpSpPr>
       <p:sp>
         <p:nvSpPr>
-          <p:cNvPr id="6" name="Nadpis 5"/>
+          <p:cNvPr id="2" name="Titre 1"/>
           <p:cNvSpPr>
             <a:spLocks noGrp="1"/>
           </p:cNvSpPr>
@@ -3928,39 +6214,201 @@
             <p:ph type="title"/>
           </p:nvPr>
         </p:nvSpPr>
-        <p:spPr/>
-        <p:txBody>
-          <a:bodyPr/>
-          <a:lstStyle/>
-          <a:p>
-            <a:endParaRPr lang="en-US" dirty="0"/>
-          </a:p>
-        </p:txBody>
-      </p:sp>
-      <p:pic>
-        <p:nvPicPr>
-          <p:cNvPr id="4" name="Obrázek 3" descr="ScreenShot-3.png"/>
-          <p:cNvPicPr>
-            <a:picLocks noChangeAspect="1"/>
-          </p:cNvPicPr>
-          <p:nvPr/>
-        </p:nvPicPr>
-        <p:blipFill>
-          <a:blip r:embed="rId3"/>
-          <a:stretch>
-            <a:fillRect/>
-          </a:stretch>
-        </p:blipFill>
         <p:spPr>
           <a:xfrm>
-            <a:off x="457200" y="1752600"/>
-            <a:ext cx="8305800" cy="4980883"/>
+            <a:off x="1928813" y="274638"/>
+            <a:ext cx="6757987" cy="1143000"/>
           </a:xfrm>
-          <a:prstGeom prst="rect">
-            <a:avLst/>
-          </a:prstGeom>
         </p:spPr>
-      </p:pic>
+        <p:txBody>
+          <a:bodyPr rtlCol="0">
+            <a:normAutofit/>
+          </a:bodyPr>
+          <a:lstStyle/>
+          <a:p>
+            <a:pPr algn="l" fontAlgn="auto">
+              <a:spcAft>
+                <a:spcPts val="0"/>
+              </a:spcAft>
+              <a:defRPr/>
+            </a:pPr>
+            <a:r>
+              <a:rPr lang="cs-CZ" dirty="0" smtClean="0">
+                <a:solidFill>
+                  <a:schemeClr val="tx1">
+                    <a:lumMod val="75000"/>
+                    <a:lumOff val="25000"/>
+                  </a:schemeClr>
+                </a:solidFill>
+              </a:rPr>
+              <a:t>Medicínská aplikace</a:t>
+            </a:r>
+            <a:endParaRPr lang="fr-FR" dirty="0" smtClean="0">
+              <a:solidFill>
+                <a:schemeClr val="tx1">
+                  <a:lumMod val="75000"/>
+                  <a:lumOff val="25000"/>
+                </a:schemeClr>
+              </a:solidFill>
+            </a:endParaRPr>
+          </a:p>
+        </p:txBody>
+      </p:sp>
+      <p:sp>
+        <p:nvSpPr>
+          <p:cNvPr id="3" name="Espace réservé du contenu 2"/>
+          <p:cNvSpPr>
+            <a:spLocks noGrp="1"/>
+          </p:cNvSpPr>
+          <p:nvPr>
+            <p:ph idx="1"/>
+          </p:nvPr>
+        </p:nvSpPr>
+        <p:spPr>
+          <a:xfrm>
+            <a:off x="1928813" y="1600200"/>
+            <a:ext cx="6757987" cy="4525963"/>
+          </a:xfrm>
+        </p:spPr>
+        <p:txBody>
+          <a:bodyPr rtlCol="0">
+            <a:normAutofit/>
+          </a:bodyPr>
+          <a:lstStyle/>
+          <a:p>
+            <a:pPr marL="339725" indent="-339725">
+              <a:lnSpc>
+                <a:spcPct val="98000"/>
+              </a:lnSpc>
+              <a:spcBef>
+                <a:spcPts val="638"/>
+              </a:spcBef>
+              <a:tabLst>
+                <a:tab pos="339725" algn="l"/>
+                <a:tab pos="796925" algn="l"/>
+                <a:tab pos="1254125" algn="l"/>
+                <a:tab pos="1711325" algn="l"/>
+                <a:tab pos="2168525" algn="l"/>
+                <a:tab pos="2625725" algn="l"/>
+                <a:tab pos="3082925" algn="l"/>
+                <a:tab pos="3540125" algn="l"/>
+                <a:tab pos="3997325" algn="l"/>
+                <a:tab pos="4454525" algn="l"/>
+                <a:tab pos="4911725" algn="l"/>
+                <a:tab pos="5368925" algn="l"/>
+                <a:tab pos="5826125" algn="l"/>
+                <a:tab pos="6283325" algn="l"/>
+                <a:tab pos="6740525" algn="l"/>
+                <a:tab pos="7197725" algn="l"/>
+                <a:tab pos="7654925" algn="l"/>
+                <a:tab pos="8112125" algn="l"/>
+                <a:tab pos="8569325" algn="l"/>
+                <a:tab pos="9026525" algn="l"/>
+                <a:tab pos="9483725" algn="l"/>
+              </a:tabLst>
+            </a:pPr>
+            <a:r>
+              <a:rPr lang="cs-CZ" dirty="0" smtClean="0">
+                <a:solidFill>
+                  <a:srgbClr val="3F3F3F"/>
+                </a:solidFill>
+                <a:cs typeface="+mn-ea" charset="0"/>
+              </a:rPr>
+              <a:t>Zpracovává data získaná z CT, MRI, apod.</a:t>
+            </a:r>
+          </a:p>
+          <a:p>
+            <a:pPr marL="339725" indent="-339725">
+              <a:lnSpc>
+                <a:spcPct val="98000"/>
+              </a:lnSpc>
+              <a:spcBef>
+                <a:spcPts val="638"/>
+              </a:spcBef>
+              <a:tabLst>
+                <a:tab pos="339725" algn="l"/>
+                <a:tab pos="796925" algn="l"/>
+                <a:tab pos="1254125" algn="l"/>
+                <a:tab pos="1711325" algn="l"/>
+                <a:tab pos="2168525" algn="l"/>
+                <a:tab pos="2625725" algn="l"/>
+                <a:tab pos="3082925" algn="l"/>
+                <a:tab pos="3540125" algn="l"/>
+                <a:tab pos="3997325" algn="l"/>
+                <a:tab pos="4454525" algn="l"/>
+                <a:tab pos="4911725" algn="l"/>
+                <a:tab pos="5368925" algn="l"/>
+                <a:tab pos="5826125" algn="l"/>
+                <a:tab pos="6283325" algn="l"/>
+                <a:tab pos="6740525" algn="l"/>
+                <a:tab pos="7197725" algn="l"/>
+                <a:tab pos="7654925" algn="l"/>
+                <a:tab pos="8112125" algn="l"/>
+                <a:tab pos="8569325" algn="l"/>
+                <a:tab pos="9026525" algn="l"/>
+                <a:tab pos="9483725" algn="l"/>
+              </a:tabLst>
+            </a:pPr>
+            <a:r>
+              <a:rPr lang="cs-CZ" dirty="0" smtClean="0">
+                <a:solidFill>
+                  <a:srgbClr val="3F3F3F"/>
+                </a:solidFill>
+                <a:cs typeface="+mn-ea" charset="0"/>
+              </a:rPr>
+              <a:t>Data načítá z úložiště ve formátu DICOM (2D, 3D, 4D, …)</a:t>
+            </a:r>
+          </a:p>
+          <a:p>
+            <a:pPr marL="339725" indent="-339725">
+              <a:lnSpc>
+                <a:spcPct val="98000"/>
+              </a:lnSpc>
+              <a:spcBef>
+                <a:spcPts val="638"/>
+              </a:spcBef>
+              <a:tabLst>
+                <a:tab pos="339725" algn="l"/>
+                <a:tab pos="796925" algn="l"/>
+                <a:tab pos="1254125" algn="l"/>
+                <a:tab pos="1711325" algn="l"/>
+                <a:tab pos="2168525" algn="l"/>
+                <a:tab pos="2625725" algn="l"/>
+                <a:tab pos="3082925" algn="l"/>
+                <a:tab pos="3540125" algn="l"/>
+                <a:tab pos="3997325" algn="l"/>
+                <a:tab pos="4454525" algn="l"/>
+                <a:tab pos="4911725" algn="l"/>
+                <a:tab pos="5368925" algn="l"/>
+                <a:tab pos="5826125" algn="l"/>
+                <a:tab pos="6283325" algn="l"/>
+                <a:tab pos="6740525" algn="l"/>
+                <a:tab pos="7197725" algn="l"/>
+                <a:tab pos="7654925" algn="l"/>
+                <a:tab pos="8112125" algn="l"/>
+                <a:tab pos="8569325" algn="l"/>
+                <a:tab pos="9026525" algn="l"/>
+                <a:tab pos="9483725" algn="l"/>
+              </a:tabLst>
+            </a:pPr>
+            <a:r>
+              <a:rPr lang="cs-CZ" dirty="0" smtClean="0">
+                <a:solidFill>
+                  <a:srgbClr val="3F3F3F"/>
+                </a:solidFill>
+                <a:cs typeface="+mn-ea" charset="0"/>
+              </a:rPr>
+              <a:t>Příklad: segmentace krevního oběhu, fúze dat</a:t>
+            </a:r>
+            <a:endParaRPr lang="fr-FR" dirty="0">
+              <a:solidFill>
+                <a:srgbClr val="3F3F3F"/>
+              </a:solidFill>
+              <a:cs typeface="+mn-ea" charset="0"/>
+            </a:endParaRPr>
+          </a:p>
+        </p:txBody>
+      </p:sp>
     </p:spTree>
   </p:cSld>
   <p:clrMapOvr>
@@ -4034,7 +6482,7 @@
               <a:defRPr/>
             </a:pPr>
             <a:r>
-              <a:rPr lang="fr-CA" dirty="0" err="1" smtClean="0">
+              <a:rPr lang="cs-CZ" dirty="0" smtClean="0">
                 <a:solidFill>
                   <a:schemeClr val="tx1">
                     <a:lumMod val="75000"/>
@@ -4042,7 +6490,7 @@
                   </a:schemeClr>
                 </a:solidFill>
               </a:rPr>
-              <a:t>Title</a:t>
+              <a:t>V čem je problém?</a:t>
             </a:r>
             <a:endParaRPr lang="fr-FR" dirty="0" smtClean="0">
               <a:solidFill>
@@ -4073,688 +6521,302 @@
         </p:spPr>
         <p:txBody>
           <a:bodyPr rtlCol="0">
-            <a:normAutofit/>
+            <a:normAutofit fontScale="92500"/>
           </a:bodyPr>
           <a:lstStyle/>
           <a:p>
-            <a:pPr fontAlgn="auto">
-              <a:spcAft>
-                <a:spcPts val="0"/>
-              </a:spcAft>
-              <a:buFont typeface="Arial" pitchFamily="34" charset="0"/>
-              <a:buChar char="•"/>
-              <a:defRPr/>
-            </a:pPr>
-            <a:r>
-              <a:rPr lang="fr-FR" dirty="0" err="1" smtClean="0">
-                <a:solidFill>
-                  <a:schemeClr val="tx1">
-                    <a:lumMod val="75000"/>
-                    <a:lumOff val="25000"/>
-                  </a:schemeClr>
-                </a:solidFill>
-              </a:rPr>
-              <a:t>Lorem</a:t>
-            </a:r>
-            <a:r>
-              <a:rPr lang="fr-FR" dirty="0" smtClean="0">
-                <a:solidFill>
-                  <a:schemeClr val="tx1">
-                    <a:lumMod val="75000"/>
-                    <a:lumOff val="25000"/>
-                  </a:schemeClr>
-                </a:solidFill>
+            <a:pPr marL="339725" indent="-339725">
+              <a:lnSpc>
+                <a:spcPct val="98000"/>
+              </a:lnSpc>
+              <a:spcBef>
+                <a:spcPts val="638"/>
+              </a:spcBef>
+              <a:tabLst>
+                <a:tab pos="339725" algn="l"/>
+                <a:tab pos="796925" algn="l"/>
+                <a:tab pos="1254125" algn="l"/>
+                <a:tab pos="1711325" algn="l"/>
+                <a:tab pos="2168525" algn="l"/>
+                <a:tab pos="2625725" algn="l"/>
+                <a:tab pos="3082925" algn="l"/>
+                <a:tab pos="3540125" algn="l"/>
+                <a:tab pos="3997325" algn="l"/>
+                <a:tab pos="4454525" algn="l"/>
+                <a:tab pos="4911725" algn="l"/>
+                <a:tab pos="5368925" algn="l"/>
+                <a:tab pos="5826125" algn="l"/>
+                <a:tab pos="6283325" algn="l"/>
+                <a:tab pos="6740525" algn="l"/>
+                <a:tab pos="7197725" algn="l"/>
+                <a:tab pos="7654925" algn="l"/>
+                <a:tab pos="8112125" algn="l"/>
+                <a:tab pos="8569325" algn="l"/>
+                <a:tab pos="9026525" algn="l"/>
+                <a:tab pos="9483725" algn="l"/>
+              </a:tabLst>
+            </a:pPr>
+            <a:r>
+              <a:rPr lang="cs-CZ" dirty="0" err="1" smtClean="0">
+                <a:solidFill>
+                  <a:srgbClr val="3F3F3F"/>
+                </a:solidFill>
+                <a:cs typeface="+mn-ea" charset="0"/>
+              </a:rPr>
+              <a:t>Medic</a:t>
+            </a:r>
+            <a:r>
+              <a:rPr lang="sk-SK" dirty="0" err="1" smtClean="0">
+                <a:solidFill>
+                  <a:srgbClr val="3F3F3F"/>
+                </a:solidFill>
+                <a:cs typeface="+mn-ea" charset="0"/>
+              </a:rPr>
+              <a:t>ínská</a:t>
+            </a:r>
+            <a:r>
+              <a:rPr lang="sk-SK" dirty="0" smtClean="0">
+                <a:solidFill>
+                  <a:srgbClr val="3F3F3F"/>
+                </a:solidFill>
+                <a:cs typeface="+mn-ea" charset="0"/>
               </a:rPr>
               <a:t> </a:t>
             </a:r>
             <a:r>
-              <a:rPr lang="fr-FR" dirty="0" err="1" smtClean="0">
-                <a:solidFill>
-                  <a:schemeClr val="tx1">
-                    <a:lumMod val="75000"/>
-                    <a:lumOff val="25000"/>
-                  </a:schemeClr>
-                </a:solidFill>
-              </a:rPr>
-              <a:t>ipsum</a:t>
-            </a:r>
-            <a:r>
-              <a:rPr lang="fr-FR" dirty="0" smtClean="0">
-                <a:solidFill>
-                  <a:schemeClr val="tx1">
-                    <a:lumMod val="75000"/>
-                    <a:lumOff val="25000"/>
-                  </a:schemeClr>
-                </a:solidFill>
+              <a:rPr lang="sk-SK" dirty="0" err="1" smtClean="0">
+                <a:solidFill>
+                  <a:srgbClr val="3F3F3F"/>
+                </a:solidFill>
+                <a:cs typeface="+mn-ea" charset="0"/>
+              </a:rPr>
+              <a:t>aplikace</a:t>
+            </a:r>
+            <a:r>
+              <a:rPr lang="sk-SK" dirty="0" smtClean="0">
+                <a:solidFill>
+                  <a:srgbClr val="3F3F3F"/>
+                </a:solidFill>
+                <a:cs typeface="+mn-ea" charset="0"/>
+              </a:rPr>
+              <a:t> = </a:t>
+            </a:r>
+            <a:r>
+              <a:rPr lang="sk-SK" dirty="0" err="1" smtClean="0">
+                <a:solidFill>
+                  <a:srgbClr val="3F3F3F"/>
+                </a:solidFill>
+                <a:cs typeface="+mn-ea" charset="0"/>
+              </a:rPr>
+              <a:t>sada</a:t>
+            </a:r>
+            <a:r>
+              <a:rPr lang="sk-SK" dirty="0" smtClean="0">
+                <a:solidFill>
+                  <a:srgbClr val="3F3F3F"/>
+                </a:solidFill>
+                <a:cs typeface="+mn-ea" charset="0"/>
+              </a:rPr>
+              <a:t> nutných komponent, stále </a:t>
+            </a:r>
+            <a:r>
+              <a:rPr lang="sk-SK" dirty="0" err="1" smtClean="0">
+                <a:solidFill>
+                  <a:srgbClr val="3F3F3F"/>
+                </a:solidFill>
+                <a:cs typeface="+mn-ea" charset="0"/>
+              </a:rPr>
+              <a:t>stejná</a:t>
+            </a:r>
+            <a:r>
+              <a:rPr lang="sk-SK" dirty="0" smtClean="0">
+                <a:solidFill>
+                  <a:srgbClr val="3F3F3F"/>
+                </a:solidFill>
+                <a:cs typeface="+mn-ea" charset="0"/>
               </a:rPr>
               <a:t> </a:t>
             </a:r>
             <a:r>
-              <a:rPr lang="fr-FR" dirty="0" err="1" smtClean="0">
-                <a:solidFill>
-                  <a:schemeClr val="tx1">
-                    <a:lumMod val="75000"/>
-                    <a:lumOff val="25000"/>
-                  </a:schemeClr>
-                </a:solidFill>
-              </a:rPr>
-              <a:t>dolor</a:t>
-            </a:r>
-            <a:r>
-              <a:rPr lang="fr-FR" dirty="0" smtClean="0">
-                <a:solidFill>
-                  <a:schemeClr val="tx1">
-                    <a:lumMod val="75000"/>
-                    <a:lumOff val="25000"/>
-                  </a:schemeClr>
-                </a:solidFill>
-              </a:rPr>
-              <a:t> </a:t>
-            </a:r>
-            <a:r>
-              <a:rPr lang="fr-FR" dirty="0" err="1" smtClean="0">
-                <a:solidFill>
-                  <a:schemeClr val="tx1">
-                    <a:lumMod val="75000"/>
-                    <a:lumOff val="25000"/>
-                  </a:schemeClr>
-                </a:solidFill>
-              </a:rPr>
-              <a:t>sit</a:t>
-            </a:r>
-            <a:r>
-              <a:rPr lang="fr-FR" dirty="0" smtClean="0">
-                <a:solidFill>
-                  <a:schemeClr val="tx1">
-                    <a:lumMod val="75000"/>
-                    <a:lumOff val="25000"/>
-                  </a:schemeClr>
-                </a:solidFill>
-              </a:rPr>
-              <a:t> </a:t>
-            </a:r>
-            <a:r>
-              <a:rPr lang="fr-FR" dirty="0" err="1" smtClean="0">
-                <a:solidFill>
-                  <a:schemeClr val="tx1">
-                    <a:lumMod val="75000"/>
-                    <a:lumOff val="25000"/>
-                  </a:schemeClr>
-                </a:solidFill>
-              </a:rPr>
-              <a:t>amet</a:t>
-            </a:r>
-            <a:r>
-              <a:rPr lang="fr-FR" dirty="0" smtClean="0">
-                <a:solidFill>
-                  <a:schemeClr val="tx1">
-                    <a:lumMod val="75000"/>
-                    <a:lumOff val="25000"/>
-                  </a:schemeClr>
-                </a:solidFill>
-              </a:rPr>
-              <a:t>, </a:t>
-            </a:r>
-            <a:r>
-              <a:rPr lang="fr-FR" dirty="0" err="1" smtClean="0">
-                <a:solidFill>
-                  <a:schemeClr val="tx1">
-                    <a:lumMod val="75000"/>
-                    <a:lumOff val="25000"/>
-                  </a:schemeClr>
-                </a:solidFill>
-              </a:rPr>
-              <a:t>consectetuer</a:t>
-            </a:r>
-            <a:r>
-              <a:rPr lang="fr-FR" dirty="0" smtClean="0">
-                <a:solidFill>
-                  <a:schemeClr val="tx1">
-                    <a:lumMod val="75000"/>
-                    <a:lumOff val="25000"/>
-                  </a:schemeClr>
-                </a:solidFill>
-              </a:rPr>
-              <a:t> </a:t>
-            </a:r>
-            <a:r>
-              <a:rPr lang="fr-FR" dirty="0" err="1" smtClean="0">
-                <a:solidFill>
-                  <a:schemeClr val="tx1">
-                    <a:lumMod val="75000"/>
-                    <a:lumOff val="25000"/>
-                  </a:schemeClr>
-                </a:solidFill>
-              </a:rPr>
-              <a:t>adipiscing</a:t>
-            </a:r>
-            <a:r>
-              <a:rPr lang="fr-FR" dirty="0" smtClean="0">
-                <a:solidFill>
-                  <a:schemeClr val="tx1">
-                    <a:lumMod val="75000"/>
-                    <a:lumOff val="25000"/>
-                  </a:schemeClr>
-                </a:solidFill>
-              </a:rPr>
-              <a:t> </a:t>
-            </a:r>
-            <a:r>
-              <a:rPr lang="fr-FR" dirty="0" err="1" smtClean="0">
-                <a:solidFill>
-                  <a:schemeClr val="tx1">
-                    <a:lumMod val="75000"/>
-                    <a:lumOff val="25000"/>
-                  </a:schemeClr>
-                </a:solidFill>
-              </a:rPr>
-              <a:t>elit</a:t>
-            </a:r>
-            <a:r>
-              <a:rPr lang="fr-FR" dirty="0" smtClean="0">
-                <a:solidFill>
-                  <a:schemeClr val="tx1">
-                    <a:lumMod val="75000"/>
-                    <a:lumOff val="25000"/>
-                  </a:schemeClr>
-                </a:solidFill>
-              </a:rPr>
-              <a:t>. </a:t>
-            </a:r>
-            <a:r>
-              <a:rPr lang="fr-FR" dirty="0" err="1" smtClean="0">
-                <a:solidFill>
-                  <a:schemeClr val="tx1">
-                    <a:lumMod val="75000"/>
-                    <a:lumOff val="25000"/>
-                  </a:schemeClr>
-                </a:solidFill>
-              </a:rPr>
-              <a:t>Vivamus</a:t>
-            </a:r>
-            <a:r>
-              <a:rPr lang="fr-FR" dirty="0" smtClean="0">
-                <a:solidFill>
-                  <a:schemeClr val="tx1">
-                    <a:lumMod val="75000"/>
-                    <a:lumOff val="25000"/>
-                  </a:schemeClr>
-                </a:solidFill>
-              </a:rPr>
-              <a:t> et magna. </a:t>
-            </a:r>
-            <a:r>
-              <a:rPr lang="fr-FR" dirty="0" err="1" smtClean="0">
-                <a:solidFill>
-                  <a:schemeClr val="tx1">
-                    <a:lumMod val="75000"/>
-                    <a:lumOff val="25000"/>
-                  </a:schemeClr>
-                </a:solidFill>
-              </a:rPr>
-              <a:t>Fusce</a:t>
-            </a:r>
-            <a:r>
-              <a:rPr lang="fr-FR" dirty="0" smtClean="0">
-                <a:solidFill>
-                  <a:schemeClr val="tx1">
-                    <a:lumMod val="75000"/>
-                    <a:lumOff val="25000"/>
-                  </a:schemeClr>
-                </a:solidFill>
-              </a:rPr>
-              <a:t> </a:t>
-            </a:r>
-            <a:r>
-              <a:rPr lang="fr-FR" dirty="0" err="1" smtClean="0">
-                <a:solidFill>
-                  <a:schemeClr val="tx1">
-                    <a:lumMod val="75000"/>
-                    <a:lumOff val="25000"/>
-                  </a:schemeClr>
-                </a:solidFill>
-              </a:rPr>
-              <a:t>sed</a:t>
-            </a:r>
-            <a:r>
-              <a:rPr lang="fr-FR" dirty="0" smtClean="0">
-                <a:solidFill>
-                  <a:schemeClr val="tx1">
-                    <a:lumMod val="75000"/>
-                    <a:lumOff val="25000"/>
-                  </a:schemeClr>
-                </a:solidFill>
-              </a:rPr>
-              <a:t> </a:t>
-            </a:r>
-            <a:r>
-              <a:rPr lang="fr-FR" dirty="0" err="1" smtClean="0">
-                <a:solidFill>
-                  <a:schemeClr val="tx1">
-                    <a:lumMod val="75000"/>
-                    <a:lumOff val="25000"/>
-                  </a:schemeClr>
-                </a:solidFill>
-              </a:rPr>
-              <a:t>sem</a:t>
-            </a:r>
-            <a:r>
-              <a:rPr lang="fr-FR" dirty="0" smtClean="0">
-                <a:solidFill>
-                  <a:schemeClr val="tx1">
-                    <a:lumMod val="75000"/>
-                    <a:lumOff val="25000"/>
-                  </a:schemeClr>
-                </a:solidFill>
-              </a:rPr>
-              <a:t> </a:t>
-            </a:r>
-            <a:r>
-              <a:rPr lang="fr-FR" dirty="0" err="1" smtClean="0">
-                <a:solidFill>
-                  <a:schemeClr val="tx1">
-                    <a:lumMod val="75000"/>
-                    <a:lumOff val="25000"/>
-                  </a:schemeClr>
-                </a:solidFill>
-              </a:rPr>
-              <a:t>sed</a:t>
-            </a:r>
-            <a:r>
-              <a:rPr lang="fr-FR" dirty="0" smtClean="0">
-                <a:solidFill>
-                  <a:schemeClr val="tx1">
-                    <a:lumMod val="75000"/>
-                    <a:lumOff val="25000"/>
-                  </a:schemeClr>
-                </a:solidFill>
-              </a:rPr>
-              <a:t> magna </a:t>
-            </a:r>
-            <a:r>
-              <a:rPr lang="fr-FR" dirty="0" err="1" smtClean="0">
-                <a:solidFill>
-                  <a:schemeClr val="tx1">
-                    <a:lumMod val="75000"/>
-                    <a:lumOff val="25000"/>
-                  </a:schemeClr>
-                </a:solidFill>
-              </a:rPr>
-              <a:t>suscipit</a:t>
-            </a:r>
-            <a:r>
-              <a:rPr lang="fr-FR" dirty="0" smtClean="0">
-                <a:solidFill>
-                  <a:schemeClr val="tx1">
-                    <a:lumMod val="75000"/>
-                    <a:lumOff val="25000"/>
-                  </a:schemeClr>
-                </a:solidFill>
-              </a:rPr>
-              <a:t> </a:t>
-            </a:r>
-            <a:r>
-              <a:rPr lang="fr-FR" dirty="0" err="1" smtClean="0">
-                <a:solidFill>
-                  <a:schemeClr val="tx1">
-                    <a:lumMod val="75000"/>
-                    <a:lumOff val="25000"/>
-                  </a:schemeClr>
-                </a:solidFill>
-              </a:rPr>
-              <a:t>egestas</a:t>
-            </a:r>
-            <a:r>
-              <a:rPr lang="fr-FR" dirty="0" smtClean="0">
-                <a:solidFill>
-                  <a:schemeClr val="tx1">
-                    <a:lumMod val="75000"/>
-                    <a:lumOff val="25000"/>
-                  </a:schemeClr>
-                </a:solidFill>
-              </a:rPr>
-              <a:t>. </a:t>
-            </a:r>
-          </a:p>
-          <a:p>
-            <a:pPr fontAlgn="auto">
-              <a:spcAft>
-                <a:spcPts val="0"/>
-              </a:spcAft>
-              <a:buFont typeface="Arial" pitchFamily="34" charset="0"/>
-              <a:buChar char="•"/>
-              <a:defRPr/>
-            </a:pPr>
-            <a:r>
-              <a:rPr lang="fr-FR" dirty="0" err="1" smtClean="0">
-                <a:solidFill>
-                  <a:schemeClr val="tx1">
-                    <a:lumMod val="75000"/>
-                    <a:lumOff val="25000"/>
-                  </a:schemeClr>
-                </a:solidFill>
-              </a:rPr>
-              <a:t>Lorem</a:t>
-            </a:r>
-            <a:r>
-              <a:rPr lang="fr-FR" dirty="0" smtClean="0">
-                <a:solidFill>
-                  <a:schemeClr val="tx1">
-                    <a:lumMod val="75000"/>
-                    <a:lumOff val="25000"/>
-                  </a:schemeClr>
-                </a:solidFill>
-              </a:rPr>
-              <a:t> </a:t>
-            </a:r>
-            <a:r>
-              <a:rPr lang="fr-FR" dirty="0" err="1" smtClean="0">
-                <a:solidFill>
-                  <a:schemeClr val="tx1">
-                    <a:lumMod val="75000"/>
-                    <a:lumOff val="25000"/>
-                  </a:schemeClr>
-                </a:solidFill>
-              </a:rPr>
-              <a:t>ipsum</a:t>
-            </a:r>
-            <a:r>
-              <a:rPr lang="fr-FR" dirty="0" smtClean="0">
-                <a:solidFill>
-                  <a:schemeClr val="tx1">
-                    <a:lumMod val="75000"/>
-                    <a:lumOff val="25000"/>
-                  </a:schemeClr>
-                </a:solidFill>
-              </a:rPr>
-              <a:t> </a:t>
-            </a:r>
-            <a:r>
-              <a:rPr lang="fr-FR" dirty="0" err="1" smtClean="0">
-                <a:solidFill>
-                  <a:schemeClr val="tx1">
-                    <a:lumMod val="75000"/>
-                    <a:lumOff val="25000"/>
-                  </a:schemeClr>
-                </a:solidFill>
-              </a:rPr>
-              <a:t>dolor</a:t>
-            </a:r>
-            <a:r>
-              <a:rPr lang="fr-FR" dirty="0" smtClean="0">
-                <a:solidFill>
-                  <a:schemeClr val="tx1">
-                    <a:lumMod val="75000"/>
-                    <a:lumOff val="25000"/>
-                  </a:schemeClr>
-                </a:solidFill>
-              </a:rPr>
-              <a:t> </a:t>
-            </a:r>
-            <a:r>
-              <a:rPr lang="fr-FR" dirty="0" err="1" smtClean="0">
-                <a:solidFill>
-                  <a:schemeClr val="tx1">
-                    <a:lumMod val="75000"/>
-                    <a:lumOff val="25000"/>
-                  </a:schemeClr>
-                </a:solidFill>
-              </a:rPr>
-              <a:t>sit</a:t>
-            </a:r>
-            <a:r>
-              <a:rPr lang="fr-FR" dirty="0" smtClean="0">
-                <a:solidFill>
-                  <a:schemeClr val="tx1">
-                    <a:lumMod val="75000"/>
-                    <a:lumOff val="25000"/>
-                  </a:schemeClr>
-                </a:solidFill>
-              </a:rPr>
-              <a:t> </a:t>
-            </a:r>
-            <a:r>
-              <a:rPr lang="fr-FR" dirty="0" err="1" smtClean="0">
-                <a:solidFill>
-                  <a:schemeClr val="tx1">
-                    <a:lumMod val="75000"/>
-                    <a:lumOff val="25000"/>
-                  </a:schemeClr>
-                </a:solidFill>
-              </a:rPr>
-              <a:t>amet</a:t>
-            </a:r>
-            <a:r>
-              <a:rPr lang="fr-FR" dirty="0" smtClean="0">
-                <a:solidFill>
-                  <a:schemeClr val="tx1">
-                    <a:lumMod val="75000"/>
-                    <a:lumOff val="25000"/>
-                  </a:schemeClr>
-                </a:solidFill>
-              </a:rPr>
-              <a:t>, </a:t>
-            </a:r>
-            <a:r>
-              <a:rPr lang="fr-FR" dirty="0" err="1" smtClean="0">
-                <a:solidFill>
-                  <a:schemeClr val="tx1">
-                    <a:lumMod val="75000"/>
-                    <a:lumOff val="25000"/>
-                  </a:schemeClr>
-                </a:solidFill>
-              </a:rPr>
-              <a:t>consectetuer</a:t>
-            </a:r>
-            <a:r>
-              <a:rPr lang="fr-FR" dirty="0" smtClean="0">
-                <a:solidFill>
-                  <a:schemeClr val="tx1">
-                    <a:lumMod val="75000"/>
-                    <a:lumOff val="25000"/>
-                  </a:schemeClr>
-                </a:solidFill>
-              </a:rPr>
-              <a:t> </a:t>
-            </a:r>
-            <a:r>
-              <a:rPr lang="fr-FR" dirty="0" err="1" smtClean="0">
-                <a:solidFill>
-                  <a:schemeClr val="tx1">
-                    <a:lumMod val="75000"/>
-                    <a:lumOff val="25000"/>
-                  </a:schemeClr>
-                </a:solidFill>
-              </a:rPr>
-              <a:t>adipiscing</a:t>
-            </a:r>
-            <a:r>
-              <a:rPr lang="fr-FR" dirty="0" smtClean="0">
-                <a:solidFill>
-                  <a:schemeClr val="tx1">
-                    <a:lumMod val="75000"/>
-                    <a:lumOff val="25000"/>
-                  </a:schemeClr>
-                </a:solidFill>
-              </a:rPr>
-              <a:t> </a:t>
-            </a:r>
-            <a:r>
-              <a:rPr lang="fr-FR" dirty="0" err="1" smtClean="0">
-                <a:solidFill>
-                  <a:schemeClr val="tx1">
-                    <a:lumMod val="75000"/>
-                    <a:lumOff val="25000"/>
-                  </a:schemeClr>
-                </a:solidFill>
-              </a:rPr>
-              <a:t>elit</a:t>
-            </a:r>
-            <a:r>
-              <a:rPr lang="fr-FR" dirty="0" smtClean="0">
-                <a:solidFill>
-                  <a:schemeClr val="tx1">
-                    <a:lumMod val="75000"/>
-                    <a:lumOff val="25000"/>
-                  </a:schemeClr>
-                </a:solidFill>
-              </a:rPr>
-              <a:t>. </a:t>
-            </a:r>
-            <a:r>
-              <a:rPr lang="fr-FR" dirty="0" err="1" smtClean="0">
-                <a:solidFill>
-                  <a:schemeClr val="tx1">
-                    <a:lumMod val="75000"/>
-                    <a:lumOff val="25000"/>
-                  </a:schemeClr>
-                </a:solidFill>
-              </a:rPr>
-              <a:t>Vivamus</a:t>
-            </a:r>
-            <a:r>
-              <a:rPr lang="fr-FR" dirty="0" smtClean="0">
-                <a:solidFill>
-                  <a:schemeClr val="tx1">
-                    <a:lumMod val="75000"/>
-                    <a:lumOff val="25000"/>
-                  </a:schemeClr>
-                </a:solidFill>
-              </a:rPr>
-              <a:t> et magna. </a:t>
-            </a:r>
-            <a:r>
-              <a:rPr lang="fr-FR" dirty="0" err="1" smtClean="0">
-                <a:solidFill>
-                  <a:schemeClr val="tx1">
-                    <a:lumMod val="75000"/>
-                    <a:lumOff val="25000"/>
-                  </a:schemeClr>
-                </a:solidFill>
-              </a:rPr>
-              <a:t>Fusce</a:t>
-            </a:r>
-            <a:r>
-              <a:rPr lang="fr-FR" dirty="0" smtClean="0">
-                <a:solidFill>
-                  <a:schemeClr val="tx1">
-                    <a:lumMod val="75000"/>
-                    <a:lumOff val="25000"/>
-                  </a:schemeClr>
-                </a:solidFill>
-              </a:rPr>
-              <a:t> </a:t>
-            </a:r>
-            <a:r>
-              <a:rPr lang="fr-FR" dirty="0" err="1" smtClean="0">
-                <a:solidFill>
-                  <a:schemeClr val="tx1">
-                    <a:lumMod val="75000"/>
-                    <a:lumOff val="25000"/>
-                  </a:schemeClr>
-                </a:solidFill>
-              </a:rPr>
-              <a:t>sed</a:t>
-            </a:r>
-            <a:r>
-              <a:rPr lang="fr-FR" dirty="0" smtClean="0">
-                <a:solidFill>
-                  <a:schemeClr val="tx1">
-                    <a:lumMod val="75000"/>
-                    <a:lumOff val="25000"/>
-                  </a:schemeClr>
-                </a:solidFill>
-              </a:rPr>
-              <a:t> </a:t>
-            </a:r>
-            <a:r>
-              <a:rPr lang="fr-FR" dirty="0" err="1" smtClean="0">
-                <a:solidFill>
-                  <a:schemeClr val="tx1">
-                    <a:lumMod val="75000"/>
-                    <a:lumOff val="25000"/>
-                  </a:schemeClr>
-                </a:solidFill>
-              </a:rPr>
-              <a:t>sem</a:t>
-            </a:r>
-            <a:r>
-              <a:rPr lang="fr-FR" dirty="0" smtClean="0">
-                <a:solidFill>
-                  <a:schemeClr val="tx1">
-                    <a:lumMod val="75000"/>
-                    <a:lumOff val="25000"/>
-                  </a:schemeClr>
-                </a:solidFill>
-              </a:rPr>
-              <a:t> </a:t>
-            </a:r>
-            <a:r>
-              <a:rPr lang="fr-FR" dirty="0" err="1" smtClean="0">
-                <a:solidFill>
-                  <a:schemeClr val="tx1">
-                    <a:lumMod val="75000"/>
-                    <a:lumOff val="25000"/>
-                  </a:schemeClr>
-                </a:solidFill>
-              </a:rPr>
-              <a:t>sed</a:t>
-            </a:r>
-            <a:r>
-              <a:rPr lang="fr-FR" dirty="0" smtClean="0">
-                <a:solidFill>
-                  <a:schemeClr val="tx1">
-                    <a:lumMod val="75000"/>
-                    <a:lumOff val="25000"/>
-                  </a:schemeClr>
-                </a:solidFill>
-              </a:rPr>
-              <a:t> magna </a:t>
-            </a:r>
-            <a:r>
-              <a:rPr lang="fr-FR" dirty="0" err="1" smtClean="0">
-                <a:solidFill>
-                  <a:schemeClr val="tx1">
-                    <a:lumMod val="75000"/>
-                    <a:lumOff val="25000"/>
-                  </a:schemeClr>
-                </a:solidFill>
-              </a:rPr>
-              <a:t>suscipit</a:t>
-            </a:r>
-            <a:r>
-              <a:rPr lang="fr-FR" dirty="0" smtClean="0">
-                <a:solidFill>
-                  <a:schemeClr val="tx1">
-                    <a:lumMod val="75000"/>
-                    <a:lumOff val="25000"/>
-                  </a:schemeClr>
-                </a:solidFill>
-              </a:rPr>
-              <a:t> </a:t>
-            </a:r>
-            <a:r>
-              <a:rPr lang="fr-FR" dirty="0" err="1" smtClean="0">
-                <a:solidFill>
-                  <a:schemeClr val="tx1">
-                    <a:lumMod val="75000"/>
-                    <a:lumOff val="25000"/>
-                  </a:schemeClr>
-                </a:solidFill>
-              </a:rPr>
-              <a:t>egestas</a:t>
-            </a:r>
-            <a:r>
-              <a:rPr lang="fr-FR" dirty="0" smtClean="0">
-                <a:solidFill>
-                  <a:schemeClr val="tx1">
-                    <a:lumMod val="75000"/>
-                    <a:lumOff val="25000"/>
-                  </a:schemeClr>
-                </a:solidFill>
-              </a:rPr>
-              <a:t>. </a:t>
-            </a:r>
+              <a:rPr lang="sk-SK" dirty="0" err="1" smtClean="0">
+                <a:solidFill>
+                  <a:srgbClr val="3F3F3F"/>
+                </a:solidFill>
+                <a:cs typeface="+mn-ea" charset="0"/>
+              </a:rPr>
+              <a:t>struktura</a:t>
+            </a:r>
+            <a:endParaRPr lang="cs-CZ" dirty="0" smtClean="0">
+              <a:solidFill>
+                <a:srgbClr val="3F3F3F"/>
+              </a:solidFill>
+              <a:cs typeface="+mn-ea" charset="0"/>
+            </a:endParaRPr>
+          </a:p>
+          <a:p>
+            <a:pPr marL="339725" indent="-339725">
+              <a:lnSpc>
+                <a:spcPct val="98000"/>
+              </a:lnSpc>
+              <a:spcBef>
+                <a:spcPts val="638"/>
+              </a:spcBef>
+              <a:tabLst>
+                <a:tab pos="339725" algn="l"/>
+                <a:tab pos="796925" algn="l"/>
+                <a:tab pos="1254125" algn="l"/>
+                <a:tab pos="1711325" algn="l"/>
+                <a:tab pos="2168525" algn="l"/>
+                <a:tab pos="2625725" algn="l"/>
+                <a:tab pos="3082925" algn="l"/>
+                <a:tab pos="3540125" algn="l"/>
+                <a:tab pos="3997325" algn="l"/>
+                <a:tab pos="4454525" algn="l"/>
+                <a:tab pos="4911725" algn="l"/>
+                <a:tab pos="5368925" algn="l"/>
+                <a:tab pos="5826125" algn="l"/>
+                <a:tab pos="6283325" algn="l"/>
+                <a:tab pos="6740525" algn="l"/>
+                <a:tab pos="7197725" algn="l"/>
+                <a:tab pos="7654925" algn="l"/>
+                <a:tab pos="8112125" algn="l"/>
+                <a:tab pos="8569325" algn="l"/>
+                <a:tab pos="9026525" algn="l"/>
+                <a:tab pos="9483725" algn="l"/>
+              </a:tabLst>
+            </a:pPr>
+            <a:r>
+              <a:rPr lang="cs-CZ" dirty="0" smtClean="0">
+                <a:solidFill>
+                  <a:srgbClr val="3F3F3F"/>
+                </a:solidFill>
+                <a:cs typeface="+mn-ea" charset="0"/>
+              </a:rPr>
+              <a:t>Nutnost stále programovat tyto komponenty = ztráta času na úkor řešení vlastního problému</a:t>
+            </a:r>
+          </a:p>
+          <a:p>
+            <a:pPr marL="339725" indent="-339725">
+              <a:lnSpc>
+                <a:spcPct val="98000"/>
+              </a:lnSpc>
+              <a:spcBef>
+                <a:spcPts val="638"/>
+              </a:spcBef>
+              <a:tabLst>
+                <a:tab pos="339725" algn="l"/>
+                <a:tab pos="796925" algn="l"/>
+                <a:tab pos="1254125" algn="l"/>
+                <a:tab pos="1711325" algn="l"/>
+                <a:tab pos="2168525" algn="l"/>
+                <a:tab pos="2625725" algn="l"/>
+                <a:tab pos="3082925" algn="l"/>
+                <a:tab pos="3540125" algn="l"/>
+                <a:tab pos="3997325" algn="l"/>
+                <a:tab pos="4454525" algn="l"/>
+                <a:tab pos="4911725" algn="l"/>
+                <a:tab pos="5368925" algn="l"/>
+                <a:tab pos="5826125" algn="l"/>
+                <a:tab pos="6283325" algn="l"/>
+                <a:tab pos="6740525" algn="l"/>
+                <a:tab pos="7197725" algn="l"/>
+                <a:tab pos="7654925" algn="l"/>
+                <a:tab pos="8112125" algn="l"/>
+                <a:tab pos="8569325" algn="l"/>
+                <a:tab pos="9026525" algn="l"/>
+                <a:tab pos="9483725" algn="l"/>
+              </a:tabLst>
+            </a:pPr>
+            <a:r>
+              <a:rPr lang="cs-CZ" dirty="0" smtClean="0">
+                <a:solidFill>
+                  <a:srgbClr val="3F3F3F"/>
+                </a:solidFill>
+                <a:cs typeface="+mn-ea" charset="0"/>
+              </a:rPr>
+              <a:t>Diplomové práce často řeší pouze jádro problému = výpočetní algoritmus</a:t>
+            </a:r>
+          </a:p>
+          <a:p>
+            <a:pPr marL="339725" indent="-339725">
+              <a:lnSpc>
+                <a:spcPct val="98000"/>
+              </a:lnSpc>
+              <a:spcBef>
+                <a:spcPts val="638"/>
+              </a:spcBef>
+              <a:tabLst>
+                <a:tab pos="339725" algn="l"/>
+                <a:tab pos="796925" algn="l"/>
+                <a:tab pos="1254125" algn="l"/>
+                <a:tab pos="1711325" algn="l"/>
+                <a:tab pos="2168525" algn="l"/>
+                <a:tab pos="2625725" algn="l"/>
+                <a:tab pos="3082925" algn="l"/>
+                <a:tab pos="3540125" algn="l"/>
+                <a:tab pos="3997325" algn="l"/>
+                <a:tab pos="4454525" algn="l"/>
+                <a:tab pos="4911725" algn="l"/>
+                <a:tab pos="5368925" algn="l"/>
+                <a:tab pos="5826125" algn="l"/>
+                <a:tab pos="6283325" algn="l"/>
+                <a:tab pos="6740525" algn="l"/>
+                <a:tab pos="7197725" algn="l"/>
+                <a:tab pos="7654925" algn="l"/>
+                <a:tab pos="8112125" algn="l"/>
+                <a:tab pos="8569325" algn="l"/>
+                <a:tab pos="9026525" algn="l"/>
+                <a:tab pos="9483725" algn="l"/>
+              </a:tabLst>
+            </a:pPr>
+            <a:r>
+              <a:rPr lang="cs-CZ" dirty="0" smtClean="0">
+                <a:solidFill>
+                  <a:srgbClr val="3F3F3F"/>
+                </a:solidFill>
+                <a:cs typeface="+mn-ea" charset="0"/>
+              </a:rPr>
+              <a:t>Výsledkem jsou rozdílně se chovající aplikace, nedotažené GUI, apod.</a:t>
+            </a:r>
+          </a:p>
+          <a:p>
+            <a:pPr marL="339725" indent="-339725">
+              <a:lnSpc>
+                <a:spcPct val="98000"/>
+              </a:lnSpc>
+              <a:spcBef>
+                <a:spcPts val="638"/>
+              </a:spcBef>
+              <a:tabLst>
+                <a:tab pos="339725" algn="l"/>
+                <a:tab pos="796925" algn="l"/>
+                <a:tab pos="1254125" algn="l"/>
+                <a:tab pos="1711325" algn="l"/>
+                <a:tab pos="2168525" algn="l"/>
+                <a:tab pos="2625725" algn="l"/>
+                <a:tab pos="3082925" algn="l"/>
+                <a:tab pos="3540125" algn="l"/>
+                <a:tab pos="3997325" algn="l"/>
+                <a:tab pos="4454525" algn="l"/>
+                <a:tab pos="4911725" algn="l"/>
+                <a:tab pos="5368925" algn="l"/>
+                <a:tab pos="5826125" algn="l"/>
+                <a:tab pos="6283325" algn="l"/>
+                <a:tab pos="6740525" algn="l"/>
+                <a:tab pos="7197725" algn="l"/>
+                <a:tab pos="7654925" algn="l"/>
+                <a:tab pos="8112125" algn="l"/>
+                <a:tab pos="8569325" algn="l"/>
+                <a:tab pos="9026525" algn="l"/>
+                <a:tab pos="9483725" algn="l"/>
+              </a:tabLst>
+            </a:pPr>
+            <a:endParaRPr lang="fr-FR" dirty="0">
+              <a:solidFill>
+                <a:srgbClr val="3F3F3F"/>
+              </a:solidFill>
+              <a:cs typeface="+mn-ea" charset="0"/>
+            </a:endParaRPr>
           </a:p>
         </p:txBody>
       </p:sp>
@@ -4804,7 +6866,7 @@
       </p:grpSpPr>
       <p:sp>
         <p:nvSpPr>
-          <p:cNvPr id="4" name="Titre 1"/>
+          <p:cNvPr id="2" name="Titre 1"/>
           <p:cNvSpPr>
             <a:spLocks noGrp="1"/>
           </p:cNvSpPr>
@@ -4814,8 +6876,8 @@
         </p:nvSpPr>
         <p:spPr>
           <a:xfrm>
-            <a:off x="357188" y="1500188"/>
-            <a:ext cx="8329612" cy="1143000"/>
+            <a:off x="1928813" y="274638"/>
+            <a:ext cx="6757987" cy="1143000"/>
           </a:xfrm>
         </p:spPr>
         <p:txBody>
@@ -4824,14 +6886,14 @@
           </a:bodyPr>
           <a:lstStyle/>
           <a:p>
-            <a:pPr fontAlgn="auto">
+            <a:pPr algn="l" fontAlgn="auto">
               <a:spcAft>
                 <a:spcPts val="0"/>
               </a:spcAft>
               <a:defRPr/>
             </a:pPr>
             <a:r>
-              <a:rPr lang="fr-CA" dirty="0" err="1" smtClean="0">
+              <a:rPr lang="cs-CZ" dirty="0" smtClean="0">
                 <a:solidFill>
                   <a:schemeClr val="tx1">
                     <a:lumMod val="75000"/>
@@ -4839,7 +6901,7 @@
                   </a:schemeClr>
                 </a:solidFill>
               </a:rPr>
-              <a:t>Title</a:t>
+              <a:t>Praxe…</a:t>
             </a:r>
             <a:endParaRPr lang="fr-FR" dirty="0" smtClean="0">
               <a:solidFill>
@@ -4854,7 +6916,7 @@
       </p:sp>
       <p:sp>
         <p:nvSpPr>
-          <p:cNvPr id="5" name="Espace réservé du contenu 2"/>
+          <p:cNvPr id="3" name="Espace réservé du contenu 2"/>
           <p:cNvSpPr>
             <a:spLocks noGrp="1"/>
           </p:cNvSpPr>
@@ -4864,8 +6926,259 @@
         </p:nvSpPr>
         <p:spPr>
           <a:xfrm>
-            <a:off x="357188" y="2643188"/>
-            <a:ext cx="8329612" cy="3929062"/>
+            <a:off x="1928813" y="1600200"/>
+            <a:ext cx="6757987" cy="4525963"/>
+          </a:xfrm>
+        </p:spPr>
+        <p:txBody>
+          <a:bodyPr rtlCol="0">
+            <a:normAutofit lnSpcReduction="10000"/>
+          </a:bodyPr>
+          <a:lstStyle/>
+          <a:p>
+            <a:pPr marL="339725" indent="-339725">
+              <a:lnSpc>
+                <a:spcPct val="98000"/>
+              </a:lnSpc>
+              <a:spcBef>
+                <a:spcPts val="638"/>
+              </a:spcBef>
+              <a:tabLst>
+                <a:tab pos="339725" algn="l"/>
+                <a:tab pos="796925" algn="l"/>
+                <a:tab pos="1254125" algn="l"/>
+                <a:tab pos="1711325" algn="l"/>
+                <a:tab pos="2168525" algn="l"/>
+                <a:tab pos="2625725" algn="l"/>
+                <a:tab pos="3082925" algn="l"/>
+                <a:tab pos="3540125" algn="l"/>
+                <a:tab pos="3997325" algn="l"/>
+                <a:tab pos="4454525" algn="l"/>
+                <a:tab pos="4911725" algn="l"/>
+                <a:tab pos="5368925" algn="l"/>
+                <a:tab pos="5826125" algn="l"/>
+                <a:tab pos="6283325" algn="l"/>
+                <a:tab pos="6740525" algn="l"/>
+                <a:tab pos="7197725" algn="l"/>
+                <a:tab pos="7654925" algn="l"/>
+                <a:tab pos="8112125" algn="l"/>
+                <a:tab pos="8569325" algn="l"/>
+                <a:tab pos="9026525" algn="l"/>
+                <a:tab pos="9483725" algn="l"/>
+              </a:tabLst>
+            </a:pPr>
+            <a:r>
+              <a:rPr lang="cs-CZ" dirty="0" smtClean="0">
+                <a:solidFill>
+                  <a:srgbClr val="3F3F3F"/>
+                </a:solidFill>
+                <a:cs typeface="+mn-ea" charset="0"/>
+              </a:rPr>
+              <a:t>Lékaři jsou zvyklí na určitá GUI (</a:t>
+            </a:r>
+            <a:r>
+              <a:rPr lang="cs-CZ" dirty="0" err="1" smtClean="0">
+                <a:solidFill>
+                  <a:srgbClr val="3F3F3F"/>
+                </a:solidFill>
+                <a:cs typeface="+mn-ea" charset="0"/>
+              </a:rPr>
+              <a:t>eFilm</a:t>
+            </a:r>
+            <a:r>
+              <a:rPr lang="cs-CZ" dirty="0" smtClean="0">
+                <a:solidFill>
+                  <a:srgbClr val="3F3F3F"/>
+                </a:solidFill>
+                <a:cs typeface="+mn-ea" charset="0"/>
+              </a:rPr>
+              <a:t>, apod.), nejsou ochotni se učit používat nové</a:t>
+            </a:r>
+          </a:p>
+          <a:p>
+            <a:pPr marL="339725" indent="-339725">
+              <a:lnSpc>
+                <a:spcPct val="98000"/>
+              </a:lnSpc>
+              <a:spcBef>
+                <a:spcPts val="638"/>
+              </a:spcBef>
+              <a:tabLst>
+                <a:tab pos="339725" algn="l"/>
+                <a:tab pos="796925" algn="l"/>
+                <a:tab pos="1254125" algn="l"/>
+                <a:tab pos="1711325" algn="l"/>
+                <a:tab pos="2168525" algn="l"/>
+                <a:tab pos="2625725" algn="l"/>
+                <a:tab pos="3082925" algn="l"/>
+                <a:tab pos="3540125" algn="l"/>
+                <a:tab pos="3997325" algn="l"/>
+                <a:tab pos="4454525" algn="l"/>
+                <a:tab pos="4911725" algn="l"/>
+                <a:tab pos="5368925" algn="l"/>
+                <a:tab pos="5826125" algn="l"/>
+                <a:tab pos="6283325" algn="l"/>
+                <a:tab pos="6740525" algn="l"/>
+                <a:tab pos="7197725" algn="l"/>
+                <a:tab pos="7654925" algn="l"/>
+                <a:tab pos="8112125" algn="l"/>
+                <a:tab pos="8569325" algn="l"/>
+                <a:tab pos="9026525" algn="l"/>
+                <a:tab pos="9483725" algn="l"/>
+              </a:tabLst>
+            </a:pPr>
+            <a:r>
+              <a:rPr lang="cs-CZ" dirty="0" smtClean="0">
+                <a:solidFill>
+                  <a:srgbClr val="3F3F3F"/>
+                </a:solidFill>
+                <a:cs typeface="+mn-ea" charset="0"/>
+              </a:rPr>
+              <a:t>Data jsou uložena v DICOM formátu, v naprosté většině případu na datovém serveru</a:t>
+            </a:r>
+          </a:p>
+          <a:p>
+            <a:pPr marL="339725" indent="-339725">
+              <a:lnSpc>
+                <a:spcPct val="98000"/>
+              </a:lnSpc>
+              <a:spcBef>
+                <a:spcPts val="638"/>
+              </a:spcBef>
+              <a:tabLst>
+                <a:tab pos="339725" algn="l"/>
+                <a:tab pos="796925" algn="l"/>
+                <a:tab pos="1254125" algn="l"/>
+                <a:tab pos="1711325" algn="l"/>
+                <a:tab pos="2168525" algn="l"/>
+                <a:tab pos="2625725" algn="l"/>
+                <a:tab pos="3082925" algn="l"/>
+                <a:tab pos="3540125" algn="l"/>
+                <a:tab pos="3997325" algn="l"/>
+                <a:tab pos="4454525" algn="l"/>
+                <a:tab pos="4911725" algn="l"/>
+                <a:tab pos="5368925" algn="l"/>
+                <a:tab pos="5826125" algn="l"/>
+                <a:tab pos="6283325" algn="l"/>
+                <a:tab pos="6740525" algn="l"/>
+                <a:tab pos="7197725" algn="l"/>
+                <a:tab pos="7654925" algn="l"/>
+                <a:tab pos="8112125" algn="l"/>
+                <a:tab pos="8569325" algn="l"/>
+                <a:tab pos="9026525" algn="l"/>
+                <a:tab pos="9483725" algn="l"/>
+              </a:tabLst>
+            </a:pPr>
+            <a:r>
+              <a:rPr lang="cs-CZ" dirty="0" smtClean="0">
+                <a:solidFill>
+                  <a:srgbClr val="3F3F3F"/>
+                </a:solidFill>
+                <a:cs typeface="+mn-ea" charset="0"/>
+              </a:rPr>
+              <a:t>Chtějí vidět výsledek co nejdříve (klidně jen část) – progresivita algoritmů</a:t>
+            </a:r>
+          </a:p>
+          <a:p>
+            <a:pPr marL="339725" indent="-339725">
+              <a:lnSpc>
+                <a:spcPct val="98000"/>
+              </a:lnSpc>
+              <a:spcBef>
+                <a:spcPts val="638"/>
+              </a:spcBef>
+              <a:buNone/>
+              <a:tabLst>
+                <a:tab pos="339725" algn="l"/>
+                <a:tab pos="796925" algn="l"/>
+                <a:tab pos="1254125" algn="l"/>
+                <a:tab pos="1711325" algn="l"/>
+                <a:tab pos="2168525" algn="l"/>
+                <a:tab pos="2625725" algn="l"/>
+                <a:tab pos="3082925" algn="l"/>
+                <a:tab pos="3540125" algn="l"/>
+                <a:tab pos="3997325" algn="l"/>
+                <a:tab pos="4454525" algn="l"/>
+                <a:tab pos="4911725" algn="l"/>
+                <a:tab pos="5368925" algn="l"/>
+                <a:tab pos="5826125" algn="l"/>
+                <a:tab pos="6283325" algn="l"/>
+                <a:tab pos="6740525" algn="l"/>
+                <a:tab pos="7197725" algn="l"/>
+                <a:tab pos="7654925" algn="l"/>
+                <a:tab pos="8112125" algn="l"/>
+                <a:tab pos="8569325" algn="l"/>
+                <a:tab pos="9026525" algn="l"/>
+                <a:tab pos="9483725" algn="l"/>
+              </a:tabLst>
+            </a:pPr>
+            <a:endParaRPr lang="fr-FR" dirty="0">
+              <a:solidFill>
+                <a:srgbClr val="3F3F3F"/>
+              </a:solidFill>
+              <a:cs typeface="+mn-ea" charset="0"/>
+            </a:endParaRPr>
+          </a:p>
+        </p:txBody>
+      </p:sp>
+    </p:spTree>
+  </p:cSld>
+  <p:clrMapOvr>
+    <a:masterClrMapping/>
+  </p:clrMapOvr>
+  <p:timing>
+    <p:tnLst>
+      <p:par>
+        <p:cTn id="1" dur="indefinite" restart="never" nodeType="tmRoot"/>
+      </p:par>
+    </p:tnLst>
+  </p:timing>
+</p:sld>
+</file>
+
+<file path=ppt/slides/slide6.xml><?xml version="1.0" encoding="utf-8"?>
+<p:sld xmlns:a="http://schemas.openxmlformats.org/drawingml/2006/main" xmlns:r="http://schemas.openxmlformats.org/officeDocument/2006/relationships" xmlns:p="http://schemas.openxmlformats.org/presentationml/2006/main">
+  <p:cSld>
+    <p:bg>
+      <p:bgPr>
+        <a:blipFill dpi="0" rotWithShape="0">
+          <a:blip r:embed="rId2"/>
+          <a:srcRect/>
+          <a:stretch>
+            <a:fillRect/>
+          </a:stretch>
+        </a:blipFill>
+        <a:effectLst/>
+      </p:bgPr>
+    </p:bg>
+    <p:spTree>
+      <p:nvGrpSpPr>
+        <p:cNvPr id="1" name=""/>
+        <p:cNvGrpSpPr/>
+        <p:nvPr/>
+      </p:nvGrpSpPr>
+      <p:grpSpPr>
+        <a:xfrm>
+          <a:off x="0" y="0"/>
+          <a:ext cx="0" cy="0"/>
+          <a:chOff x="0" y="0"/>
+          <a:chExt cx="0" cy="0"/>
+        </a:xfrm>
+      </p:grpSpPr>
+      <p:sp>
+        <p:nvSpPr>
+          <p:cNvPr id="2" name="Titre 1"/>
+          <p:cNvSpPr>
+            <a:spLocks noGrp="1"/>
+          </p:cNvSpPr>
+          <p:nvPr>
+            <p:ph type="title"/>
+          </p:nvPr>
+        </p:nvSpPr>
+        <p:spPr>
+          <a:xfrm>
+            <a:off x="1928813" y="274638"/>
+            <a:ext cx="6757987" cy="1143000"/>
           </a:xfrm>
         </p:spPr>
         <p:txBody>
@@ -4874,684 +7187,1130 @@
           </a:bodyPr>
           <a:lstStyle/>
           <a:p>
-            <a:pPr algn="just" fontAlgn="auto">
+            <a:pPr algn="l" fontAlgn="auto">
               <a:spcAft>
                 <a:spcPts val="0"/>
               </a:spcAft>
-              <a:buFont typeface="Arial" pitchFamily="34" charset="0"/>
-              <a:buChar char="•"/>
               <a:defRPr/>
             </a:pPr>
             <a:r>
-              <a:rPr lang="fr-FR" dirty="0" err="1" smtClean="0">
-                <a:solidFill>
-                  <a:schemeClr val="tx1">
-                    <a:lumMod val="75000"/>
-                    <a:lumOff val="25000"/>
-                  </a:schemeClr>
-                </a:solidFill>
-              </a:rPr>
-              <a:t>Lorem</a:t>
-            </a:r>
-            <a:r>
-              <a:rPr lang="fr-FR" dirty="0" smtClean="0">
-                <a:solidFill>
-                  <a:schemeClr val="tx1">
-                    <a:lumMod val="75000"/>
-                    <a:lumOff val="25000"/>
-                  </a:schemeClr>
-                </a:solidFill>
-              </a:rPr>
-              <a:t> </a:t>
-            </a:r>
-            <a:r>
-              <a:rPr lang="fr-FR" dirty="0" err="1" smtClean="0">
-                <a:solidFill>
-                  <a:schemeClr val="tx1">
-                    <a:lumMod val="75000"/>
-                    <a:lumOff val="25000"/>
-                  </a:schemeClr>
-                </a:solidFill>
-              </a:rPr>
-              <a:t>ipsum</a:t>
-            </a:r>
-            <a:r>
-              <a:rPr lang="fr-FR" dirty="0" smtClean="0">
-                <a:solidFill>
-                  <a:schemeClr val="tx1">
-                    <a:lumMod val="75000"/>
-                    <a:lumOff val="25000"/>
-                  </a:schemeClr>
-                </a:solidFill>
-              </a:rPr>
-              <a:t> </a:t>
-            </a:r>
-            <a:r>
-              <a:rPr lang="fr-FR" dirty="0" err="1" smtClean="0">
-                <a:solidFill>
-                  <a:schemeClr val="tx1">
-                    <a:lumMod val="75000"/>
-                    <a:lumOff val="25000"/>
-                  </a:schemeClr>
-                </a:solidFill>
-              </a:rPr>
-              <a:t>dolor</a:t>
-            </a:r>
-            <a:r>
-              <a:rPr lang="fr-FR" dirty="0" smtClean="0">
-                <a:solidFill>
-                  <a:schemeClr val="tx1">
-                    <a:lumMod val="75000"/>
-                    <a:lumOff val="25000"/>
-                  </a:schemeClr>
-                </a:solidFill>
-              </a:rPr>
-              <a:t> </a:t>
-            </a:r>
-            <a:r>
-              <a:rPr lang="fr-FR" dirty="0" err="1" smtClean="0">
-                <a:solidFill>
-                  <a:schemeClr val="tx1">
-                    <a:lumMod val="75000"/>
-                    <a:lumOff val="25000"/>
-                  </a:schemeClr>
-                </a:solidFill>
-              </a:rPr>
-              <a:t>sit</a:t>
-            </a:r>
-            <a:r>
-              <a:rPr lang="fr-FR" dirty="0" smtClean="0">
-                <a:solidFill>
-                  <a:schemeClr val="tx1">
-                    <a:lumMod val="75000"/>
-                    <a:lumOff val="25000"/>
-                  </a:schemeClr>
-                </a:solidFill>
-              </a:rPr>
-              <a:t> </a:t>
-            </a:r>
-            <a:r>
-              <a:rPr lang="fr-FR" dirty="0" err="1" smtClean="0">
-                <a:solidFill>
-                  <a:schemeClr val="tx1">
-                    <a:lumMod val="75000"/>
-                    <a:lumOff val="25000"/>
-                  </a:schemeClr>
-                </a:solidFill>
-              </a:rPr>
-              <a:t>amet</a:t>
-            </a:r>
-            <a:r>
-              <a:rPr lang="fr-FR" dirty="0" smtClean="0">
-                <a:solidFill>
-                  <a:schemeClr val="tx1">
-                    <a:lumMod val="75000"/>
-                    <a:lumOff val="25000"/>
-                  </a:schemeClr>
-                </a:solidFill>
-              </a:rPr>
-              <a:t>, </a:t>
-            </a:r>
-            <a:r>
-              <a:rPr lang="fr-FR" dirty="0" err="1" smtClean="0">
-                <a:solidFill>
-                  <a:schemeClr val="tx1">
-                    <a:lumMod val="75000"/>
-                    <a:lumOff val="25000"/>
-                  </a:schemeClr>
-                </a:solidFill>
-              </a:rPr>
-              <a:t>consectetuer</a:t>
-            </a:r>
-            <a:r>
-              <a:rPr lang="fr-FR" dirty="0" smtClean="0">
-                <a:solidFill>
-                  <a:schemeClr val="tx1">
-                    <a:lumMod val="75000"/>
-                    <a:lumOff val="25000"/>
-                  </a:schemeClr>
-                </a:solidFill>
-              </a:rPr>
-              <a:t> </a:t>
-            </a:r>
-            <a:r>
-              <a:rPr lang="fr-FR" dirty="0" err="1" smtClean="0">
-                <a:solidFill>
-                  <a:schemeClr val="tx1">
-                    <a:lumMod val="75000"/>
-                    <a:lumOff val="25000"/>
-                  </a:schemeClr>
-                </a:solidFill>
-              </a:rPr>
-              <a:t>adipiscing</a:t>
-            </a:r>
-            <a:r>
-              <a:rPr lang="fr-FR" dirty="0" smtClean="0">
-                <a:solidFill>
-                  <a:schemeClr val="tx1">
-                    <a:lumMod val="75000"/>
-                    <a:lumOff val="25000"/>
-                  </a:schemeClr>
-                </a:solidFill>
-              </a:rPr>
-              <a:t> </a:t>
-            </a:r>
-            <a:r>
-              <a:rPr lang="fr-FR" dirty="0" err="1" smtClean="0">
-                <a:solidFill>
-                  <a:schemeClr val="tx1">
-                    <a:lumMod val="75000"/>
-                    <a:lumOff val="25000"/>
-                  </a:schemeClr>
-                </a:solidFill>
-              </a:rPr>
-              <a:t>elit</a:t>
-            </a:r>
-            <a:r>
-              <a:rPr lang="fr-FR" dirty="0" smtClean="0">
-                <a:solidFill>
-                  <a:schemeClr val="tx1">
-                    <a:lumMod val="75000"/>
-                    <a:lumOff val="25000"/>
-                  </a:schemeClr>
-                </a:solidFill>
-              </a:rPr>
-              <a:t>. </a:t>
-            </a:r>
-            <a:r>
-              <a:rPr lang="fr-FR" dirty="0" err="1" smtClean="0">
-                <a:solidFill>
-                  <a:schemeClr val="tx1">
-                    <a:lumMod val="75000"/>
-                    <a:lumOff val="25000"/>
-                  </a:schemeClr>
-                </a:solidFill>
-              </a:rPr>
-              <a:t>Vivamus</a:t>
-            </a:r>
-            <a:r>
-              <a:rPr lang="fr-FR" dirty="0" smtClean="0">
-                <a:solidFill>
-                  <a:schemeClr val="tx1">
-                    <a:lumMod val="75000"/>
-                    <a:lumOff val="25000"/>
-                  </a:schemeClr>
-                </a:solidFill>
-              </a:rPr>
-              <a:t> et magna. </a:t>
-            </a:r>
-            <a:r>
-              <a:rPr lang="fr-FR" dirty="0" err="1" smtClean="0">
-                <a:solidFill>
-                  <a:schemeClr val="tx1">
-                    <a:lumMod val="75000"/>
-                    <a:lumOff val="25000"/>
-                  </a:schemeClr>
-                </a:solidFill>
-              </a:rPr>
-              <a:t>Fusce</a:t>
-            </a:r>
-            <a:r>
-              <a:rPr lang="fr-FR" dirty="0" smtClean="0">
-                <a:solidFill>
-                  <a:schemeClr val="tx1">
-                    <a:lumMod val="75000"/>
-                    <a:lumOff val="25000"/>
-                  </a:schemeClr>
-                </a:solidFill>
-              </a:rPr>
-              <a:t> </a:t>
-            </a:r>
-            <a:r>
-              <a:rPr lang="fr-FR" dirty="0" err="1" smtClean="0">
-                <a:solidFill>
-                  <a:schemeClr val="tx1">
-                    <a:lumMod val="75000"/>
-                    <a:lumOff val="25000"/>
-                  </a:schemeClr>
-                </a:solidFill>
-              </a:rPr>
-              <a:t>sed</a:t>
-            </a:r>
-            <a:r>
-              <a:rPr lang="fr-FR" dirty="0" smtClean="0">
-                <a:solidFill>
-                  <a:schemeClr val="tx1">
-                    <a:lumMod val="75000"/>
-                    <a:lumOff val="25000"/>
-                  </a:schemeClr>
-                </a:solidFill>
-              </a:rPr>
-              <a:t> </a:t>
-            </a:r>
-            <a:r>
-              <a:rPr lang="fr-FR" dirty="0" err="1" smtClean="0">
-                <a:solidFill>
-                  <a:schemeClr val="tx1">
-                    <a:lumMod val="75000"/>
-                    <a:lumOff val="25000"/>
-                  </a:schemeClr>
-                </a:solidFill>
-              </a:rPr>
-              <a:t>sem</a:t>
-            </a:r>
-            <a:r>
-              <a:rPr lang="fr-FR" dirty="0" smtClean="0">
-                <a:solidFill>
-                  <a:schemeClr val="tx1">
-                    <a:lumMod val="75000"/>
-                    <a:lumOff val="25000"/>
-                  </a:schemeClr>
-                </a:solidFill>
-              </a:rPr>
-              <a:t> </a:t>
-            </a:r>
-            <a:r>
-              <a:rPr lang="fr-FR" dirty="0" err="1" smtClean="0">
-                <a:solidFill>
-                  <a:schemeClr val="tx1">
-                    <a:lumMod val="75000"/>
-                    <a:lumOff val="25000"/>
-                  </a:schemeClr>
-                </a:solidFill>
-              </a:rPr>
-              <a:t>sed</a:t>
-            </a:r>
-            <a:r>
-              <a:rPr lang="fr-FR" dirty="0" smtClean="0">
-                <a:solidFill>
-                  <a:schemeClr val="tx1">
-                    <a:lumMod val="75000"/>
-                    <a:lumOff val="25000"/>
-                  </a:schemeClr>
-                </a:solidFill>
-              </a:rPr>
-              <a:t> magna </a:t>
-            </a:r>
-            <a:r>
-              <a:rPr lang="fr-FR" dirty="0" err="1" smtClean="0">
-                <a:solidFill>
-                  <a:schemeClr val="tx1">
-                    <a:lumMod val="75000"/>
-                    <a:lumOff val="25000"/>
-                  </a:schemeClr>
-                </a:solidFill>
-              </a:rPr>
-              <a:t>suscipit</a:t>
-            </a:r>
-            <a:r>
-              <a:rPr lang="fr-FR" dirty="0" smtClean="0">
-                <a:solidFill>
-                  <a:schemeClr val="tx1">
-                    <a:lumMod val="75000"/>
-                    <a:lumOff val="25000"/>
-                  </a:schemeClr>
-                </a:solidFill>
-              </a:rPr>
-              <a:t> </a:t>
-            </a:r>
-            <a:r>
-              <a:rPr lang="fr-FR" dirty="0" err="1" smtClean="0">
-                <a:solidFill>
-                  <a:schemeClr val="tx1">
-                    <a:lumMod val="75000"/>
-                    <a:lumOff val="25000"/>
-                  </a:schemeClr>
-                </a:solidFill>
-              </a:rPr>
-              <a:t>egestas</a:t>
-            </a:r>
-            <a:r>
-              <a:rPr lang="fr-FR" dirty="0" smtClean="0">
-                <a:solidFill>
-                  <a:schemeClr val="tx1">
-                    <a:lumMod val="75000"/>
-                    <a:lumOff val="25000"/>
-                  </a:schemeClr>
-                </a:solidFill>
-              </a:rPr>
-              <a:t>. </a:t>
-            </a:r>
-          </a:p>
-          <a:p>
-            <a:pPr algn="just" fontAlgn="auto">
+              <a:rPr lang="cs-CZ" dirty="0" smtClean="0">
+                <a:solidFill>
+                  <a:srgbClr val="3F3F3F"/>
+                </a:solidFill>
+                <a:cs typeface="+mj-ea" charset="0"/>
+              </a:rPr>
+              <a:t>Typické použití </a:t>
+            </a:r>
+            <a:endParaRPr lang="fr-FR" dirty="0" smtClean="0">
+              <a:solidFill>
+                <a:schemeClr val="tx1">
+                  <a:lumMod val="75000"/>
+                  <a:lumOff val="25000"/>
+                </a:schemeClr>
+              </a:solidFill>
+            </a:endParaRPr>
+          </a:p>
+        </p:txBody>
+      </p:sp>
+      <p:sp>
+        <p:nvSpPr>
+          <p:cNvPr id="3" name="Espace réservé du contenu 2"/>
+          <p:cNvSpPr>
+            <a:spLocks noGrp="1"/>
+          </p:cNvSpPr>
+          <p:nvPr>
+            <p:ph idx="1"/>
+          </p:nvPr>
+        </p:nvSpPr>
+        <p:spPr>
+          <a:xfrm>
+            <a:off x="1928813" y="1600200"/>
+            <a:ext cx="6757987" cy="4525963"/>
+          </a:xfrm>
+        </p:spPr>
+        <p:txBody>
+          <a:bodyPr rtlCol="0">
+            <a:normAutofit/>
+          </a:bodyPr>
+          <a:lstStyle/>
+          <a:p>
+            <a:pPr marL="339725" indent="-339725">
+              <a:lnSpc>
+                <a:spcPct val="98000"/>
+              </a:lnSpc>
+              <a:spcBef>
+                <a:spcPts val="638"/>
+              </a:spcBef>
+              <a:tabLst>
+                <a:tab pos="339725" algn="l"/>
+                <a:tab pos="796925" algn="l"/>
+                <a:tab pos="1254125" algn="l"/>
+                <a:tab pos="1711325" algn="l"/>
+                <a:tab pos="2168525" algn="l"/>
+                <a:tab pos="2625725" algn="l"/>
+                <a:tab pos="3082925" algn="l"/>
+                <a:tab pos="3540125" algn="l"/>
+                <a:tab pos="3997325" algn="l"/>
+                <a:tab pos="4454525" algn="l"/>
+                <a:tab pos="4911725" algn="l"/>
+                <a:tab pos="5368925" algn="l"/>
+                <a:tab pos="5826125" algn="l"/>
+                <a:tab pos="6283325" algn="l"/>
+                <a:tab pos="6740525" algn="l"/>
+                <a:tab pos="7197725" algn="l"/>
+                <a:tab pos="7654925" algn="l"/>
+                <a:tab pos="8112125" algn="l"/>
+                <a:tab pos="8569325" algn="l"/>
+                <a:tab pos="9026525" algn="l"/>
+                <a:tab pos="9483725" algn="l"/>
+              </a:tabLst>
+            </a:pPr>
+            <a:r>
+              <a:rPr lang="cs-CZ" dirty="0" smtClean="0">
+                <a:solidFill>
+                  <a:srgbClr val="3F3F3F"/>
+                </a:solidFill>
+                <a:cs typeface="+mn-ea" charset="0"/>
+              </a:rPr>
+              <a:t>Načtení dat dle kritérií (study </a:t>
+            </a:r>
+            <a:r>
+              <a:rPr lang="cs-CZ" dirty="0" err="1" smtClean="0">
+                <a:solidFill>
+                  <a:srgbClr val="3F3F3F"/>
+                </a:solidFill>
+                <a:cs typeface="+mn-ea" charset="0"/>
+              </a:rPr>
+              <a:t>manager</a:t>
+            </a:r>
+            <a:r>
+              <a:rPr lang="cs-CZ" dirty="0" smtClean="0">
+                <a:solidFill>
+                  <a:srgbClr val="3F3F3F"/>
+                </a:solidFill>
+                <a:cs typeface="+mn-ea" charset="0"/>
+              </a:rPr>
+              <a:t>)</a:t>
+            </a:r>
+          </a:p>
+          <a:p>
+            <a:pPr marL="339725" indent="-339725">
+              <a:lnSpc>
+                <a:spcPct val="98000"/>
+              </a:lnSpc>
+              <a:spcBef>
+                <a:spcPts val="638"/>
+              </a:spcBef>
+              <a:tabLst>
+                <a:tab pos="339725" algn="l"/>
+                <a:tab pos="796925" algn="l"/>
+                <a:tab pos="1254125" algn="l"/>
+                <a:tab pos="1711325" algn="l"/>
+                <a:tab pos="2168525" algn="l"/>
+                <a:tab pos="2625725" algn="l"/>
+                <a:tab pos="3082925" algn="l"/>
+                <a:tab pos="3540125" algn="l"/>
+                <a:tab pos="3997325" algn="l"/>
+                <a:tab pos="4454525" algn="l"/>
+                <a:tab pos="4911725" algn="l"/>
+                <a:tab pos="5368925" algn="l"/>
+                <a:tab pos="5826125" algn="l"/>
+                <a:tab pos="6283325" algn="l"/>
+                <a:tab pos="6740525" algn="l"/>
+                <a:tab pos="7197725" algn="l"/>
+                <a:tab pos="7654925" algn="l"/>
+                <a:tab pos="8112125" algn="l"/>
+                <a:tab pos="8569325" algn="l"/>
+                <a:tab pos="9026525" algn="l"/>
+                <a:tab pos="9483725" algn="l"/>
+              </a:tabLst>
+            </a:pPr>
+            <a:r>
+              <a:rPr lang="cs-CZ" dirty="0" smtClean="0">
+                <a:solidFill>
+                  <a:srgbClr val="3F3F3F"/>
+                </a:solidFill>
+                <a:cs typeface="+mn-ea" charset="0"/>
+              </a:rPr>
+              <a:t>Nastavitelné zobrazení vybraného obrazu</a:t>
+            </a:r>
+          </a:p>
+          <a:p>
+            <a:pPr marL="339725" indent="-339725">
+              <a:lnSpc>
+                <a:spcPct val="98000"/>
+              </a:lnSpc>
+              <a:spcBef>
+                <a:spcPts val="638"/>
+              </a:spcBef>
+              <a:tabLst>
+                <a:tab pos="339725" algn="l"/>
+                <a:tab pos="796925" algn="l"/>
+                <a:tab pos="1254125" algn="l"/>
+                <a:tab pos="1711325" algn="l"/>
+                <a:tab pos="2168525" algn="l"/>
+                <a:tab pos="2625725" algn="l"/>
+                <a:tab pos="3082925" algn="l"/>
+                <a:tab pos="3540125" algn="l"/>
+                <a:tab pos="3997325" algn="l"/>
+                <a:tab pos="4454525" algn="l"/>
+                <a:tab pos="4911725" algn="l"/>
+                <a:tab pos="5368925" algn="l"/>
+                <a:tab pos="5826125" algn="l"/>
+                <a:tab pos="6283325" algn="l"/>
+                <a:tab pos="6740525" algn="l"/>
+                <a:tab pos="7197725" algn="l"/>
+                <a:tab pos="7654925" algn="l"/>
+                <a:tab pos="8112125" algn="l"/>
+                <a:tab pos="8569325" algn="l"/>
+                <a:tab pos="9026525" algn="l"/>
+                <a:tab pos="9483725" algn="l"/>
+              </a:tabLst>
+            </a:pPr>
+            <a:r>
+              <a:rPr lang="cs-CZ" dirty="0" smtClean="0">
+                <a:solidFill>
+                  <a:srgbClr val="3F3F3F"/>
+                </a:solidFill>
+                <a:cs typeface="+mn-ea" charset="0"/>
+              </a:rPr>
+              <a:t>Nastavení parametrů algoritmů (číselné, interaktivní manipulace s daty, …)</a:t>
+            </a:r>
+          </a:p>
+          <a:p>
+            <a:pPr marL="339725" indent="-339725">
+              <a:lnSpc>
+                <a:spcPct val="98000"/>
+              </a:lnSpc>
+              <a:spcBef>
+                <a:spcPts val="638"/>
+              </a:spcBef>
+              <a:tabLst>
+                <a:tab pos="339725" algn="l"/>
+                <a:tab pos="796925" algn="l"/>
+                <a:tab pos="1254125" algn="l"/>
+                <a:tab pos="1711325" algn="l"/>
+                <a:tab pos="2168525" algn="l"/>
+                <a:tab pos="2625725" algn="l"/>
+                <a:tab pos="3082925" algn="l"/>
+                <a:tab pos="3540125" algn="l"/>
+                <a:tab pos="3997325" algn="l"/>
+                <a:tab pos="4454525" algn="l"/>
+                <a:tab pos="4911725" algn="l"/>
+                <a:tab pos="5368925" algn="l"/>
+                <a:tab pos="5826125" algn="l"/>
+                <a:tab pos="6283325" algn="l"/>
+                <a:tab pos="6740525" algn="l"/>
+                <a:tab pos="7197725" algn="l"/>
+                <a:tab pos="7654925" algn="l"/>
+                <a:tab pos="8112125" algn="l"/>
+                <a:tab pos="8569325" algn="l"/>
+                <a:tab pos="9026525" algn="l"/>
+                <a:tab pos="9483725" algn="l"/>
+              </a:tabLst>
+            </a:pPr>
+            <a:r>
+              <a:rPr lang="cs-CZ" dirty="0" smtClean="0">
+                <a:solidFill>
+                  <a:srgbClr val="3F3F3F"/>
+                </a:solidFill>
+                <a:cs typeface="+mn-ea" charset="0"/>
+              </a:rPr>
+              <a:t>Spuštění výpočtu, čekání na výsledek</a:t>
+            </a:r>
+            <a:endParaRPr lang="fr-FR" dirty="0">
+              <a:solidFill>
+                <a:srgbClr val="3F3F3F"/>
+              </a:solidFill>
+              <a:cs typeface="+mn-ea" charset="0"/>
+            </a:endParaRPr>
+          </a:p>
+        </p:txBody>
+      </p:sp>
+    </p:spTree>
+  </p:cSld>
+  <p:clrMapOvr>
+    <a:masterClrMapping/>
+  </p:clrMapOvr>
+  <p:timing>
+    <p:tnLst>
+      <p:par>
+        <p:cTn id="1" dur="indefinite" restart="never" nodeType="tmRoot"/>
+      </p:par>
+    </p:tnLst>
+  </p:timing>
+</p:sld>
+</file>
+
+<file path=ppt/slides/slide7.xml><?xml version="1.0" encoding="utf-8"?>
+<p:sld xmlns:a="http://schemas.openxmlformats.org/drawingml/2006/main" xmlns:r="http://schemas.openxmlformats.org/officeDocument/2006/relationships" xmlns:p="http://schemas.openxmlformats.org/presentationml/2006/main">
+  <p:cSld>
+    <p:bg>
+      <p:bgPr>
+        <a:blipFill dpi="0" rotWithShape="0">
+          <a:blip r:embed="rId2"/>
+          <a:srcRect/>
+          <a:stretch>
+            <a:fillRect/>
+          </a:stretch>
+        </a:blipFill>
+        <a:effectLst/>
+      </p:bgPr>
+    </p:bg>
+    <p:spTree>
+      <p:nvGrpSpPr>
+        <p:cNvPr id="1" name=""/>
+        <p:cNvGrpSpPr/>
+        <p:nvPr/>
+      </p:nvGrpSpPr>
+      <p:grpSpPr>
+        <a:xfrm>
+          <a:off x="0" y="0"/>
+          <a:ext cx="0" cy="0"/>
+          <a:chOff x="0" y="0"/>
+          <a:chExt cx="0" cy="0"/>
+        </a:xfrm>
+      </p:grpSpPr>
+      <p:sp>
+        <p:nvSpPr>
+          <p:cNvPr id="2" name="Titre 1"/>
+          <p:cNvSpPr>
+            <a:spLocks noGrp="1"/>
+          </p:cNvSpPr>
+          <p:nvPr>
+            <p:ph type="title"/>
+          </p:nvPr>
+        </p:nvSpPr>
+        <p:spPr>
+          <a:xfrm>
+            <a:off x="1928813" y="274638"/>
+            <a:ext cx="6757987" cy="1143000"/>
+          </a:xfrm>
+        </p:spPr>
+        <p:txBody>
+          <a:bodyPr rtlCol="0">
+            <a:normAutofit/>
+          </a:bodyPr>
+          <a:lstStyle/>
+          <a:p>
+            <a:pPr algn="l" fontAlgn="auto">
               <a:spcAft>
                 <a:spcPts val="0"/>
               </a:spcAft>
-              <a:buFont typeface="Arial" pitchFamily="34" charset="0"/>
-              <a:buChar char="•"/>
               <a:defRPr/>
             </a:pPr>
             <a:r>
-              <a:rPr lang="fr-FR" dirty="0" err="1" smtClean="0">
-                <a:solidFill>
-                  <a:schemeClr val="tx1">
-                    <a:lumMod val="75000"/>
-                    <a:lumOff val="25000"/>
-                  </a:schemeClr>
-                </a:solidFill>
-              </a:rPr>
-              <a:t>Lorem</a:t>
-            </a:r>
+              <a:rPr lang="cs-CZ" dirty="0" smtClean="0">
+                <a:solidFill>
+                  <a:srgbClr val="3F3F3F"/>
+                </a:solidFill>
+                <a:cs typeface="+mj-ea" charset="0"/>
+              </a:rPr>
+              <a:t>Naše práce</a:t>
+            </a:r>
+            <a:endParaRPr lang="fr-FR" dirty="0" smtClean="0">
+              <a:solidFill>
+                <a:schemeClr val="tx1">
+                  <a:lumMod val="75000"/>
+                  <a:lumOff val="25000"/>
+                </a:schemeClr>
+              </a:solidFill>
+            </a:endParaRPr>
+          </a:p>
+        </p:txBody>
+      </p:sp>
+      <p:sp>
+        <p:nvSpPr>
+          <p:cNvPr id="3" name="Espace réservé du contenu 2"/>
+          <p:cNvSpPr>
+            <a:spLocks noGrp="1"/>
+          </p:cNvSpPr>
+          <p:nvPr>
+            <p:ph idx="1"/>
+          </p:nvPr>
+        </p:nvSpPr>
+        <p:spPr>
+          <a:xfrm>
+            <a:off x="1928813" y="1600200"/>
+            <a:ext cx="6757987" cy="4525963"/>
+          </a:xfrm>
+        </p:spPr>
+        <p:txBody>
+          <a:bodyPr rtlCol="0">
+            <a:normAutofit lnSpcReduction="10000"/>
+          </a:bodyPr>
+          <a:lstStyle/>
+          <a:p>
+            <a:pPr marL="339725" indent="-339725">
+              <a:lnSpc>
+                <a:spcPct val="98000"/>
+              </a:lnSpc>
+              <a:spcBef>
+                <a:spcPts val="638"/>
+              </a:spcBef>
+              <a:tabLst>
+                <a:tab pos="339725" algn="l"/>
+                <a:tab pos="796925" algn="l"/>
+                <a:tab pos="1254125" algn="l"/>
+                <a:tab pos="1711325" algn="l"/>
+                <a:tab pos="2168525" algn="l"/>
+                <a:tab pos="2625725" algn="l"/>
+                <a:tab pos="3082925" algn="l"/>
+                <a:tab pos="3540125" algn="l"/>
+                <a:tab pos="3997325" algn="l"/>
+                <a:tab pos="4454525" algn="l"/>
+                <a:tab pos="4911725" algn="l"/>
+                <a:tab pos="5368925" algn="l"/>
+                <a:tab pos="5826125" algn="l"/>
+                <a:tab pos="6283325" algn="l"/>
+                <a:tab pos="6740525" algn="l"/>
+                <a:tab pos="7197725" algn="l"/>
+                <a:tab pos="7654925" algn="l"/>
+                <a:tab pos="8112125" algn="l"/>
+                <a:tab pos="8569325" algn="l"/>
+                <a:tab pos="9026525" algn="l"/>
+                <a:tab pos="9483725" algn="l"/>
+              </a:tabLst>
+            </a:pPr>
+            <a:r>
+              <a:rPr lang="cs-CZ" dirty="0" smtClean="0">
+                <a:solidFill>
+                  <a:srgbClr val="3F3F3F"/>
+                </a:solidFill>
+                <a:cs typeface="+mn-ea" charset="0"/>
+              </a:rPr>
+              <a:t>Sada nástrojů (</a:t>
+            </a:r>
+            <a:r>
+              <a:rPr lang="cs-CZ" dirty="0" err="1" smtClean="0">
+                <a:solidFill>
+                  <a:srgbClr val="3F3F3F"/>
+                </a:solidFill>
+                <a:cs typeface="+mn-ea" charset="0"/>
+              </a:rPr>
+              <a:t>framework</a:t>
+            </a:r>
+            <a:r>
+              <a:rPr lang="cs-CZ" dirty="0" smtClean="0">
+                <a:solidFill>
+                  <a:srgbClr val="3F3F3F"/>
+                </a:solidFill>
+                <a:cs typeface="+mn-ea" charset="0"/>
+              </a:rPr>
+              <a:t>), řešící uvedené problémy.</a:t>
+            </a:r>
+          </a:p>
+          <a:p>
+            <a:pPr marL="739775" lvl="1" indent="-339725">
+              <a:lnSpc>
+                <a:spcPct val="98000"/>
+              </a:lnSpc>
+              <a:spcBef>
+                <a:spcPts val="638"/>
+              </a:spcBef>
+              <a:tabLst>
+                <a:tab pos="339725" algn="l"/>
+                <a:tab pos="796925" algn="l"/>
+                <a:tab pos="1254125" algn="l"/>
+                <a:tab pos="1711325" algn="l"/>
+                <a:tab pos="2168525" algn="l"/>
+                <a:tab pos="2625725" algn="l"/>
+                <a:tab pos="3082925" algn="l"/>
+                <a:tab pos="3540125" algn="l"/>
+                <a:tab pos="3997325" algn="l"/>
+                <a:tab pos="4454525" algn="l"/>
+                <a:tab pos="4911725" algn="l"/>
+                <a:tab pos="5368925" algn="l"/>
+                <a:tab pos="5826125" algn="l"/>
+                <a:tab pos="6283325" algn="l"/>
+                <a:tab pos="6740525" algn="l"/>
+                <a:tab pos="7197725" algn="l"/>
+                <a:tab pos="7654925" algn="l"/>
+                <a:tab pos="8112125" algn="l"/>
+                <a:tab pos="8569325" algn="l"/>
+                <a:tab pos="9026525" algn="l"/>
+                <a:tab pos="9483725" algn="l"/>
+              </a:tabLst>
+            </a:pPr>
             <a:r>
               <a:rPr lang="fr-FR" dirty="0" smtClean="0">
                 <a:solidFill>
-                  <a:schemeClr val="tx1">
-                    <a:lumMod val="75000"/>
-                    <a:lumOff val="25000"/>
-                  </a:schemeClr>
-                </a:solidFill>
-              </a:rPr>
-              <a:t> </a:t>
-            </a:r>
-            <a:r>
-              <a:rPr lang="fr-FR" dirty="0" err="1" smtClean="0">
-                <a:solidFill>
-                  <a:schemeClr val="tx1">
-                    <a:lumMod val="75000"/>
-                    <a:lumOff val="25000"/>
-                  </a:schemeClr>
-                </a:solidFill>
-              </a:rPr>
-              <a:t>ipsum</a:t>
+                  <a:srgbClr val="3F3F3F"/>
+                </a:solidFill>
+                <a:cs typeface="+mn-ea" charset="0"/>
+              </a:rPr>
+              <a:t>Systém pro manipulaci </a:t>
+            </a:r>
+            <a:r>
+              <a:rPr lang="cs-CZ" dirty="0" smtClean="0">
+                <a:solidFill>
+                  <a:srgbClr val="3F3F3F"/>
+                </a:solidFill>
+                <a:cs typeface="+mn-ea" charset="0"/>
+              </a:rPr>
+              <a:t>s </a:t>
             </a:r>
             <a:r>
               <a:rPr lang="fr-FR" dirty="0" smtClean="0">
                 <a:solidFill>
-                  <a:schemeClr val="tx1">
-                    <a:lumMod val="75000"/>
-                    <a:lumOff val="25000"/>
-                  </a:schemeClr>
-                </a:solidFill>
-              </a:rPr>
-              <a:t> </a:t>
-            </a:r>
-            <a:r>
-              <a:rPr lang="fr-FR" dirty="0" err="1" smtClean="0">
-                <a:solidFill>
-                  <a:schemeClr val="tx1">
-                    <a:lumMod val="75000"/>
-                    <a:lumOff val="25000"/>
-                  </a:schemeClr>
-                </a:solidFill>
-              </a:rPr>
-              <a:t>dolor</a:t>
+                  <a:srgbClr val="3F3F3F"/>
+                </a:solidFill>
+                <a:cs typeface="+mn-ea" charset="0"/>
+              </a:rPr>
+              <a:t>DICOM dat</a:t>
+            </a:r>
+            <a:r>
+              <a:rPr lang="cs-CZ" dirty="0" smtClean="0">
+                <a:solidFill>
+                  <a:srgbClr val="3F3F3F"/>
+                </a:solidFill>
+                <a:cs typeface="+mn-ea" charset="0"/>
+              </a:rPr>
+              <a:t>y</a:t>
             </a:r>
             <a:r>
               <a:rPr lang="fr-FR" dirty="0" smtClean="0">
                 <a:solidFill>
-                  <a:schemeClr val="tx1">
-                    <a:lumMod val="75000"/>
-                    <a:lumOff val="25000"/>
-                  </a:schemeClr>
-                </a:solidFill>
-              </a:rPr>
-              <a:t> </a:t>
-            </a:r>
-            <a:r>
-              <a:rPr lang="fr-FR" dirty="0" err="1" smtClean="0">
-                <a:solidFill>
-                  <a:schemeClr val="tx1">
-                    <a:lumMod val="75000"/>
-                    <a:lumOff val="25000"/>
-                  </a:schemeClr>
-                </a:solidFill>
-              </a:rPr>
-              <a:t>sit</a:t>
-            </a:r>
+                  <a:srgbClr val="3F3F3F"/>
+                </a:solidFill>
+                <a:cs typeface="+mn-ea" charset="0"/>
+              </a:rPr>
+              <a:t>, není třeba se starat o detaily DICOMu</a:t>
+            </a:r>
+          </a:p>
+          <a:p>
+            <a:pPr marL="739775" lvl="1" indent="-339725">
+              <a:lnSpc>
+                <a:spcPct val="98000"/>
+              </a:lnSpc>
+              <a:spcBef>
+                <a:spcPts val="638"/>
+              </a:spcBef>
+              <a:tabLst>
+                <a:tab pos="339725" algn="l"/>
+                <a:tab pos="796925" algn="l"/>
+                <a:tab pos="1254125" algn="l"/>
+                <a:tab pos="1711325" algn="l"/>
+                <a:tab pos="2168525" algn="l"/>
+                <a:tab pos="2625725" algn="l"/>
+                <a:tab pos="3082925" algn="l"/>
+                <a:tab pos="3540125" algn="l"/>
+                <a:tab pos="3997325" algn="l"/>
+                <a:tab pos="4454525" algn="l"/>
+                <a:tab pos="4911725" algn="l"/>
+                <a:tab pos="5368925" algn="l"/>
+                <a:tab pos="5826125" algn="l"/>
+                <a:tab pos="6283325" algn="l"/>
+                <a:tab pos="6740525" algn="l"/>
+                <a:tab pos="7197725" algn="l"/>
+                <a:tab pos="7654925" algn="l"/>
+                <a:tab pos="8112125" algn="l"/>
+                <a:tab pos="8569325" algn="l"/>
+                <a:tab pos="9026525" algn="l"/>
+                <a:tab pos="9483725" algn="l"/>
+              </a:tabLst>
+            </a:pPr>
             <a:r>
               <a:rPr lang="fr-FR" dirty="0" smtClean="0">
                 <a:solidFill>
-                  <a:schemeClr val="tx1">
-                    <a:lumMod val="75000"/>
-                    <a:lumOff val="25000"/>
-                  </a:schemeClr>
-                </a:solidFill>
-              </a:rPr>
-              <a:t> </a:t>
-            </a:r>
-            <a:r>
-              <a:rPr lang="fr-FR" dirty="0" err="1" smtClean="0">
-                <a:solidFill>
-                  <a:schemeClr val="tx1">
-                    <a:lumMod val="75000"/>
-                    <a:lumOff val="25000"/>
-                  </a:schemeClr>
-                </a:solidFill>
-              </a:rPr>
-              <a:t>amet</a:t>
+                  <a:srgbClr val="3F3F3F"/>
+                </a:solidFill>
+                <a:cs typeface="+mn-ea" charset="0"/>
+              </a:rPr>
+              <a:t>Reprezentace a zpracování dat </a:t>
+            </a:r>
+            <a:r>
+              <a:rPr lang="cs-CZ" dirty="0" smtClean="0">
+                <a:solidFill>
+                  <a:srgbClr val="3F3F3F"/>
+                </a:solidFill>
+                <a:cs typeface="+mn-ea" charset="0"/>
+              </a:rPr>
+              <a:t>v paměti </a:t>
             </a:r>
             <a:r>
               <a:rPr lang="fr-FR" dirty="0" smtClean="0">
                 <a:solidFill>
-                  <a:schemeClr val="tx1">
-                    <a:lumMod val="75000"/>
-                    <a:lumOff val="25000"/>
-                  </a:schemeClr>
-                </a:solidFill>
-              </a:rPr>
-              <a:t>, </a:t>
-            </a:r>
-            <a:r>
-              <a:rPr lang="fr-FR" dirty="0" err="1" smtClean="0">
-                <a:solidFill>
-                  <a:schemeClr val="tx1">
-                    <a:lumMod val="75000"/>
-                    <a:lumOff val="25000"/>
-                  </a:schemeClr>
-                </a:solidFill>
-              </a:rPr>
-              <a:t>consectetuer</a:t>
-            </a:r>
+                  <a:srgbClr val="3F3F3F"/>
+                </a:solidFill>
+                <a:cs typeface="+mn-ea" charset="0"/>
+              </a:rPr>
+              <a:t>– pipelining</a:t>
+            </a:r>
+            <a:endParaRPr lang="cs-CZ" dirty="0" smtClean="0">
+              <a:solidFill>
+                <a:srgbClr val="3F3F3F"/>
+              </a:solidFill>
+              <a:cs typeface="+mn-ea" charset="0"/>
+            </a:endParaRPr>
+          </a:p>
+          <a:p>
+            <a:pPr marL="739775" lvl="1" indent="-339725">
+              <a:lnSpc>
+                <a:spcPct val="98000"/>
+              </a:lnSpc>
+              <a:spcBef>
+                <a:spcPts val="638"/>
+              </a:spcBef>
+              <a:tabLst>
+                <a:tab pos="339725" algn="l"/>
+                <a:tab pos="796925" algn="l"/>
+                <a:tab pos="1254125" algn="l"/>
+                <a:tab pos="1711325" algn="l"/>
+                <a:tab pos="2168525" algn="l"/>
+                <a:tab pos="2625725" algn="l"/>
+                <a:tab pos="3082925" algn="l"/>
+                <a:tab pos="3540125" algn="l"/>
+                <a:tab pos="3997325" algn="l"/>
+                <a:tab pos="4454525" algn="l"/>
+                <a:tab pos="4911725" algn="l"/>
+                <a:tab pos="5368925" algn="l"/>
+                <a:tab pos="5826125" algn="l"/>
+                <a:tab pos="6283325" algn="l"/>
+                <a:tab pos="6740525" algn="l"/>
+                <a:tab pos="7197725" algn="l"/>
+                <a:tab pos="7654925" algn="l"/>
+                <a:tab pos="8112125" algn="l"/>
+                <a:tab pos="8569325" algn="l"/>
+                <a:tab pos="9026525" algn="l"/>
+                <a:tab pos="9483725" algn="l"/>
+              </a:tabLst>
+            </a:pPr>
+            <a:r>
+              <a:rPr lang="cs-CZ" dirty="0" smtClean="0">
+                <a:solidFill>
+                  <a:srgbClr val="3F3F3F"/>
+                </a:solidFill>
+                <a:cs typeface="+mn-ea" charset="0"/>
+              </a:rPr>
+              <a:t>Naše prohlížeče + integrace VTK</a:t>
+            </a:r>
+            <a:endParaRPr lang="fr-FR" dirty="0" smtClean="0">
+              <a:solidFill>
+                <a:srgbClr val="3F3F3F"/>
+              </a:solidFill>
+              <a:cs typeface="+mn-ea" charset="0"/>
+            </a:endParaRPr>
+          </a:p>
+          <a:p>
+            <a:pPr marL="739775" lvl="1" indent="-339725">
+              <a:lnSpc>
+                <a:spcPct val="98000"/>
+              </a:lnSpc>
+              <a:spcBef>
+                <a:spcPts val="638"/>
+              </a:spcBef>
+              <a:tabLst>
+                <a:tab pos="339725" algn="l"/>
+                <a:tab pos="796925" algn="l"/>
+                <a:tab pos="1254125" algn="l"/>
+                <a:tab pos="1711325" algn="l"/>
+                <a:tab pos="2168525" algn="l"/>
+                <a:tab pos="2625725" algn="l"/>
+                <a:tab pos="3082925" algn="l"/>
+                <a:tab pos="3540125" algn="l"/>
+                <a:tab pos="3997325" algn="l"/>
+                <a:tab pos="4454525" algn="l"/>
+                <a:tab pos="4911725" algn="l"/>
+                <a:tab pos="5368925" algn="l"/>
+                <a:tab pos="5826125" algn="l"/>
+                <a:tab pos="6283325" algn="l"/>
+                <a:tab pos="6740525" algn="l"/>
+                <a:tab pos="7197725" algn="l"/>
+                <a:tab pos="7654925" algn="l"/>
+                <a:tab pos="8112125" algn="l"/>
+                <a:tab pos="8569325" algn="l"/>
+                <a:tab pos="9026525" algn="l"/>
+                <a:tab pos="9483725" algn="l"/>
+              </a:tabLst>
+            </a:pPr>
             <a:r>
               <a:rPr lang="fr-FR" dirty="0" smtClean="0">
                 <a:solidFill>
-                  <a:schemeClr val="tx1">
-                    <a:lumMod val="75000"/>
-                    <a:lumOff val="25000"/>
-                  </a:schemeClr>
-                </a:solidFill>
-              </a:rPr>
-              <a:t> </a:t>
-            </a:r>
-            <a:r>
-              <a:rPr lang="fr-FR" dirty="0" err="1" smtClean="0">
-                <a:solidFill>
-                  <a:schemeClr val="tx1">
-                    <a:lumMod val="75000"/>
-                    <a:lumOff val="25000"/>
-                  </a:schemeClr>
-                </a:solidFill>
-              </a:rPr>
-              <a:t>adipiscing</a:t>
-            </a:r>
+                  <a:srgbClr val="3F3F3F"/>
+                </a:solidFill>
+                <a:cs typeface="+mn-ea" charset="0"/>
+              </a:rPr>
+              <a:t>Specializované GUI widgety – unifikovaný vzhled aplikací</a:t>
+            </a:r>
+          </a:p>
+          <a:p>
+            <a:pPr marL="739775" lvl="1" indent="-339725">
+              <a:lnSpc>
+                <a:spcPct val="98000"/>
+              </a:lnSpc>
+              <a:spcBef>
+                <a:spcPts val="638"/>
+              </a:spcBef>
+              <a:tabLst>
+                <a:tab pos="339725" algn="l"/>
+                <a:tab pos="796925" algn="l"/>
+                <a:tab pos="1254125" algn="l"/>
+                <a:tab pos="1711325" algn="l"/>
+                <a:tab pos="2168525" algn="l"/>
+                <a:tab pos="2625725" algn="l"/>
+                <a:tab pos="3082925" algn="l"/>
+                <a:tab pos="3540125" algn="l"/>
+                <a:tab pos="3997325" algn="l"/>
+                <a:tab pos="4454525" algn="l"/>
+                <a:tab pos="4911725" algn="l"/>
+                <a:tab pos="5368925" algn="l"/>
+                <a:tab pos="5826125" algn="l"/>
+                <a:tab pos="6283325" algn="l"/>
+                <a:tab pos="6740525" algn="l"/>
+                <a:tab pos="7197725" algn="l"/>
+                <a:tab pos="7654925" algn="l"/>
+                <a:tab pos="8112125" algn="l"/>
+                <a:tab pos="8569325" algn="l"/>
+                <a:tab pos="9026525" algn="l"/>
+                <a:tab pos="9483725" algn="l"/>
+              </a:tabLst>
+            </a:pPr>
             <a:r>
               <a:rPr lang="fr-FR" dirty="0" smtClean="0">
                 <a:solidFill>
-                  <a:schemeClr val="tx1">
-                    <a:lumMod val="75000"/>
-                    <a:lumOff val="25000"/>
-                  </a:schemeClr>
-                </a:solidFill>
-              </a:rPr>
-              <a:t> </a:t>
-            </a:r>
-            <a:r>
-              <a:rPr lang="fr-FR" dirty="0" err="1" smtClean="0">
-                <a:solidFill>
-                  <a:schemeClr val="tx1">
-                    <a:lumMod val="75000"/>
-                    <a:lumOff val="25000"/>
-                  </a:schemeClr>
-                </a:solidFill>
-              </a:rPr>
-              <a:t>elit</a:t>
-            </a:r>
+                  <a:srgbClr val="3F3F3F"/>
+                </a:solidFill>
+                <a:cs typeface="+mn-ea" charset="0"/>
+              </a:rPr>
+              <a:t>Distribuované počítání</a:t>
+            </a:r>
+            <a:endParaRPr lang="cs-CZ" dirty="0" smtClean="0">
+              <a:solidFill>
+                <a:srgbClr val="3F3F3F"/>
+              </a:solidFill>
+              <a:cs typeface="+mn-ea" charset="0"/>
+            </a:endParaRPr>
+          </a:p>
+          <a:p>
+            <a:pPr marL="339725" indent="-339725">
+              <a:lnSpc>
+                <a:spcPct val="98000"/>
+              </a:lnSpc>
+              <a:spcBef>
+                <a:spcPts val="638"/>
+              </a:spcBef>
+              <a:tabLst>
+                <a:tab pos="339725" algn="l"/>
+                <a:tab pos="796925" algn="l"/>
+                <a:tab pos="1254125" algn="l"/>
+                <a:tab pos="1711325" algn="l"/>
+                <a:tab pos="2168525" algn="l"/>
+                <a:tab pos="2625725" algn="l"/>
+                <a:tab pos="3082925" algn="l"/>
+                <a:tab pos="3540125" algn="l"/>
+                <a:tab pos="3997325" algn="l"/>
+                <a:tab pos="4454525" algn="l"/>
+                <a:tab pos="4911725" algn="l"/>
+                <a:tab pos="5368925" algn="l"/>
+                <a:tab pos="5826125" algn="l"/>
+                <a:tab pos="6283325" algn="l"/>
+                <a:tab pos="6740525" algn="l"/>
+                <a:tab pos="7197725" algn="l"/>
+                <a:tab pos="7654925" algn="l"/>
+                <a:tab pos="8112125" algn="l"/>
+                <a:tab pos="8569325" algn="l"/>
+                <a:tab pos="9026525" algn="l"/>
+                <a:tab pos="9483725" algn="l"/>
+              </a:tabLst>
+            </a:pPr>
+            <a:endParaRPr lang="fr-FR" dirty="0">
+              <a:solidFill>
+                <a:srgbClr val="3F3F3F"/>
+              </a:solidFill>
+              <a:cs typeface="+mn-ea" charset="0"/>
+            </a:endParaRPr>
+          </a:p>
+        </p:txBody>
+      </p:sp>
+    </p:spTree>
+  </p:cSld>
+  <p:clrMapOvr>
+    <a:masterClrMapping/>
+  </p:clrMapOvr>
+  <p:timing>
+    <p:tnLst>
+      <p:par>
+        <p:cTn id="1" dur="indefinite" restart="never" nodeType="tmRoot"/>
+      </p:par>
+    </p:tnLst>
+  </p:timing>
+</p:sld>
+</file>
+
+<file path=ppt/slides/slide8.xml><?xml version="1.0" encoding="utf-8"?>
+<p:sld xmlns:a="http://schemas.openxmlformats.org/drawingml/2006/main" xmlns:r="http://schemas.openxmlformats.org/officeDocument/2006/relationships" xmlns:p="http://schemas.openxmlformats.org/presentationml/2006/main">
+  <p:cSld>
+    <p:bg>
+      <p:bgPr>
+        <a:blipFill dpi="0" rotWithShape="0">
+          <a:blip r:embed="rId2"/>
+          <a:srcRect/>
+          <a:stretch>
+            <a:fillRect/>
+          </a:stretch>
+        </a:blipFill>
+        <a:effectLst/>
+      </p:bgPr>
+    </p:bg>
+    <p:spTree>
+      <p:nvGrpSpPr>
+        <p:cNvPr id="1" name=""/>
+        <p:cNvGrpSpPr/>
+        <p:nvPr/>
+      </p:nvGrpSpPr>
+      <p:grpSpPr>
+        <a:xfrm>
+          <a:off x="0" y="0"/>
+          <a:ext cx="0" cy="0"/>
+          <a:chOff x="0" y="0"/>
+          <a:chExt cx="0" cy="0"/>
+        </a:xfrm>
+      </p:grpSpPr>
+      <p:sp>
+        <p:nvSpPr>
+          <p:cNvPr id="2" name="Titre 1"/>
+          <p:cNvSpPr>
+            <a:spLocks noGrp="1"/>
+          </p:cNvSpPr>
+          <p:nvPr>
+            <p:ph type="title"/>
+          </p:nvPr>
+        </p:nvSpPr>
+        <p:spPr>
+          <a:xfrm>
+            <a:off x="2057400" y="2819400"/>
+            <a:ext cx="6757987" cy="1143000"/>
+          </a:xfrm>
+        </p:spPr>
+        <p:txBody>
+          <a:bodyPr rtlCol="0">
+            <a:normAutofit/>
+          </a:bodyPr>
+          <a:lstStyle/>
+          <a:p>
+            <a:pPr fontAlgn="auto">
+              <a:spcAft>
+                <a:spcPts val="0"/>
+              </a:spcAft>
+              <a:defRPr/>
+            </a:pPr>
+            <a:r>
+              <a:rPr lang="cs-CZ" dirty="0" smtClean="0">
+                <a:solidFill>
+                  <a:srgbClr val="3F3F3F"/>
+                </a:solidFill>
+                <a:cs typeface="+mj-ea" charset="0"/>
+              </a:rPr>
+              <a:t>Komponenty </a:t>
+            </a:r>
+            <a:r>
+              <a:rPr lang="cs-CZ" dirty="0" err="1" smtClean="0">
+                <a:solidFill>
+                  <a:srgbClr val="3F3F3F"/>
+                </a:solidFill>
+                <a:cs typeface="+mj-ea" charset="0"/>
+              </a:rPr>
+              <a:t>frameworku</a:t>
+            </a:r>
+            <a:endParaRPr lang="fr-FR" dirty="0" smtClean="0">
+              <a:solidFill>
+                <a:schemeClr val="tx1">
+                  <a:lumMod val="75000"/>
+                  <a:lumOff val="25000"/>
+                </a:schemeClr>
+              </a:solidFill>
+            </a:endParaRPr>
+          </a:p>
+        </p:txBody>
+      </p:sp>
+    </p:spTree>
+  </p:cSld>
+  <p:clrMapOvr>
+    <a:masterClrMapping/>
+  </p:clrMapOvr>
+  <p:timing>
+    <p:tnLst>
+      <p:par>
+        <p:cTn id="1" dur="indefinite" restart="never" nodeType="tmRoot"/>
+      </p:par>
+    </p:tnLst>
+  </p:timing>
+</p:sld>
+</file>
+
+<file path=ppt/slides/slide9.xml><?xml version="1.0" encoding="utf-8"?>
+<p:sld xmlns:a="http://schemas.openxmlformats.org/drawingml/2006/main" xmlns:r="http://schemas.openxmlformats.org/officeDocument/2006/relationships" xmlns:p="http://schemas.openxmlformats.org/presentationml/2006/main">
+  <p:cSld>
+    <p:bg>
+      <p:bgPr>
+        <a:blipFill dpi="0" rotWithShape="0">
+          <a:blip r:embed="rId2"/>
+          <a:srcRect/>
+          <a:stretch>
+            <a:fillRect/>
+          </a:stretch>
+        </a:blipFill>
+        <a:effectLst/>
+      </p:bgPr>
+    </p:bg>
+    <p:spTree>
+      <p:nvGrpSpPr>
+        <p:cNvPr id="1" name=""/>
+        <p:cNvGrpSpPr/>
+        <p:nvPr/>
+      </p:nvGrpSpPr>
+      <p:grpSpPr>
+        <a:xfrm>
+          <a:off x="0" y="0"/>
+          <a:ext cx="0" cy="0"/>
+          <a:chOff x="0" y="0"/>
+          <a:chExt cx="0" cy="0"/>
+        </a:xfrm>
+      </p:grpSpPr>
+      <p:sp>
+        <p:nvSpPr>
+          <p:cNvPr id="2" name="Titre 1"/>
+          <p:cNvSpPr>
+            <a:spLocks noGrp="1"/>
+          </p:cNvSpPr>
+          <p:nvPr>
+            <p:ph type="title"/>
+          </p:nvPr>
+        </p:nvSpPr>
+        <p:spPr>
+          <a:xfrm>
+            <a:off x="1928813" y="274638"/>
+            <a:ext cx="6757987" cy="1143000"/>
+          </a:xfrm>
+        </p:spPr>
+        <p:txBody>
+          <a:bodyPr rtlCol="0">
+            <a:normAutofit/>
+          </a:bodyPr>
+          <a:lstStyle/>
+          <a:p>
+            <a:pPr algn="l" fontAlgn="auto">
+              <a:spcAft>
+                <a:spcPts val="0"/>
+              </a:spcAft>
+              <a:defRPr/>
+            </a:pPr>
+            <a:r>
+              <a:rPr lang="fr-CA" dirty="0" smtClean="0">
+                <a:solidFill>
+                  <a:srgbClr val="3F3F3F"/>
+                </a:solidFill>
+                <a:cs typeface="+mj-ea" charset="0"/>
+              </a:rPr>
+              <a:t>Knihovna Imaging</a:t>
+            </a:r>
+            <a:endParaRPr lang="fr-FR" dirty="0" smtClean="0">
+              <a:solidFill>
+                <a:schemeClr val="tx1">
+                  <a:lumMod val="75000"/>
+                  <a:lumOff val="25000"/>
+                </a:schemeClr>
+              </a:solidFill>
+            </a:endParaRPr>
+          </a:p>
+        </p:txBody>
+      </p:sp>
+      <p:sp>
+        <p:nvSpPr>
+          <p:cNvPr id="3" name="Espace réservé du contenu 2"/>
+          <p:cNvSpPr>
+            <a:spLocks noGrp="1"/>
+          </p:cNvSpPr>
+          <p:nvPr>
+            <p:ph idx="1"/>
+          </p:nvPr>
+        </p:nvSpPr>
+        <p:spPr>
+          <a:xfrm>
+            <a:off x="1928813" y="1600200"/>
+            <a:ext cx="6757987" cy="4525963"/>
+          </a:xfrm>
+        </p:spPr>
+        <p:txBody>
+          <a:bodyPr rtlCol="0">
+            <a:normAutofit/>
+          </a:bodyPr>
+          <a:lstStyle/>
+          <a:p>
+            <a:pPr marL="334963" indent="-334963">
+              <a:lnSpc>
+                <a:spcPct val="98000"/>
+              </a:lnSpc>
+              <a:spcBef>
+                <a:spcPts val="638"/>
+              </a:spcBef>
+              <a:tabLst>
+                <a:tab pos="334963" algn="l"/>
+                <a:tab pos="792163" algn="l"/>
+                <a:tab pos="1249363" algn="l"/>
+                <a:tab pos="1706563" algn="l"/>
+                <a:tab pos="2163763" algn="l"/>
+                <a:tab pos="2620963" algn="l"/>
+                <a:tab pos="3078163" algn="l"/>
+                <a:tab pos="3535363" algn="l"/>
+                <a:tab pos="3992563" algn="l"/>
+                <a:tab pos="4449763" algn="l"/>
+                <a:tab pos="4906963" algn="l"/>
+                <a:tab pos="5364163" algn="l"/>
+                <a:tab pos="5821363" algn="l"/>
+                <a:tab pos="6278563" algn="l"/>
+                <a:tab pos="6735763" algn="l"/>
+                <a:tab pos="7192963" algn="l"/>
+                <a:tab pos="7650163" algn="l"/>
+                <a:tab pos="8107363" algn="l"/>
+                <a:tab pos="8564563" algn="l"/>
+                <a:tab pos="9021763" algn="l"/>
+                <a:tab pos="9478963" algn="l"/>
+              </a:tabLst>
+            </a:pPr>
             <a:r>
               <a:rPr lang="fr-FR" dirty="0" smtClean="0">
                 <a:solidFill>
-                  <a:schemeClr val="tx1">
-                    <a:lumMod val="75000"/>
-                    <a:lumOff val="25000"/>
-                  </a:schemeClr>
-                </a:solidFill>
-              </a:rPr>
-              <a:t>. </a:t>
-            </a:r>
-            <a:r>
-              <a:rPr lang="fr-FR" dirty="0" err="1" smtClean="0">
-                <a:solidFill>
-                  <a:schemeClr val="tx1">
-                    <a:lumMod val="75000"/>
-                    <a:lumOff val="25000"/>
-                  </a:schemeClr>
-                </a:solidFill>
-              </a:rPr>
-              <a:t>Vivamus</a:t>
-            </a:r>
+                  <a:srgbClr val="3F3F3F"/>
+                </a:solidFill>
+                <a:cs typeface="+mn-ea" charset="0"/>
+              </a:rPr>
+              <a:t>Implementuje model pipelinového zpracování dat</a:t>
+            </a:r>
+          </a:p>
+          <a:p>
+            <a:pPr marL="334963" indent="-334963">
+              <a:lnSpc>
+                <a:spcPct val="98000"/>
+              </a:lnSpc>
+              <a:spcBef>
+                <a:spcPts val="638"/>
+              </a:spcBef>
+              <a:tabLst>
+                <a:tab pos="334963" algn="l"/>
+                <a:tab pos="792163" algn="l"/>
+                <a:tab pos="1249363" algn="l"/>
+                <a:tab pos="1706563" algn="l"/>
+                <a:tab pos="2163763" algn="l"/>
+                <a:tab pos="2620963" algn="l"/>
+                <a:tab pos="3078163" algn="l"/>
+                <a:tab pos="3535363" algn="l"/>
+                <a:tab pos="3992563" algn="l"/>
+                <a:tab pos="4449763" algn="l"/>
+                <a:tab pos="4906963" algn="l"/>
+                <a:tab pos="5364163" algn="l"/>
+                <a:tab pos="5821363" algn="l"/>
+                <a:tab pos="6278563" algn="l"/>
+                <a:tab pos="6735763" algn="l"/>
+                <a:tab pos="7192963" algn="l"/>
+                <a:tab pos="7650163" algn="l"/>
+                <a:tab pos="8107363" algn="l"/>
+                <a:tab pos="8564563" algn="l"/>
+                <a:tab pos="9021763" algn="l"/>
+                <a:tab pos="9478963" algn="l"/>
+              </a:tabLst>
+            </a:pPr>
             <a:r>
               <a:rPr lang="fr-FR" dirty="0" smtClean="0">
                 <a:solidFill>
-                  <a:schemeClr val="tx1">
-                    <a:lumMod val="75000"/>
-                    <a:lumOff val="25000"/>
-                  </a:schemeClr>
-                </a:solidFill>
-              </a:rPr>
-              <a:t> et magna. </a:t>
-            </a:r>
-            <a:r>
-              <a:rPr lang="fr-FR" dirty="0" err="1" smtClean="0">
-                <a:solidFill>
-                  <a:schemeClr val="tx1">
-                    <a:lumMod val="75000"/>
-                    <a:lumOff val="25000"/>
-                  </a:schemeClr>
-                </a:solidFill>
-              </a:rPr>
-              <a:t>Fusce</a:t>
-            </a:r>
+                  <a:srgbClr val="3F3F3F"/>
+                </a:solidFill>
+                <a:cs typeface="+mn-ea" charset="0"/>
+              </a:rPr>
+              <a:t>Navržena pro snadnou rozšiřitelnost hlavních částí</a:t>
+            </a:r>
+          </a:p>
+          <a:p>
+            <a:pPr marL="334963" indent="-334963">
+              <a:lnSpc>
+                <a:spcPct val="98000"/>
+              </a:lnSpc>
+              <a:spcBef>
+                <a:spcPts val="638"/>
+              </a:spcBef>
+              <a:tabLst>
+                <a:tab pos="334963" algn="l"/>
+                <a:tab pos="792163" algn="l"/>
+                <a:tab pos="1249363" algn="l"/>
+                <a:tab pos="1706563" algn="l"/>
+                <a:tab pos="2163763" algn="l"/>
+                <a:tab pos="2620963" algn="l"/>
+                <a:tab pos="3078163" algn="l"/>
+                <a:tab pos="3535363" algn="l"/>
+                <a:tab pos="3992563" algn="l"/>
+                <a:tab pos="4449763" algn="l"/>
+                <a:tab pos="4906963" algn="l"/>
+                <a:tab pos="5364163" algn="l"/>
+                <a:tab pos="5821363" algn="l"/>
+                <a:tab pos="6278563" algn="l"/>
+                <a:tab pos="6735763" algn="l"/>
+                <a:tab pos="7192963" algn="l"/>
+                <a:tab pos="7650163" algn="l"/>
+                <a:tab pos="8107363" algn="l"/>
+                <a:tab pos="8564563" algn="l"/>
+                <a:tab pos="9021763" algn="l"/>
+                <a:tab pos="9478963" algn="l"/>
+              </a:tabLst>
+            </a:pPr>
             <a:r>
               <a:rPr lang="fr-FR" dirty="0" smtClean="0">
                 <a:solidFill>
-                  <a:schemeClr val="tx1">
-                    <a:lumMod val="75000"/>
-                    <a:lumOff val="25000"/>
-                  </a:schemeClr>
-                </a:solidFill>
-              </a:rPr>
-              <a:t> </a:t>
-            </a:r>
-            <a:r>
-              <a:rPr lang="fr-FR" dirty="0" err="1" smtClean="0">
-                <a:solidFill>
-                  <a:schemeClr val="tx1">
-                    <a:lumMod val="75000"/>
-                    <a:lumOff val="25000"/>
-                  </a:schemeClr>
-                </a:solidFill>
-              </a:rPr>
-              <a:t>sed</a:t>
-            </a:r>
+                  <a:srgbClr val="3F3F3F"/>
+                </a:solidFill>
+                <a:cs typeface="+mn-ea" charset="0"/>
+              </a:rPr>
+              <a:t>Snadná paralelizace výpočtů</a:t>
+            </a:r>
+          </a:p>
+          <a:p>
+            <a:pPr marL="334963" indent="-334963">
+              <a:lnSpc>
+                <a:spcPct val="98000"/>
+              </a:lnSpc>
+              <a:spcBef>
+                <a:spcPts val="638"/>
+              </a:spcBef>
+              <a:tabLst>
+                <a:tab pos="334963" algn="l"/>
+                <a:tab pos="792163" algn="l"/>
+                <a:tab pos="1249363" algn="l"/>
+                <a:tab pos="1706563" algn="l"/>
+                <a:tab pos="2163763" algn="l"/>
+                <a:tab pos="2620963" algn="l"/>
+                <a:tab pos="3078163" algn="l"/>
+                <a:tab pos="3535363" algn="l"/>
+                <a:tab pos="3992563" algn="l"/>
+                <a:tab pos="4449763" algn="l"/>
+                <a:tab pos="4906963" algn="l"/>
+                <a:tab pos="5364163" algn="l"/>
+                <a:tab pos="5821363" algn="l"/>
+                <a:tab pos="6278563" algn="l"/>
+                <a:tab pos="6735763" algn="l"/>
+                <a:tab pos="7192963" algn="l"/>
+                <a:tab pos="7650163" algn="l"/>
+                <a:tab pos="8107363" algn="l"/>
+                <a:tab pos="8564563" algn="l"/>
+                <a:tab pos="9021763" algn="l"/>
+                <a:tab pos="9478963" algn="l"/>
+              </a:tabLst>
+            </a:pPr>
             <a:r>
               <a:rPr lang="fr-FR" dirty="0" smtClean="0">
                 <a:solidFill>
-                  <a:schemeClr val="tx1">
-                    <a:lumMod val="75000"/>
-                    <a:lumOff val="25000"/>
-                  </a:schemeClr>
-                </a:solidFill>
-              </a:rPr>
-              <a:t> </a:t>
-            </a:r>
-            <a:r>
-              <a:rPr lang="fr-FR" dirty="0" err="1" smtClean="0">
-                <a:solidFill>
-                  <a:schemeClr val="tx1">
-                    <a:lumMod val="75000"/>
-                    <a:lumOff val="25000"/>
-                  </a:schemeClr>
-                </a:solidFill>
-              </a:rPr>
-              <a:t>sem</a:t>
-            </a:r>
-            <a:r>
-              <a:rPr lang="fr-FR" dirty="0" smtClean="0">
-                <a:solidFill>
-                  <a:schemeClr val="tx1">
-                    <a:lumMod val="75000"/>
-                    <a:lumOff val="25000"/>
-                  </a:schemeClr>
-                </a:solidFill>
-              </a:rPr>
-              <a:t> </a:t>
-            </a:r>
-            <a:r>
-              <a:rPr lang="fr-FR" dirty="0" err="1" smtClean="0">
-                <a:solidFill>
-                  <a:schemeClr val="tx1">
-                    <a:lumMod val="75000"/>
-                    <a:lumOff val="25000"/>
-                  </a:schemeClr>
-                </a:solidFill>
-              </a:rPr>
-              <a:t>sed</a:t>
-            </a:r>
-            <a:r>
-              <a:rPr lang="fr-FR" dirty="0" smtClean="0">
-                <a:solidFill>
-                  <a:schemeClr val="tx1">
-                    <a:lumMod val="75000"/>
-                    <a:lumOff val="25000"/>
-                  </a:schemeClr>
-                </a:solidFill>
-              </a:rPr>
-              <a:t> magna </a:t>
-            </a:r>
-            <a:r>
-              <a:rPr lang="fr-FR" dirty="0" err="1" smtClean="0">
-                <a:solidFill>
-                  <a:schemeClr val="tx1">
-                    <a:lumMod val="75000"/>
-                    <a:lumOff val="25000"/>
-                  </a:schemeClr>
-                </a:solidFill>
-              </a:rPr>
-              <a:t>suscipit</a:t>
-            </a:r>
-            <a:r>
-              <a:rPr lang="fr-FR" dirty="0" smtClean="0">
-                <a:solidFill>
-                  <a:schemeClr val="tx1">
-                    <a:lumMod val="75000"/>
-                    <a:lumOff val="25000"/>
-                  </a:schemeClr>
-                </a:solidFill>
-              </a:rPr>
-              <a:t> </a:t>
-            </a:r>
-            <a:r>
-              <a:rPr lang="fr-FR" dirty="0" err="1" smtClean="0">
-                <a:solidFill>
-                  <a:schemeClr val="tx1">
-                    <a:lumMod val="75000"/>
-                    <a:lumOff val="25000"/>
-                  </a:schemeClr>
-                </a:solidFill>
-              </a:rPr>
-              <a:t>egestas</a:t>
-            </a:r>
-            <a:r>
-              <a:rPr lang="fr-FR" dirty="0" smtClean="0">
-                <a:solidFill>
-                  <a:schemeClr val="tx1">
-                    <a:lumMod val="75000"/>
-                    <a:lumOff val="25000"/>
-                  </a:schemeClr>
-                </a:solidFill>
-              </a:rPr>
-              <a:t>. </a:t>
-            </a:r>
+                  <a:srgbClr val="3F3F3F"/>
+                </a:solidFill>
+                <a:cs typeface="+mn-ea" charset="0"/>
+              </a:rPr>
+              <a:t>Z důvodu co největší efektivity a kontroly už během překladu – téměř všechny části šablonovány</a:t>
+            </a:r>
+            <a:endParaRPr lang="fr-FR" dirty="0">
+              <a:solidFill>
+                <a:srgbClr val="3F3F3F"/>
+              </a:solidFill>
+              <a:cs typeface="+mn-ea" charset="0"/>
+            </a:endParaRPr>
           </a:p>
         </p:txBody>
       </p:sp>
